--- a/Poster.pptx
+++ b/Poster.pptx
@@ -582,6 +582,53 @@
             <a:endParaRPr lang="en-US" baseline="0" dirty="0" smtClean="0"/>
           </a:p>
           <a:p>
+            <a:pPr marL="228600" indent="-228600">
+              <a:buAutoNum type="arabicPeriod"/>
+            </a:pPr>
+            <a:endParaRPr lang="en-US" baseline="0" dirty="0" smtClean="0"/>
+          </a:p>
+          <a:p>
+            <a:pPr marL="0" indent="0">
+              <a:buNone/>
+            </a:pPr>
+            <a:r>
+              <a:rPr lang="en-US" baseline="0" dirty="0" smtClean="0"/>
+              <a:t>The central picture I steal it from </a:t>
+            </a:r>
+            <a:r>
+              <a:rPr lang="en-US" baseline="0" dirty="0" err="1" smtClean="0"/>
+              <a:t>Issac’s</a:t>
+            </a:r>
+            <a:r>
+              <a:rPr lang="en-US" baseline="0" dirty="0" smtClean="0"/>
+              <a:t> documents directly and it it already a vector figure. Will rewrite this if necessary before printing to make it consistent with other figures.  </a:t>
+            </a:r>
+          </a:p>
+          <a:p>
+            <a:pPr marL="0" indent="0">
+              <a:buNone/>
+            </a:pPr>
+            <a:r>
+              <a:rPr lang="en-US" baseline="0" dirty="0" smtClean="0"/>
+              <a:t>The font-size mentioned by </a:t>
+            </a:r>
+            <a:r>
+              <a:rPr lang="en-US" baseline="0" dirty="0" err="1" smtClean="0"/>
+              <a:t>Pradhan</a:t>
+            </a:r>
+            <a:r>
+              <a:rPr lang="en-US" baseline="0" dirty="0" smtClean="0"/>
+              <a:t> seems too big in this setting. </a:t>
+            </a:r>
+            <a:endParaRPr lang="en-US" baseline="0" dirty="0" smtClean="0"/>
+          </a:p>
+          <a:p>
+            <a:pPr marL="228600" indent="-228600">
+              <a:buAutoNum type="arabicPeriod"/>
+            </a:pPr>
+            <a:endParaRPr lang="en-US" baseline="0" dirty="0" smtClean="0"/>
+          </a:p>
+          <a:p>
             <a:pPr marL="0" indent="0">
               <a:buNone/>
             </a:pPr>
@@ -612,7 +659,6 @@
               <a:rPr lang="en-US" baseline="0" dirty="0" smtClean="0"/>
               <a:t>Evaluation: How to **show** that is react faster ? </a:t>
             </a:r>
-            <a:endParaRPr lang="en-US" baseline="0" dirty="0" smtClean="0"/>
           </a:p>
           <a:p>
             <a:pPr marL="228600" indent="-228600">
@@ -3994,7 +4040,21 @@
                 <a:latin typeface="Arial"/>
                 <a:cs typeface="Arial"/>
               </a:rPr>
-              <a:t>Features and implementation on </a:t>
+              <a:t>Features </a:t>
+            </a:r>
+            <a:r>
+              <a:rPr lang="en-US" sz="800" dirty="0" smtClean="0">
+                <a:latin typeface="Arial"/>
+                <a:cs typeface="Arial"/>
+              </a:rPr>
+              <a:t>and </a:t>
+            </a:r>
+            <a:r>
+              <a:rPr lang="en-US" sz="800" dirty="0" smtClean="0">
+                <a:latin typeface="Arial"/>
+                <a:cs typeface="Arial"/>
+              </a:rPr>
+              <a:t>implementation on </a:t>
             </a:r>
             <a:r>
               <a:rPr lang="en-US" sz="800" dirty="0" err="1" smtClean="0">
@@ -4048,10 +4108,6 @@
               </a:rPr>
               <a:t> </a:t>
             </a:r>
-            <a:endParaRPr lang="en-US" sz="800" dirty="0" smtClean="0">
-              <a:latin typeface="Arial"/>
-              <a:cs typeface="Arial"/>
-            </a:endParaRPr>
           </a:p>
         </p:txBody>
       </p:sp>
@@ -4115,50 +4171,6 @@
           </a:prstGeom>
         </p:spPr>
       </p:pic>
-      <p:sp>
-        <p:nvSpPr>
-          <p:cNvPr id="32" name="TextBox 31"/>
-          <p:cNvSpPr txBox="1"/>
-          <p:nvPr/>
-        </p:nvSpPr>
-        <p:spPr>
-          <a:xfrm>
-            <a:off x="292379" y="4790017"/>
-            <a:ext cx="1820333" cy="646331"/>
-          </a:xfrm>
-          <a:prstGeom prst="rect">
-            <a:avLst/>
-          </a:prstGeom>
-          <a:noFill/>
-        </p:spPr>
-        <p:txBody>
-          <a:bodyPr wrap="square" rtlCol="0">
-            <a:spAutoFit/>
-          </a:bodyPr>
-          <a:lstStyle/>
-          <a:p>
-            <a:pPr algn="ctr"/>
-            <a:r>
-              <a:rPr lang="en-US" sz="1200" dirty="0" smtClean="0">
-                <a:latin typeface="Arial"/>
-                <a:cs typeface="Arial"/>
-              </a:rPr>
-              <a:t>Descriptive </a:t>
-            </a:r>
-            <a:r>
-              <a:rPr lang="en-US" sz="1200" dirty="0" smtClean="0">
-                <a:latin typeface="Arial"/>
-                <a:cs typeface="Arial"/>
-              </a:rPr>
-              <a:t>word, emphasize of modularity</a:t>
-            </a:r>
-            <a:endParaRPr lang="en-US" sz="1200" dirty="0">
-              <a:latin typeface="Arial"/>
-              <a:cs typeface="Arial"/>
-            </a:endParaRPr>
-          </a:p>
-        </p:txBody>
-      </p:sp>
       <p:grpSp>
         <p:nvGrpSpPr>
           <p:cNvPr id="4" name="Group 3"/>
@@ -4968,7 +4980,7 @@
         </p:nvSpPr>
         <p:spPr>
           <a:xfrm>
-            <a:off x="6609306" y="4530673"/>
+            <a:off x="6609306" y="3743666"/>
             <a:ext cx="2262717" cy="152930"/>
           </a:xfrm>
           <a:prstGeom prst="round2SameRect">
@@ -5008,7 +5020,7 @@
                 <a:latin typeface="Arial"/>
                 <a:cs typeface="Arial"/>
               </a:rPr>
-              <a:t>Conclusion</a:t>
+              <a:t>Result &amp; Conclusion</a:t>
             </a:r>
             <a:endParaRPr lang="en-US" sz="800" b="1" dirty="0">
               <a:solidFill>
@@ -5787,8 +5799,8 @@
         </p:nvGrpSpPr>
         <p:grpSpPr>
           <a:xfrm>
-            <a:off x="174836" y="1215611"/>
-            <a:ext cx="861983" cy="3042353"/>
+            <a:off x="174836" y="1165805"/>
+            <a:ext cx="861983" cy="3169128"/>
             <a:chOff x="855133" y="880532"/>
             <a:chExt cx="897467" cy="2736935"/>
           </a:xfrm>
@@ -6400,14 +6412,619 @@
         </p:blipFill>
         <p:spPr>
           <a:xfrm>
-            <a:off x="2590607" y="999711"/>
-            <a:ext cx="3807305" cy="3186256"/>
+            <a:off x="2645831" y="999711"/>
+            <a:ext cx="3725526" cy="3117817"/>
           </a:xfrm>
           <a:prstGeom prst="rect">
             <a:avLst/>
           </a:prstGeom>
         </p:spPr>
       </p:pic>
+      <p:sp>
+        <p:nvSpPr>
+          <p:cNvPr id="2" name="TextBox 1"/>
+          <p:cNvSpPr txBox="1"/>
+          <p:nvPr/>
+        </p:nvSpPr>
+        <p:spPr>
+          <a:xfrm>
+            <a:off x="132507" y="4715244"/>
+            <a:ext cx="2365160" cy="1692771"/>
+          </a:xfrm>
+          <a:prstGeom prst="rect">
+            <a:avLst/>
+          </a:prstGeom>
+          <a:noFill/>
+        </p:spPr>
+        <p:txBody>
+          <a:bodyPr wrap="square" rtlCol="0">
+            <a:spAutoFit/>
+          </a:bodyPr>
+          <a:lstStyle/>
+          <a:p>
+            <a:r>
+              <a:rPr lang="en-US" sz="800" dirty="0" smtClean="0">
+                <a:latin typeface="Arial"/>
+                <a:cs typeface="Arial"/>
+              </a:rPr>
+              <a:t>Achieved by implementing </a:t>
+            </a:r>
+            <a:r>
+              <a:rPr lang="en-US" sz="800" dirty="0" err="1" smtClean="0">
+                <a:latin typeface="Arial"/>
+                <a:cs typeface="Arial"/>
+              </a:rPr>
+              <a:t>Gobblin</a:t>
+            </a:r>
+            <a:r>
+              <a:rPr lang="en-US" sz="800" dirty="0" smtClean="0">
+                <a:latin typeface="Arial"/>
+                <a:cs typeface="Arial"/>
+              </a:rPr>
+              <a:t> job discovery and refactoring job launcher to:</a:t>
+            </a:r>
+          </a:p>
+          <a:p>
+            <a:endParaRPr lang="en-US" sz="800" dirty="0" smtClean="0">
+              <a:latin typeface="Arial"/>
+              <a:cs typeface="Arial"/>
+            </a:endParaRPr>
+          </a:p>
+          <a:p>
+            <a:pPr marL="171450" indent="-171450">
+              <a:buFont typeface="Arial"/>
+              <a:buChar char="•"/>
+            </a:pPr>
+            <a:r>
+              <a:rPr lang="en-US" sz="800" b="1" dirty="0" smtClean="0">
+                <a:latin typeface="Arial"/>
+                <a:cs typeface="Arial"/>
+              </a:rPr>
+              <a:t>Modularity: </a:t>
+            </a:r>
+            <a:r>
+              <a:rPr lang="en-US" sz="800" dirty="0" smtClean="0">
+                <a:latin typeface="Arial"/>
+                <a:cs typeface="Arial"/>
+              </a:rPr>
+              <a:t>Make all components fully cross compatible.</a:t>
+            </a:r>
+          </a:p>
+          <a:p>
+            <a:pPr marL="171450" indent="-171450">
+              <a:buFont typeface="Arial"/>
+              <a:buChar char="•"/>
+            </a:pPr>
+            <a:r>
+              <a:rPr lang="en-US" sz="800" b="1" dirty="0" smtClean="0">
+                <a:latin typeface="Arial"/>
+                <a:cs typeface="Arial"/>
+              </a:rPr>
+              <a:t>Generality: </a:t>
+            </a:r>
+            <a:r>
+              <a:rPr lang="en-US" sz="800" dirty="0" smtClean="0">
+                <a:latin typeface="Arial"/>
+                <a:cs typeface="Arial"/>
+              </a:rPr>
+              <a:t>Implemented job discovery and job monitoring </a:t>
+            </a:r>
+            <a:r>
+              <a:rPr lang="en-US" sz="800" dirty="0">
+                <a:latin typeface="Arial"/>
+                <a:cs typeface="Arial"/>
+              </a:rPr>
+              <a:t>process </a:t>
+            </a:r>
+            <a:r>
+              <a:rPr lang="en-US" sz="800" dirty="0" smtClean="0">
+                <a:latin typeface="Arial"/>
+                <a:cs typeface="Arial"/>
+              </a:rPr>
+              <a:t>for general file system. </a:t>
+            </a:r>
+          </a:p>
+          <a:p>
+            <a:pPr marL="171450" indent="-171450">
+              <a:buFont typeface="Arial"/>
+              <a:buChar char="•"/>
+            </a:pPr>
+            <a:r>
+              <a:rPr lang="en-US" sz="800" b="1" dirty="0" smtClean="0">
+                <a:latin typeface="Arial"/>
+                <a:cs typeface="Arial"/>
+              </a:rPr>
+              <a:t>Compatibility*: </a:t>
+            </a:r>
+            <a:r>
+              <a:rPr lang="en-US" sz="800" dirty="0" smtClean="0">
+                <a:latin typeface="Arial"/>
+                <a:cs typeface="Arial"/>
+              </a:rPr>
+              <a:t>Adding job submission interface capabilities and the implementation.</a:t>
+            </a:r>
+            <a:endParaRPr lang="en-US" sz="800" b="1" dirty="0" smtClean="0">
+              <a:latin typeface="Arial"/>
+              <a:cs typeface="Arial"/>
+            </a:endParaRPr>
+          </a:p>
+          <a:p>
+            <a:pPr marL="171450" indent="-171450">
+              <a:buFont typeface="Arial"/>
+              <a:buChar char="•"/>
+            </a:pPr>
+            <a:endParaRPr lang="en-US" sz="800" dirty="0" smtClean="0">
+              <a:latin typeface="Arial"/>
+              <a:cs typeface="Arial"/>
+            </a:endParaRPr>
+          </a:p>
+          <a:p>
+            <a:pPr marL="171450" indent="-171450">
+              <a:buFont typeface="Arial"/>
+              <a:buChar char="•"/>
+            </a:pPr>
+            <a:endParaRPr lang="en-US" sz="800" dirty="0">
+              <a:latin typeface="Arial"/>
+              <a:cs typeface="Arial"/>
+            </a:endParaRPr>
+          </a:p>
+        </p:txBody>
+      </p:sp>
+      <p:sp>
+        <p:nvSpPr>
+          <p:cNvPr id="5" name="TextBox 4"/>
+          <p:cNvSpPr txBox="1"/>
+          <p:nvPr/>
+        </p:nvSpPr>
+        <p:spPr>
+          <a:xfrm>
+            <a:off x="2604501" y="4042545"/>
+            <a:ext cx="3875619" cy="707886"/>
+          </a:xfrm>
+          <a:prstGeom prst="rect">
+            <a:avLst/>
+          </a:prstGeom>
+          <a:noFill/>
+        </p:spPr>
+        <p:txBody>
+          <a:bodyPr wrap="square" rtlCol="0">
+            <a:spAutoFit/>
+          </a:bodyPr>
+          <a:lstStyle/>
+          <a:p>
+            <a:r>
+              <a:rPr lang="en-US" sz="800" dirty="0" smtClean="0">
+                <a:latin typeface="Arial"/>
+                <a:cs typeface="Arial"/>
+              </a:rPr>
+              <a:t>Current design mingled job monitor, which is responsible for observing target job configuration file folder with job scheduler, as long as catalog storage. We instead extract each components as independent object and controlled by </a:t>
+            </a:r>
+            <a:r>
+              <a:rPr lang="en-US" sz="800" dirty="0" err="1" smtClean="0">
+                <a:latin typeface="Arial"/>
+                <a:cs typeface="Arial"/>
+              </a:rPr>
+              <a:t>gobblin</a:t>
+            </a:r>
+            <a:r>
+              <a:rPr lang="en-US" sz="800" dirty="0" smtClean="0">
+                <a:latin typeface="Arial"/>
+                <a:cs typeface="Arial"/>
+              </a:rPr>
+              <a:t> instance driver, so that user could declare appropriate type of implementation for different workload.</a:t>
+            </a:r>
+          </a:p>
+        </p:txBody>
+      </p:sp>
+      <p:sp>
+        <p:nvSpPr>
+          <p:cNvPr id="59" name="TextBox 58"/>
+          <p:cNvSpPr txBox="1"/>
+          <p:nvPr/>
+        </p:nvSpPr>
+        <p:spPr>
+          <a:xfrm>
+            <a:off x="2604501" y="4683603"/>
+            <a:ext cx="3875619" cy="584776"/>
+          </a:xfrm>
+          <a:prstGeom prst="rect">
+            <a:avLst/>
+          </a:prstGeom>
+          <a:noFill/>
+        </p:spPr>
+        <p:txBody>
+          <a:bodyPr wrap="square" rtlCol="0">
+            <a:spAutoFit/>
+          </a:bodyPr>
+          <a:lstStyle/>
+          <a:p>
+            <a:r>
+              <a:rPr lang="en-US" sz="800" dirty="0" smtClean="0">
+                <a:latin typeface="Arial"/>
+                <a:cs typeface="Arial"/>
+              </a:rPr>
+              <a:t>The generality is emphasized by extension of job discovery, corresponded to </a:t>
+            </a:r>
+            <a:r>
+              <a:rPr lang="en-US" sz="800" dirty="0" smtClean="0">
+                <a:latin typeface="Courier New"/>
+                <a:cs typeface="Courier New"/>
+              </a:rPr>
+              <a:t>Job Spec Catalog</a:t>
+            </a:r>
+            <a:r>
+              <a:rPr lang="en-US" sz="800" dirty="0" smtClean="0">
+                <a:latin typeface="Arial"/>
+                <a:cs typeface="Arial"/>
+              </a:rPr>
+              <a:t> and </a:t>
+            </a:r>
+            <a:r>
+              <a:rPr lang="en-US" sz="800" dirty="0" smtClean="0">
+                <a:latin typeface="Courier New"/>
+                <a:cs typeface="Courier New"/>
+              </a:rPr>
+              <a:t>Job Spec Monitor</a:t>
+            </a:r>
+            <a:r>
+              <a:rPr lang="en-US" sz="800" dirty="0" smtClean="0">
+                <a:latin typeface="Arial"/>
+                <a:cs typeface="Arial"/>
+              </a:rPr>
+              <a:t>. As illustrated by the figure below, job configuration file can only be loaded from </a:t>
+            </a:r>
+            <a:r>
+              <a:rPr lang="en-US" sz="800" dirty="0" err="1" smtClean="0">
+                <a:latin typeface="Arial"/>
+                <a:cs typeface="Arial"/>
+              </a:rPr>
+              <a:t>localFS</a:t>
+            </a:r>
+            <a:r>
+              <a:rPr lang="en-US" sz="800" dirty="0" smtClean="0">
+                <a:latin typeface="Arial"/>
+                <a:cs typeface="Arial"/>
+              </a:rPr>
+              <a:t> originally, is now extended to be fetched from general file system with support of HDFS interface.</a:t>
+            </a:r>
+          </a:p>
+        </p:txBody>
+      </p:sp>
+      <p:sp>
+        <p:nvSpPr>
+          <p:cNvPr id="60" name="TextBox 59"/>
+          <p:cNvSpPr txBox="1"/>
+          <p:nvPr/>
+        </p:nvSpPr>
+        <p:spPr>
+          <a:xfrm>
+            <a:off x="6609306" y="2507935"/>
+            <a:ext cx="2407693" cy="1200328"/>
+          </a:xfrm>
+          <a:prstGeom prst="rect">
+            <a:avLst/>
+          </a:prstGeom>
+          <a:noFill/>
+        </p:spPr>
+        <p:txBody>
+          <a:bodyPr wrap="square" rtlCol="0">
+            <a:spAutoFit/>
+          </a:bodyPr>
+          <a:lstStyle/>
+          <a:p>
+            <a:r>
+              <a:rPr lang="en-US" sz="800" dirty="0" smtClean="0">
+                <a:latin typeface="Arial"/>
+                <a:cs typeface="Arial"/>
+              </a:rPr>
+              <a:t>The compatibility is addressed by adding CLI interface, which consists the major part of future work. It basically allows user to submit </a:t>
+            </a:r>
+            <a:r>
+              <a:rPr lang="en-US" sz="800" dirty="0" err="1" smtClean="0">
+                <a:latin typeface="Arial"/>
+                <a:cs typeface="Arial"/>
+              </a:rPr>
+              <a:t>Gobblin</a:t>
+            </a:r>
+            <a:r>
+              <a:rPr lang="en-US" sz="800" dirty="0" smtClean="0">
+                <a:latin typeface="Arial"/>
+                <a:cs typeface="Arial"/>
+              </a:rPr>
+              <a:t> job through easier submission approach through different platforms, including but not limited REST, Kafka and </a:t>
+            </a:r>
+            <a:r>
+              <a:rPr lang="en-US" sz="800" dirty="0" err="1" smtClean="0">
+                <a:latin typeface="Arial"/>
+                <a:cs typeface="Arial"/>
+              </a:rPr>
+              <a:t>RabbitMQ</a:t>
+            </a:r>
+            <a:r>
+              <a:rPr lang="en-US" sz="800" dirty="0" smtClean="0">
+                <a:latin typeface="Arial"/>
+                <a:cs typeface="Arial"/>
+              </a:rPr>
+              <a:t>. It is </a:t>
+            </a:r>
+            <a:r>
+              <a:rPr lang="en-US" sz="800" dirty="0" smtClean="0">
+                <a:latin typeface="Courier New"/>
+                <a:cs typeface="Courier New"/>
+              </a:rPr>
+              <a:t>Job Spec Monitor</a:t>
+            </a:r>
+            <a:r>
+              <a:rPr lang="en-US" sz="800" dirty="0" smtClean="0">
+                <a:latin typeface="Arial"/>
+                <a:cs typeface="Arial"/>
+              </a:rPr>
+              <a:t>’s responsibility to catch these incoming message and interact with other components within </a:t>
+            </a:r>
+            <a:r>
+              <a:rPr lang="en-US" sz="800" dirty="0" err="1" smtClean="0">
+                <a:latin typeface="Arial"/>
+                <a:cs typeface="Arial"/>
+              </a:rPr>
+              <a:t>gobblin</a:t>
+            </a:r>
+            <a:r>
+              <a:rPr lang="en-US" sz="800" dirty="0" smtClean="0">
+                <a:latin typeface="Arial"/>
+                <a:cs typeface="Arial"/>
+              </a:rPr>
+              <a:t> runtime engine.</a:t>
+            </a:r>
+          </a:p>
+        </p:txBody>
+      </p:sp>
+      <p:sp>
+        <p:nvSpPr>
+          <p:cNvPr id="61" name="TextBox 60"/>
+          <p:cNvSpPr txBox="1"/>
+          <p:nvPr/>
+        </p:nvSpPr>
+        <p:spPr>
+          <a:xfrm>
+            <a:off x="6598300" y="3948251"/>
+            <a:ext cx="2407693" cy="1200328"/>
+          </a:xfrm>
+          <a:prstGeom prst="rect">
+            <a:avLst/>
+          </a:prstGeom>
+          <a:noFill/>
+        </p:spPr>
+        <p:txBody>
+          <a:bodyPr wrap="square" rtlCol="0">
+            <a:spAutoFit/>
+          </a:bodyPr>
+          <a:lstStyle/>
+          <a:p>
+            <a:r>
+              <a:rPr lang="en-US" sz="800" dirty="0" smtClean="0">
+                <a:latin typeface="Arial"/>
+                <a:cs typeface="Arial"/>
+              </a:rPr>
+              <a:t>Major impact of the work includes: </a:t>
+            </a:r>
+          </a:p>
+          <a:p>
+            <a:pPr marL="171450" indent="-171450">
+              <a:buFont typeface="Arial"/>
+              <a:buChar char="•"/>
+            </a:pPr>
+            <a:r>
+              <a:rPr lang="en-US" sz="800" dirty="0" err="1" smtClean="0">
+                <a:latin typeface="Arial"/>
+                <a:cs typeface="Arial"/>
+              </a:rPr>
+              <a:t>Gobblin</a:t>
+            </a:r>
+            <a:r>
+              <a:rPr lang="en-US" sz="800" dirty="0" smtClean="0">
+                <a:latin typeface="Arial"/>
+                <a:cs typeface="Arial"/>
+              </a:rPr>
+              <a:t> runtime engine’s modularity is improved, which makes it easier for user configuration. </a:t>
+            </a:r>
+          </a:p>
+          <a:p>
+            <a:pPr marL="171450" indent="-171450">
+              <a:buFont typeface="Arial"/>
+              <a:buChar char="•"/>
+            </a:pPr>
+            <a:r>
+              <a:rPr lang="en-US" sz="800" dirty="0" err="1" smtClean="0">
+                <a:latin typeface="Arial"/>
+                <a:cs typeface="Arial"/>
+              </a:rPr>
+              <a:t>Gobblin</a:t>
+            </a:r>
+            <a:r>
+              <a:rPr lang="en-US" sz="800" dirty="0" smtClean="0">
+                <a:latin typeface="Arial"/>
+                <a:cs typeface="Arial"/>
+              </a:rPr>
+              <a:t> can react faster to new job configuration creation, deletion and modification from their working FS.</a:t>
+            </a:r>
+          </a:p>
+          <a:p>
+            <a:pPr marL="171450" indent="-171450">
+              <a:buFont typeface="Arial"/>
+              <a:buChar char="•"/>
+            </a:pPr>
+            <a:r>
+              <a:rPr lang="en-US" sz="800" dirty="0" smtClean="0">
+                <a:latin typeface="Arial"/>
+                <a:cs typeface="Arial"/>
+              </a:rPr>
+              <a:t>*Easier approach to access the core of job configuration management.</a:t>
+            </a:r>
+          </a:p>
+        </p:txBody>
+      </p:sp>
+      <p:sp>
+        <p:nvSpPr>
+          <p:cNvPr id="62" name="TextBox 61"/>
+          <p:cNvSpPr txBox="1"/>
+          <p:nvPr/>
+        </p:nvSpPr>
+        <p:spPr>
+          <a:xfrm>
+            <a:off x="1036325" y="1128267"/>
+            <a:ext cx="1514257" cy="3293210"/>
+          </a:xfrm>
+          <a:prstGeom prst="rect">
+            <a:avLst/>
+          </a:prstGeom>
+          <a:noFill/>
+        </p:spPr>
+        <p:txBody>
+          <a:bodyPr wrap="square" rtlCol="0">
+            <a:spAutoFit/>
+          </a:bodyPr>
+          <a:lstStyle/>
+          <a:p>
+            <a:r>
+              <a:rPr lang="en-US" sz="800" dirty="0" err="1" smtClean="0">
+                <a:latin typeface="Arial"/>
+                <a:cs typeface="Arial"/>
+              </a:rPr>
+              <a:t>Gobblin</a:t>
+            </a:r>
+            <a:r>
+              <a:rPr lang="en-US" sz="800" dirty="0" smtClean="0">
+                <a:latin typeface="Arial"/>
+                <a:cs typeface="Arial"/>
+              </a:rPr>
+              <a:t> is a universal data </a:t>
+            </a:r>
+            <a:r>
+              <a:rPr lang="en-US" sz="800" dirty="0">
+                <a:latin typeface="Arial"/>
+                <a:cs typeface="Arial"/>
+              </a:rPr>
+              <a:t>ingestion </a:t>
+            </a:r>
+            <a:r>
+              <a:rPr lang="en-US" sz="800" dirty="0" smtClean="0">
+                <a:latin typeface="Arial"/>
+                <a:cs typeface="Arial"/>
+              </a:rPr>
+              <a:t>framework for </a:t>
+            </a:r>
+            <a:r>
+              <a:rPr lang="en-US" sz="800" dirty="0">
+                <a:latin typeface="Arial"/>
+                <a:cs typeface="Arial"/>
+              </a:rPr>
+              <a:t>extracting, transforming, and loading large volume of data from a variety of data sources, e.g., databases, rest APIs, FTP/SFTP servers, filers, etc., onto </a:t>
+            </a:r>
+            <a:r>
+              <a:rPr lang="en-US" sz="800" dirty="0" err="1">
+                <a:latin typeface="Arial"/>
+                <a:cs typeface="Arial"/>
+              </a:rPr>
+              <a:t>Hadoop</a:t>
+            </a:r>
+            <a:r>
+              <a:rPr lang="en-US" sz="800" dirty="0">
+                <a:latin typeface="Arial"/>
+                <a:cs typeface="Arial"/>
+              </a:rPr>
+              <a:t>. </a:t>
+            </a:r>
+            <a:endParaRPr lang="en-US" sz="800" dirty="0" smtClean="0">
+              <a:latin typeface="Arial"/>
+              <a:cs typeface="Arial"/>
+            </a:endParaRPr>
+          </a:p>
+          <a:p>
+            <a:endParaRPr lang="en-US" sz="800" dirty="0" smtClean="0">
+              <a:latin typeface="Arial"/>
+              <a:cs typeface="Arial"/>
+            </a:endParaRPr>
+          </a:p>
+          <a:p>
+            <a:r>
+              <a:rPr lang="en-US" sz="800" dirty="0" smtClean="0">
+                <a:latin typeface="Arial"/>
+                <a:cs typeface="Arial"/>
+              </a:rPr>
+              <a:t>Our work focused on improving </a:t>
+            </a:r>
+            <a:r>
+              <a:rPr lang="en-US" sz="800" dirty="0" err="1" smtClean="0">
+                <a:latin typeface="Arial"/>
+                <a:cs typeface="Arial"/>
+              </a:rPr>
+              <a:t>Gobblin</a:t>
+            </a:r>
+            <a:r>
+              <a:rPr lang="en-US" sz="800" dirty="0" smtClean="0">
+                <a:latin typeface="Arial"/>
+                <a:cs typeface="Arial"/>
+              </a:rPr>
+              <a:t> running engine, especially in terms of its handling for job configuration files. The current implementation has the following disadvantages:</a:t>
+            </a:r>
+          </a:p>
+          <a:p>
+            <a:pPr marL="171450" indent="-171450">
+              <a:buFont typeface="Arial"/>
+              <a:buChar char="•"/>
+            </a:pPr>
+            <a:r>
+              <a:rPr lang="en-US" sz="800" dirty="0" smtClean="0">
+                <a:latin typeface="Arial"/>
+                <a:cs typeface="Arial"/>
+              </a:rPr>
+              <a:t>Hard to achieve cross-compatible. </a:t>
+            </a:r>
+          </a:p>
+          <a:p>
+            <a:pPr marL="171450" indent="-171450">
+              <a:buFont typeface="Arial"/>
+              <a:buChar char="•"/>
+            </a:pPr>
+            <a:r>
+              <a:rPr lang="en-US" sz="800" dirty="0" smtClean="0">
+                <a:latin typeface="Arial"/>
+                <a:cs typeface="Arial"/>
+              </a:rPr>
+              <a:t>Limit in local file system to fetch the configuration files. </a:t>
+            </a:r>
+          </a:p>
+          <a:p>
+            <a:pPr marL="171450" indent="-171450">
+              <a:buFont typeface="Arial"/>
+              <a:buChar char="•"/>
+            </a:pPr>
+            <a:r>
+              <a:rPr lang="en-US" sz="800" dirty="0" smtClean="0">
+                <a:latin typeface="Arial"/>
+                <a:cs typeface="Arial"/>
+              </a:rPr>
+              <a:t>Lacking user-friendly interface for job configuration submission.</a:t>
+            </a:r>
+          </a:p>
+          <a:p>
+            <a:pPr marL="171450" indent="-171450">
+              <a:buFont typeface="Arial"/>
+              <a:buChar char="•"/>
+            </a:pPr>
+            <a:endParaRPr lang="en-US" sz="800" dirty="0" smtClean="0">
+              <a:latin typeface="Arial"/>
+              <a:cs typeface="Arial"/>
+            </a:endParaRPr>
+          </a:p>
+          <a:p>
+            <a:endParaRPr lang="en-US" sz="800" dirty="0" smtClean="0">
+              <a:latin typeface="Arial"/>
+              <a:cs typeface="Arial"/>
+            </a:endParaRPr>
+          </a:p>
+        </p:txBody>
+      </p:sp>
     </p:spTree>
     <p:extLst>
       <p:ext uri="{BB962C8B-B14F-4D97-AF65-F5344CB8AC3E}">

--- a/Poster.pptx
+++ b/Poster.pptx
@@ -9,8 +9,8 @@
   </p:notesMasterIdLst>
   <p:sldIdLst>
     <p:sldId id="256" r:id="rId2"/>
-    <p:sldId id="257" r:id="rId3"/>
-    <p:sldId id="258" r:id="rId4"/>
+    <p:sldId id="258" r:id="rId3"/>
+    <p:sldId id="257" r:id="rId4"/>
     <p:sldId id="259" r:id="rId5"/>
   </p:sldIdLst>
   <p:sldSz cx="9144000" cy="6400800"/>
@@ -120,8 +120,8 @@
         </p14:section>
         <p14:section name="Components" id="{0F069228-3486-094C-A873-85940EEFA48D}">
           <p14:sldIdLst>
+            <p14:sldId id="258"/>
             <p14:sldId id="257"/>
-            <p14:sldId id="258"/>
             <p14:sldId id="259"/>
           </p14:sldIdLst>
         </p14:section>
@@ -213,7 +213,7 @@
           <a:p>
             <a:fld id="{6836FEBA-0C91-D742-AE8D-FA4BCD036ECE}" type="datetimeFigureOut">
               <a:rPr lang="en-US" smtClean="0"/>
-              <a:t>7/20/16</a:t>
+              <a:t>7/25/16</a:t>
             </a:fld>
             <a:endParaRPr lang="en-US"/>
           </a:p>
@@ -573,7 +573,6 @@
               <a:rPr lang="en-US" baseline="0" dirty="0" smtClean="0"/>
               <a:t>Adding job submission interface capabilities and implementation. (Already finished Azkaban, CLI to-do) </a:t>
             </a:r>
-            <a:endParaRPr lang="en-US" baseline="0" dirty="0" smtClean="0"/>
           </a:p>
           <a:p>
             <a:pPr marL="228600" indent="-228600">
@@ -620,7 +619,6 @@
               <a:rPr lang="en-US" baseline="0" dirty="0" smtClean="0"/>
               <a:t> seems too big in this setting. </a:t>
             </a:r>
-            <a:endParaRPr lang="en-US" baseline="0" dirty="0" smtClean="0"/>
           </a:p>
           <a:p>
             <a:pPr marL="228600" indent="-228600">
@@ -711,6 +709,98 @@
 </file>
 
 <file path=ppt/notesSlides/notesSlide2.xml><?xml version="1.0" encoding="utf-8"?>
+<p:notes xmlns:a="http://schemas.openxmlformats.org/drawingml/2006/main" xmlns:r="http://schemas.openxmlformats.org/officeDocument/2006/relationships" xmlns:p="http://schemas.openxmlformats.org/presentationml/2006/main">
+  <p:cSld>
+    <p:spTree>
+      <p:nvGrpSpPr>
+        <p:cNvPr id="1" name=""/>
+        <p:cNvGrpSpPr/>
+        <p:nvPr/>
+      </p:nvGrpSpPr>
+      <p:grpSpPr>
+        <a:xfrm>
+          <a:off x="0" y="0"/>
+          <a:ext cx="0" cy="0"/>
+          <a:chOff x="0" y="0"/>
+          <a:chExt cx="0" cy="0"/>
+        </a:xfrm>
+      </p:grpSpPr>
+      <p:sp>
+        <p:nvSpPr>
+          <p:cNvPr id="2" name="Slide Image Placeholder 1"/>
+          <p:cNvSpPr>
+            <a:spLocks noGrp="1" noRot="1" noChangeAspect="1"/>
+          </p:cNvSpPr>
+          <p:nvPr>
+            <p:ph type="sldImg"/>
+          </p:nvPr>
+        </p:nvSpPr>
+        <p:spPr/>
+      </p:sp>
+      <p:sp>
+        <p:nvSpPr>
+          <p:cNvPr id="3" name="Notes Placeholder 2"/>
+          <p:cNvSpPr>
+            <a:spLocks noGrp="1"/>
+          </p:cNvSpPr>
+          <p:nvPr>
+            <p:ph type="body" idx="1"/>
+          </p:nvPr>
+        </p:nvSpPr>
+        <p:spPr/>
+        <p:txBody>
+          <a:bodyPr/>
+          <a:lstStyle/>
+          <a:p>
+            <a:r>
+              <a:rPr lang="en-US" dirty="0" smtClean="0"/>
+              <a:t>To discuss : How to connect this part to the whole other</a:t>
+            </a:r>
+            <a:r>
+              <a:rPr lang="en-US" baseline="0" dirty="0" smtClean="0"/>
+              <a:t> things ? </a:t>
+            </a:r>
+            <a:endParaRPr lang="en-US" dirty="0"/>
+          </a:p>
+        </p:txBody>
+      </p:sp>
+      <p:sp>
+        <p:nvSpPr>
+          <p:cNvPr id="4" name="Slide Number Placeholder 3"/>
+          <p:cNvSpPr>
+            <a:spLocks noGrp="1"/>
+          </p:cNvSpPr>
+          <p:nvPr>
+            <p:ph type="sldNum" sz="quarter" idx="10"/>
+          </p:nvPr>
+        </p:nvSpPr>
+        <p:spPr/>
+        <p:txBody>
+          <a:bodyPr/>
+          <a:lstStyle/>
+          <a:p>
+            <a:fld id="{15EEC8E0-053E-F74F-BF70-E1459DEC0717}" type="slidenum">
+              <a:rPr lang="en-US" smtClean="0"/>
+              <a:t>2</a:t>
+            </a:fld>
+            <a:endParaRPr lang="en-US"/>
+          </a:p>
+        </p:txBody>
+      </p:sp>
+    </p:spTree>
+    <p:extLst>
+      <p:ext uri="{BB962C8B-B14F-4D97-AF65-F5344CB8AC3E}">
+        <p14:creationId xmlns:p14="http://schemas.microsoft.com/office/powerpoint/2010/main" val="2910052969"/>
+      </p:ext>
+    </p:extLst>
+  </p:cSld>
+  <p:clrMapOvr>
+    <a:masterClrMapping/>
+  </p:clrMapOvr>
+</p:notes>
+</file>
+
+<file path=ppt/notesSlides/notesSlide3.xml><?xml version="1.0" encoding="utf-8"?>
 <p:notes xmlns:a="http://schemas.openxmlformats.org/drawingml/2006/main" xmlns:r="http://schemas.openxmlformats.org/officeDocument/2006/relationships" xmlns:p="http://schemas.openxmlformats.org/presentationml/2006/main">
   <p:cSld>
     <p:spTree>
@@ -780,7 +870,7 @@
           <a:p>
             <a:fld id="{15EEC8E0-053E-F74F-BF70-E1459DEC0717}" type="slidenum">
               <a:rPr lang="en-US" smtClean="0"/>
-              <a:t>2</a:t>
+              <a:t>3</a:t>
             </a:fld>
             <a:endParaRPr lang="en-US"/>
           </a:p>
@@ -790,98 +880,6 @@
     <p:extLst>
       <p:ext uri="{BB962C8B-B14F-4D97-AF65-F5344CB8AC3E}">
         <p14:creationId xmlns:p14="http://schemas.microsoft.com/office/powerpoint/2010/main" val="2521847601"/>
-      </p:ext>
-    </p:extLst>
-  </p:cSld>
-  <p:clrMapOvr>
-    <a:masterClrMapping/>
-  </p:clrMapOvr>
-</p:notes>
-</file>
-
-<file path=ppt/notesSlides/notesSlide3.xml><?xml version="1.0" encoding="utf-8"?>
-<p:notes xmlns:a="http://schemas.openxmlformats.org/drawingml/2006/main" xmlns:r="http://schemas.openxmlformats.org/officeDocument/2006/relationships" xmlns:p="http://schemas.openxmlformats.org/presentationml/2006/main">
-  <p:cSld>
-    <p:spTree>
-      <p:nvGrpSpPr>
-        <p:cNvPr id="1" name=""/>
-        <p:cNvGrpSpPr/>
-        <p:nvPr/>
-      </p:nvGrpSpPr>
-      <p:grpSpPr>
-        <a:xfrm>
-          <a:off x="0" y="0"/>
-          <a:ext cx="0" cy="0"/>
-          <a:chOff x="0" y="0"/>
-          <a:chExt cx="0" cy="0"/>
-        </a:xfrm>
-      </p:grpSpPr>
-      <p:sp>
-        <p:nvSpPr>
-          <p:cNvPr id="2" name="Slide Image Placeholder 1"/>
-          <p:cNvSpPr>
-            <a:spLocks noGrp="1" noRot="1" noChangeAspect="1"/>
-          </p:cNvSpPr>
-          <p:nvPr>
-            <p:ph type="sldImg"/>
-          </p:nvPr>
-        </p:nvSpPr>
-        <p:spPr/>
-      </p:sp>
-      <p:sp>
-        <p:nvSpPr>
-          <p:cNvPr id="3" name="Notes Placeholder 2"/>
-          <p:cNvSpPr>
-            <a:spLocks noGrp="1"/>
-          </p:cNvSpPr>
-          <p:nvPr>
-            <p:ph type="body" idx="1"/>
-          </p:nvPr>
-        </p:nvSpPr>
-        <p:spPr/>
-        <p:txBody>
-          <a:bodyPr/>
-          <a:lstStyle/>
-          <a:p>
-            <a:r>
-              <a:rPr lang="en-US" dirty="0" smtClean="0"/>
-              <a:t>To discuss : How to connect this part to the whole other</a:t>
-            </a:r>
-            <a:r>
-              <a:rPr lang="en-US" baseline="0" dirty="0" smtClean="0"/>
-              <a:t> things ? </a:t>
-            </a:r>
-            <a:endParaRPr lang="en-US" dirty="0"/>
-          </a:p>
-        </p:txBody>
-      </p:sp>
-      <p:sp>
-        <p:nvSpPr>
-          <p:cNvPr id="4" name="Slide Number Placeholder 3"/>
-          <p:cNvSpPr>
-            <a:spLocks noGrp="1"/>
-          </p:cNvSpPr>
-          <p:nvPr>
-            <p:ph type="sldNum" sz="quarter" idx="10"/>
-          </p:nvPr>
-        </p:nvSpPr>
-        <p:spPr/>
-        <p:txBody>
-          <a:bodyPr/>
-          <a:lstStyle/>
-          <a:p>
-            <a:fld id="{15EEC8E0-053E-F74F-BF70-E1459DEC0717}" type="slidenum">
-              <a:rPr lang="en-US" smtClean="0"/>
-              <a:t>3</a:t>
-            </a:fld>
-            <a:endParaRPr lang="en-US"/>
-          </a:p>
-        </p:txBody>
-      </p:sp>
-    </p:spTree>
-    <p:extLst>
-      <p:ext uri="{BB962C8B-B14F-4D97-AF65-F5344CB8AC3E}">
-        <p14:creationId xmlns:p14="http://schemas.microsoft.com/office/powerpoint/2010/main" val="2910052969"/>
       </p:ext>
     </p:extLst>
   </p:cSld>
@@ -1072,7 +1070,7 @@
           <a:p>
             <a:fld id="{30CAD416-3797-D040-BA1A-6C93A3D369E6}" type="datetimeFigureOut">
               <a:rPr lang="en-US" smtClean="0"/>
-              <a:t>7/20/16</a:t>
+              <a:t>7/25/16</a:t>
             </a:fld>
             <a:endParaRPr lang="en-US"/>
           </a:p>
@@ -1242,7 +1240,7 @@
           <a:p>
             <a:fld id="{30CAD416-3797-D040-BA1A-6C93A3D369E6}" type="datetimeFigureOut">
               <a:rPr lang="en-US" smtClean="0"/>
-              <a:t>7/20/16</a:t>
+              <a:t>7/25/16</a:t>
             </a:fld>
             <a:endParaRPr lang="en-US"/>
           </a:p>
@@ -1422,7 +1420,7 @@
           <a:p>
             <a:fld id="{30CAD416-3797-D040-BA1A-6C93A3D369E6}" type="datetimeFigureOut">
               <a:rPr lang="en-US" smtClean="0"/>
-              <a:t>7/20/16</a:t>
+              <a:t>7/25/16</a:t>
             </a:fld>
             <a:endParaRPr lang="en-US"/>
           </a:p>
@@ -1592,7 +1590,7 @@
           <a:p>
             <a:fld id="{30CAD416-3797-D040-BA1A-6C93A3D369E6}" type="datetimeFigureOut">
               <a:rPr lang="en-US" smtClean="0"/>
-              <a:t>7/20/16</a:t>
+              <a:t>7/25/16</a:t>
             </a:fld>
             <a:endParaRPr lang="en-US"/>
           </a:p>
@@ -1838,7 +1836,7 @@
           <a:p>
             <a:fld id="{30CAD416-3797-D040-BA1A-6C93A3D369E6}" type="datetimeFigureOut">
               <a:rPr lang="en-US" smtClean="0"/>
-              <a:t>7/20/16</a:t>
+              <a:t>7/25/16</a:t>
             </a:fld>
             <a:endParaRPr lang="en-US"/>
           </a:p>
@@ -2126,7 +2124,7 @@
           <a:p>
             <a:fld id="{30CAD416-3797-D040-BA1A-6C93A3D369E6}" type="datetimeFigureOut">
               <a:rPr lang="en-US" smtClean="0"/>
-              <a:t>7/20/16</a:t>
+              <a:t>7/25/16</a:t>
             </a:fld>
             <a:endParaRPr lang="en-US"/>
           </a:p>
@@ -2548,7 +2546,7 @@
           <a:p>
             <a:fld id="{30CAD416-3797-D040-BA1A-6C93A3D369E6}" type="datetimeFigureOut">
               <a:rPr lang="en-US" smtClean="0"/>
-              <a:t>7/20/16</a:t>
+              <a:t>7/25/16</a:t>
             </a:fld>
             <a:endParaRPr lang="en-US"/>
           </a:p>
@@ -2666,7 +2664,7 @@
           <a:p>
             <a:fld id="{30CAD416-3797-D040-BA1A-6C93A3D369E6}" type="datetimeFigureOut">
               <a:rPr lang="en-US" smtClean="0"/>
-              <a:t>7/20/16</a:t>
+              <a:t>7/25/16</a:t>
             </a:fld>
             <a:endParaRPr lang="en-US"/>
           </a:p>
@@ -2761,7 +2759,7 @@
           <a:p>
             <a:fld id="{30CAD416-3797-D040-BA1A-6C93A3D369E6}" type="datetimeFigureOut">
               <a:rPr lang="en-US" smtClean="0"/>
-              <a:t>7/20/16</a:t>
+              <a:t>7/25/16</a:t>
             </a:fld>
             <a:endParaRPr lang="en-US"/>
           </a:p>
@@ -3038,7 +3036,7 @@
           <a:p>
             <a:fld id="{30CAD416-3797-D040-BA1A-6C93A3D369E6}" type="datetimeFigureOut">
               <a:rPr lang="en-US" smtClean="0"/>
-              <a:t>7/20/16</a:t>
+              <a:t>7/25/16</a:t>
             </a:fld>
             <a:endParaRPr lang="en-US"/>
           </a:p>
@@ -3291,7 +3289,7 @@
           <a:p>
             <a:fld id="{30CAD416-3797-D040-BA1A-6C93A3D369E6}" type="datetimeFigureOut">
               <a:rPr lang="en-US" smtClean="0"/>
-              <a:t>7/20/16</a:t>
+              <a:t>7/25/16</a:t>
             </a:fld>
             <a:endParaRPr lang="en-US"/>
           </a:p>
@@ -3504,7 +3502,7 @@
           <a:p>
             <a:fld id="{30CAD416-3797-D040-BA1A-6C93A3D369E6}" type="datetimeFigureOut">
               <a:rPr lang="en-US" smtClean="0"/>
-              <a:t>7/20/16</a:t>
+              <a:t>7/25/16</a:t>
             </a:fld>
             <a:endParaRPr lang="en-US"/>
           </a:p>
@@ -3881,6 +3879,204 @@
       </p:grpSpPr>
       <p:sp>
         <p:nvSpPr>
+          <p:cNvPr id="139" name="TextBox 138"/>
+          <p:cNvSpPr txBox="1"/>
+          <p:nvPr/>
+        </p:nvSpPr>
+        <p:spPr>
+          <a:xfrm>
+            <a:off x="64023" y="777801"/>
+            <a:ext cx="2433644" cy="5442454"/>
+          </a:xfrm>
+          <a:prstGeom prst="rect">
+            <a:avLst/>
+          </a:prstGeom>
+          <a:noFill/>
+          <a:ln>
+            <a:solidFill>
+              <a:schemeClr val="bg1">
+                <a:lumMod val="75000"/>
+              </a:schemeClr>
+            </a:solidFill>
+          </a:ln>
+        </p:spPr>
+        <p:txBody>
+          <a:bodyPr wrap="square" rtlCol="0">
+            <a:spAutoFit/>
+          </a:bodyPr>
+          <a:lstStyle/>
+          <a:p>
+            <a:pPr algn="ctr"/>
+            <a:endParaRPr lang="en-US" sz="800" dirty="0" smtClean="0"/>
+          </a:p>
+        </p:txBody>
+      </p:sp>
+      <p:sp>
+        <p:nvSpPr>
+          <p:cNvPr id="62" name="TextBox 61"/>
+          <p:cNvSpPr txBox="1"/>
+          <p:nvPr/>
+        </p:nvSpPr>
+        <p:spPr>
+          <a:xfrm>
+            <a:off x="132507" y="1102452"/>
+            <a:ext cx="2288960" cy="1446550"/>
+          </a:xfrm>
+          <a:prstGeom prst="rect">
+            <a:avLst/>
+          </a:prstGeom>
+          <a:noFill/>
+        </p:spPr>
+        <p:txBody>
+          <a:bodyPr wrap="square" rtlCol="0">
+            <a:spAutoFit/>
+          </a:bodyPr>
+          <a:lstStyle/>
+          <a:p>
+            <a:r>
+              <a:rPr lang="en-US" sz="800" dirty="0" err="1" smtClean="0">
+                <a:latin typeface="Arial"/>
+                <a:cs typeface="Arial"/>
+              </a:rPr>
+              <a:t>Gobblin</a:t>
+            </a:r>
+            <a:r>
+              <a:rPr lang="en-US" sz="800" dirty="0" smtClean="0">
+                <a:latin typeface="Arial"/>
+                <a:cs typeface="Arial"/>
+              </a:rPr>
+              <a:t> is a universal data </a:t>
+            </a:r>
+            <a:r>
+              <a:rPr lang="en-US" sz="800" dirty="0">
+                <a:latin typeface="Arial"/>
+                <a:cs typeface="Arial"/>
+              </a:rPr>
+              <a:t>ingestion </a:t>
+            </a:r>
+            <a:r>
+              <a:rPr lang="en-US" sz="800" dirty="0" smtClean="0">
+                <a:latin typeface="Arial"/>
+                <a:cs typeface="Arial"/>
+              </a:rPr>
+              <a:t>framework for </a:t>
+            </a:r>
+            <a:r>
+              <a:rPr lang="en-US" sz="800" dirty="0" smtClean="0">
+                <a:latin typeface="Arial"/>
+                <a:cs typeface="Arial"/>
+              </a:rPr>
+              <a:t>e</a:t>
+            </a:r>
+            <a:r>
+              <a:rPr lang="en-US" sz="800" dirty="0" smtClean="0">
+                <a:latin typeface="Arial"/>
+                <a:cs typeface="Arial"/>
+              </a:rPr>
+              <a:t>xtracting</a:t>
+            </a:r>
+            <a:r>
+              <a:rPr lang="en-US" sz="800" dirty="0">
+                <a:latin typeface="Arial"/>
+                <a:cs typeface="Arial"/>
+              </a:rPr>
+              <a:t>, transforming, and loading large volume of data from a variety of data </a:t>
+            </a:r>
+            <a:r>
+              <a:rPr lang="en-US" sz="800" dirty="0" smtClean="0">
+                <a:latin typeface="Arial"/>
+                <a:cs typeface="Arial"/>
+              </a:rPr>
+              <a:t>sources into </a:t>
+            </a:r>
+            <a:r>
+              <a:rPr lang="en-US" sz="800" dirty="0" err="1" smtClean="0">
+                <a:latin typeface="Arial"/>
+                <a:cs typeface="Arial"/>
+              </a:rPr>
+              <a:t>Hadoop</a:t>
+            </a:r>
+            <a:r>
+              <a:rPr lang="en-US" sz="800" dirty="0" smtClean="0">
+                <a:latin typeface="Arial"/>
+                <a:cs typeface="Arial"/>
+              </a:rPr>
+              <a:t> ecosystem.</a:t>
+            </a:r>
+          </a:p>
+          <a:p>
+            <a:endParaRPr lang="en-US" sz="800" dirty="0" smtClean="0">
+              <a:latin typeface="Arial"/>
+              <a:cs typeface="Arial"/>
+            </a:endParaRPr>
+          </a:p>
+          <a:p>
+            <a:r>
+              <a:rPr lang="en-US" sz="800" dirty="0" smtClean="0">
+                <a:latin typeface="Arial"/>
+                <a:cs typeface="Arial"/>
+              </a:rPr>
+              <a:t>One typical job can fit into </a:t>
+            </a:r>
+            <a:r>
+              <a:rPr lang="en-US" sz="800" dirty="0" err="1" smtClean="0">
+                <a:latin typeface="Arial"/>
+                <a:cs typeface="Arial"/>
+              </a:rPr>
+              <a:t>Gobblin’s</a:t>
+            </a:r>
+            <a:r>
+              <a:rPr lang="en-US" sz="800" dirty="0" smtClean="0">
+                <a:latin typeface="Arial"/>
+                <a:cs typeface="Arial"/>
+              </a:rPr>
+              <a:t> responsibility is inter-cluster </a:t>
+            </a:r>
+            <a:r>
+              <a:rPr lang="en-US" sz="800" dirty="0">
+                <a:latin typeface="Arial"/>
+                <a:cs typeface="Arial"/>
+              </a:rPr>
+              <a:t>replication </a:t>
+            </a:r>
+            <a:r>
+              <a:rPr lang="en-US" sz="800" dirty="0" smtClean="0">
+                <a:latin typeface="Arial"/>
+                <a:cs typeface="Arial"/>
+              </a:rPr>
+              <a:t>from variety of data source, which we called </a:t>
+            </a:r>
+            <a:r>
+              <a:rPr lang="en-US" sz="800" dirty="0" err="1" smtClean="0">
+                <a:latin typeface="Arial"/>
+                <a:cs typeface="Arial"/>
+              </a:rPr>
+              <a:t>discp-ng</a:t>
+            </a:r>
+            <a:r>
+              <a:rPr lang="en-US" sz="800" dirty="0" smtClean="0">
+                <a:latin typeface="Arial"/>
+                <a:cs typeface="Arial"/>
+              </a:rPr>
+              <a:t> in our context. </a:t>
+            </a:r>
+          </a:p>
+          <a:p>
+            <a:endParaRPr lang="en-US" sz="800" dirty="0">
+              <a:latin typeface="Arial"/>
+              <a:cs typeface="Arial"/>
+            </a:endParaRPr>
+          </a:p>
+          <a:p>
+            <a:endParaRPr lang="en-US" sz="800" dirty="0" smtClean="0">
+              <a:latin typeface="Arial"/>
+              <a:cs typeface="Arial"/>
+            </a:endParaRPr>
+          </a:p>
+        </p:txBody>
+      </p:sp>
+      <p:sp>
+        <p:nvSpPr>
           <p:cNvPr id="141" name="TextBox 140"/>
           <p:cNvSpPr txBox="1"/>
           <p:nvPr/>
@@ -3949,40 +4145,6 @@
       </p:sp>
       <p:sp>
         <p:nvSpPr>
-          <p:cNvPr id="139" name="TextBox 138"/>
-          <p:cNvSpPr txBox="1"/>
-          <p:nvPr/>
-        </p:nvSpPr>
-        <p:spPr>
-          <a:xfrm>
-            <a:off x="64023" y="774134"/>
-            <a:ext cx="2433644" cy="5442454"/>
-          </a:xfrm>
-          <a:prstGeom prst="rect">
-            <a:avLst/>
-          </a:prstGeom>
-          <a:noFill/>
-          <a:ln>
-            <a:solidFill>
-              <a:schemeClr val="bg1">
-                <a:lumMod val="75000"/>
-              </a:schemeClr>
-            </a:solidFill>
-          </a:ln>
-        </p:spPr>
-        <p:txBody>
-          <a:bodyPr wrap="square" rtlCol="0">
-            <a:spAutoFit/>
-          </a:bodyPr>
-          <a:lstStyle/>
-          <a:p>
-            <a:pPr algn="ctr"/>
-            <a:endParaRPr lang="en-US" sz="800" dirty="0" smtClean="0"/>
-          </a:p>
-        </p:txBody>
-      </p:sp>
-      <p:sp>
-        <p:nvSpPr>
           <p:cNvPr id="12" name="TextBox 11"/>
           <p:cNvSpPr txBox="1"/>
           <p:nvPr/>
@@ -4040,21 +4202,7 @@
                 <a:latin typeface="Arial"/>
                 <a:cs typeface="Arial"/>
               </a:rPr>
-              <a:t>Features </a:t>
-            </a:r>
-            <a:r>
-              <a:rPr lang="en-US" sz="800" dirty="0" smtClean="0">
-                <a:latin typeface="Arial"/>
-                <a:cs typeface="Arial"/>
-              </a:rPr>
-              <a:t>and </a:t>
-            </a:r>
-            <a:r>
-              <a:rPr lang="en-US" sz="800" dirty="0" smtClean="0">
-                <a:latin typeface="Arial"/>
-                <a:cs typeface="Arial"/>
-              </a:rPr>
-              <a:t>implementation on </a:t>
+              <a:t>Features and implementation on </a:t>
             </a:r>
             <a:r>
               <a:rPr lang="en-US" sz="800" dirty="0" err="1" smtClean="0">
@@ -4179,7 +4327,7 @@
         </p:nvGrpSpPr>
         <p:grpSpPr>
           <a:xfrm>
-            <a:off x="2645831" y="5359576"/>
+            <a:off x="2722034" y="5342642"/>
             <a:ext cx="3551769" cy="787116"/>
             <a:chOff x="2645831" y="5258713"/>
             <a:chExt cx="3816351" cy="904913"/>
@@ -4860,7 +5008,7 @@
         </p:nvSpPr>
         <p:spPr>
           <a:xfrm>
-            <a:off x="158750" y="4530673"/>
+            <a:off x="166466" y="4377743"/>
             <a:ext cx="2262717" cy="152930"/>
           </a:xfrm>
           <a:prstGeom prst="round2SameRect">
@@ -4980,7 +5128,7 @@
         </p:nvSpPr>
         <p:spPr>
           <a:xfrm>
-            <a:off x="6609306" y="3743666"/>
+            <a:off x="6609306" y="5086614"/>
             <a:ext cx="2262717" cy="152930"/>
           </a:xfrm>
           <a:prstGeom prst="round2SameRect">
@@ -5040,8 +5188,8 @@
         </p:nvGrpSpPr>
         <p:grpSpPr>
           <a:xfrm>
-            <a:off x="6701263" y="846781"/>
-            <a:ext cx="2106195" cy="1653637"/>
+            <a:off x="6646577" y="3208866"/>
+            <a:ext cx="2225445" cy="1273893"/>
             <a:chOff x="4055797" y="3662421"/>
             <a:chExt cx="2106195" cy="1653637"/>
           </a:xfrm>
@@ -5061,9 +5209,9 @@
               <a:avLst/>
             </a:prstGeom>
             <a:noFill/>
-            <a:ln>
+            <a:ln w="28575" cmpd="sng">
               <a:solidFill>
-                <a:schemeClr val="tx1"/>
+                <a:srgbClr val="DF7308"/>
               </a:solidFill>
             </a:ln>
           </p:spPr>
@@ -5791,30 +5939,956 @@
           </p:style>
         </p:cxnSp>
       </p:grpSp>
+      <p:sp>
+        <p:nvSpPr>
+          <p:cNvPr id="2" name="TextBox 1"/>
+          <p:cNvSpPr txBox="1"/>
+          <p:nvPr/>
+        </p:nvSpPr>
+        <p:spPr>
+          <a:xfrm>
+            <a:off x="132507" y="4578897"/>
+            <a:ext cx="2365160" cy="1938992"/>
+          </a:xfrm>
+          <a:prstGeom prst="rect">
+            <a:avLst/>
+          </a:prstGeom>
+          <a:noFill/>
+        </p:spPr>
+        <p:txBody>
+          <a:bodyPr wrap="square" rtlCol="0">
+            <a:spAutoFit/>
+          </a:bodyPr>
+          <a:lstStyle/>
+          <a:p>
+            <a:r>
+              <a:rPr lang="en-US" sz="800" dirty="0" smtClean="0">
+                <a:latin typeface="Arial"/>
+                <a:cs typeface="Arial"/>
+              </a:rPr>
+              <a:t>With the existing limitation, we are aiming at implementing a new component called </a:t>
+            </a:r>
+            <a:r>
+              <a:rPr lang="en-US" sz="800" dirty="0" err="1" smtClean="0">
+                <a:latin typeface="Arial"/>
+                <a:cs typeface="Arial"/>
+              </a:rPr>
+              <a:t>Gobblin</a:t>
+            </a:r>
+            <a:r>
+              <a:rPr lang="en-US" sz="800" dirty="0" smtClean="0">
+                <a:latin typeface="Arial"/>
+                <a:cs typeface="Arial"/>
+              </a:rPr>
+              <a:t> Dynamic Job Discovery </a:t>
+            </a:r>
+            <a:r>
+              <a:rPr lang="en-US" sz="800" dirty="0" smtClean="0">
+                <a:latin typeface="Arial"/>
+                <a:cs typeface="Arial"/>
+              </a:rPr>
+              <a:t>with following advantages:</a:t>
+            </a:r>
+          </a:p>
+          <a:p>
+            <a:endParaRPr lang="en-US" sz="800" dirty="0" smtClean="0">
+              <a:latin typeface="Arial"/>
+              <a:cs typeface="Arial"/>
+            </a:endParaRPr>
+          </a:p>
+          <a:p>
+            <a:pPr marL="171450" indent="-171450">
+              <a:buFont typeface="Arial"/>
+              <a:buChar char="•"/>
+            </a:pPr>
+            <a:r>
+              <a:rPr lang="en-US" sz="800" b="1" dirty="0" smtClean="0">
+                <a:latin typeface="Arial"/>
+                <a:cs typeface="Arial"/>
+              </a:rPr>
+              <a:t>Generality</a:t>
+            </a:r>
+            <a:r>
+              <a:rPr lang="en-US" sz="800" b="1" dirty="0" smtClean="0">
+                <a:latin typeface="Arial"/>
+                <a:cs typeface="Arial"/>
+              </a:rPr>
+              <a:t>: </a:t>
+            </a:r>
+            <a:r>
+              <a:rPr lang="en-US" sz="800" dirty="0" smtClean="0">
+                <a:latin typeface="Arial"/>
+                <a:cs typeface="Arial"/>
+              </a:rPr>
+              <a:t>Extended job </a:t>
+            </a:r>
+            <a:r>
+              <a:rPr lang="en-US" sz="800" dirty="0" smtClean="0">
+                <a:latin typeface="Arial"/>
+                <a:cs typeface="Arial"/>
+              </a:rPr>
+              <a:t>discovery and job monitoring </a:t>
+            </a:r>
+            <a:r>
+              <a:rPr lang="en-US" sz="800" dirty="0">
+                <a:latin typeface="Arial"/>
+                <a:cs typeface="Arial"/>
+              </a:rPr>
+              <a:t>process </a:t>
+            </a:r>
+            <a:r>
+              <a:rPr lang="en-US" sz="800" dirty="0" smtClean="0">
+                <a:latin typeface="Arial"/>
+                <a:cs typeface="Arial"/>
+              </a:rPr>
+              <a:t>for general file system. </a:t>
+            </a:r>
+          </a:p>
+          <a:p>
+            <a:pPr marL="171450" indent="-171450">
+              <a:buFont typeface="Arial"/>
+              <a:buChar char="•"/>
+            </a:pPr>
+            <a:r>
+              <a:rPr lang="en-US" sz="800" b="1" dirty="0">
+                <a:latin typeface="Arial"/>
+                <a:cs typeface="Arial"/>
+              </a:rPr>
+              <a:t>Template: </a:t>
+            </a:r>
+            <a:r>
+              <a:rPr lang="en-US" sz="800" dirty="0">
+                <a:latin typeface="Arial"/>
+                <a:cs typeface="Arial"/>
+              </a:rPr>
+              <a:t>Enabled template support for job configuration</a:t>
+            </a:r>
+            <a:r>
+              <a:rPr lang="en-US" sz="800" dirty="0" smtClean="0">
+                <a:latin typeface="Arial"/>
+                <a:cs typeface="Arial"/>
+              </a:rPr>
+              <a:t>.</a:t>
+            </a:r>
+            <a:endParaRPr lang="en-US" sz="800" b="1" dirty="0" smtClean="0">
+              <a:latin typeface="Arial"/>
+              <a:cs typeface="Arial"/>
+            </a:endParaRPr>
+          </a:p>
+          <a:p>
+            <a:pPr marL="171450" indent="-171450">
+              <a:buFont typeface="Arial"/>
+              <a:buChar char="•"/>
+            </a:pPr>
+            <a:r>
+              <a:rPr lang="en-US" sz="800" b="1" dirty="0" smtClean="0">
+                <a:latin typeface="Arial"/>
+                <a:cs typeface="Arial"/>
+              </a:rPr>
+              <a:t>Compatibility</a:t>
+            </a:r>
+            <a:r>
+              <a:rPr lang="en-US" sz="800" b="1" dirty="0" smtClean="0">
+                <a:latin typeface="Arial"/>
+                <a:cs typeface="Arial"/>
+              </a:rPr>
+              <a:t>*: </a:t>
+            </a:r>
+            <a:r>
+              <a:rPr lang="en-US" sz="800" dirty="0" smtClean="0">
+                <a:latin typeface="Arial"/>
+                <a:cs typeface="Arial"/>
+              </a:rPr>
+              <a:t>Adding job submission interface capabilities and the implementation</a:t>
+            </a:r>
+            <a:r>
+              <a:rPr lang="en-US" sz="800" dirty="0" smtClean="0">
+                <a:latin typeface="Arial"/>
+                <a:cs typeface="Arial"/>
+              </a:rPr>
+              <a:t>.</a:t>
+            </a:r>
+          </a:p>
+          <a:p>
+            <a:endParaRPr lang="en-US" sz="800" b="1" dirty="0" smtClean="0">
+              <a:latin typeface="Arial"/>
+              <a:cs typeface="Arial"/>
+            </a:endParaRPr>
+          </a:p>
+          <a:p>
+            <a:pPr marL="171450" indent="-171450">
+              <a:buFont typeface="Arial"/>
+              <a:buChar char="•"/>
+            </a:pPr>
+            <a:endParaRPr lang="en-US" sz="800" dirty="0" smtClean="0">
+              <a:latin typeface="Arial"/>
+              <a:cs typeface="Arial"/>
+            </a:endParaRPr>
+          </a:p>
+          <a:p>
+            <a:pPr marL="171450" indent="-171450">
+              <a:buFont typeface="Arial"/>
+              <a:buChar char="•"/>
+            </a:pPr>
+            <a:endParaRPr lang="en-US" sz="800" dirty="0">
+              <a:latin typeface="Arial"/>
+              <a:cs typeface="Arial"/>
+            </a:endParaRPr>
+          </a:p>
+        </p:txBody>
+      </p:sp>
+      <p:sp>
+        <p:nvSpPr>
+          <p:cNvPr id="5" name="TextBox 4"/>
+          <p:cNvSpPr txBox="1"/>
+          <p:nvPr/>
+        </p:nvSpPr>
+        <p:spPr>
+          <a:xfrm>
+            <a:off x="2571973" y="3603851"/>
+            <a:ext cx="3957061" cy="830997"/>
+          </a:xfrm>
+          <a:prstGeom prst="rect">
+            <a:avLst/>
+          </a:prstGeom>
+          <a:noFill/>
+        </p:spPr>
+        <p:txBody>
+          <a:bodyPr wrap="square" rtlCol="0">
+            <a:spAutoFit/>
+          </a:bodyPr>
+          <a:lstStyle/>
+          <a:p>
+            <a:r>
+              <a:rPr lang="en-US" sz="800" dirty="0">
+                <a:latin typeface="Arial"/>
+                <a:cs typeface="Arial"/>
+              </a:rPr>
+              <a:t>S</a:t>
+            </a:r>
+            <a:r>
+              <a:rPr lang="en-US" sz="800" dirty="0" smtClean="0">
+                <a:latin typeface="Arial"/>
+                <a:cs typeface="Arial"/>
+              </a:rPr>
+              <a:t>ignificant refactoring is conducted for current code as illustrated above. </a:t>
+            </a:r>
+            <a:r>
+              <a:rPr lang="en-US" sz="800" dirty="0">
+                <a:latin typeface="Arial"/>
+                <a:cs typeface="Arial"/>
+              </a:rPr>
+              <a:t>Specially</a:t>
+            </a:r>
+            <a:r>
+              <a:rPr lang="en-US" sz="800" dirty="0" smtClean="0">
+                <a:latin typeface="Arial"/>
+                <a:cs typeface="Arial"/>
+              </a:rPr>
+              <a:t>:</a:t>
+            </a:r>
+          </a:p>
+          <a:p>
+            <a:pPr marL="171450" indent="-171450">
+              <a:buFont typeface="Arial"/>
+              <a:buChar char="•"/>
+            </a:pPr>
+            <a:r>
+              <a:rPr lang="en-US" sz="800" dirty="0">
+                <a:latin typeface="Arial"/>
+                <a:cs typeface="Arial"/>
+              </a:rPr>
+              <a:t>Job monitor that observes job configurations and the job scheduler lacked clean abstractions</a:t>
+            </a:r>
+            <a:r>
+              <a:rPr lang="en-US" sz="800" dirty="0" smtClean="0">
+                <a:latin typeface="Arial"/>
+                <a:cs typeface="Arial"/>
+              </a:rPr>
+              <a:t>.</a:t>
+            </a:r>
+          </a:p>
+          <a:p>
+            <a:pPr marL="171450" indent="-171450">
+              <a:buFont typeface="Arial"/>
+              <a:buChar char="•"/>
+            </a:pPr>
+            <a:r>
+              <a:rPr lang="en-US" sz="800" dirty="0" smtClean="0">
+                <a:latin typeface="Arial"/>
+                <a:cs typeface="Arial"/>
+              </a:rPr>
+              <a:t>New </a:t>
+            </a:r>
+            <a:r>
+              <a:rPr lang="en-US" sz="800" dirty="0">
+                <a:latin typeface="Arial"/>
+                <a:cs typeface="Arial"/>
+              </a:rPr>
+              <a:t>constructs like </a:t>
+            </a:r>
+            <a:r>
+              <a:rPr lang="en-US" sz="800" dirty="0" err="1" smtClean="0">
+                <a:latin typeface="Courier New"/>
+                <a:cs typeface="Courier New"/>
+              </a:rPr>
+              <a:t>JobSepcCatalog</a:t>
+            </a:r>
+            <a:r>
+              <a:rPr lang="en-US" sz="800" dirty="0" smtClean="0">
+                <a:latin typeface="Arial"/>
+                <a:cs typeface="Arial"/>
+              </a:rPr>
+              <a:t> </a:t>
+            </a:r>
+            <a:r>
+              <a:rPr lang="en-US" sz="800" dirty="0">
+                <a:latin typeface="Arial"/>
+                <a:cs typeface="Arial"/>
+              </a:rPr>
+              <a:t>and </a:t>
+            </a:r>
+            <a:r>
+              <a:rPr lang="en-US" sz="800" dirty="0" err="1">
+                <a:latin typeface="Courier New"/>
+                <a:cs typeface="Courier New"/>
+              </a:rPr>
+              <a:t>JobSpecMonitor</a:t>
+            </a:r>
+            <a:r>
+              <a:rPr lang="en-US" sz="800" dirty="0">
+                <a:latin typeface="Arial"/>
+                <a:cs typeface="Arial"/>
+              </a:rPr>
+              <a:t> added for extensibility</a:t>
+            </a:r>
+            <a:r>
+              <a:rPr lang="en-US" sz="800" dirty="0" smtClean="0">
+                <a:latin typeface="Arial"/>
+                <a:cs typeface="Arial"/>
+              </a:rPr>
+              <a:t>. </a:t>
+            </a:r>
+            <a:r>
+              <a:rPr lang="en-US" sz="800" dirty="0" err="1">
+                <a:latin typeface="Courier New"/>
+                <a:cs typeface="Courier New"/>
+              </a:rPr>
+              <a:t>JobSepcCatalog</a:t>
+            </a:r>
+            <a:r>
+              <a:rPr lang="en-US" sz="800" dirty="0">
+                <a:latin typeface="Arial"/>
+                <a:cs typeface="Arial"/>
+              </a:rPr>
+              <a:t> </a:t>
+            </a:r>
+            <a:r>
+              <a:rPr lang="en-US" sz="800" dirty="0" smtClean="0">
+                <a:latin typeface="Arial"/>
+                <a:cs typeface="Arial"/>
+              </a:rPr>
+              <a:t>takes the responsibility of persisting </a:t>
+            </a:r>
+            <a:r>
+              <a:rPr lang="en-US" sz="800" dirty="0" err="1" smtClean="0">
+                <a:latin typeface="Courier New"/>
+                <a:cs typeface="Courier New"/>
+              </a:rPr>
+              <a:t>JobSpec</a:t>
+            </a:r>
+            <a:r>
+              <a:rPr lang="en-US" sz="800" dirty="0">
+                <a:latin typeface="Courier New"/>
+                <a:cs typeface="Courier New"/>
+              </a:rPr>
+              <a:t> </a:t>
+            </a:r>
+            <a:r>
+              <a:rPr lang="en-US" sz="800" dirty="0" smtClean="0">
+                <a:latin typeface="Arial"/>
+                <a:cs typeface="Arial"/>
+              </a:rPr>
+              <a:t>and interact with </a:t>
+            </a:r>
+            <a:r>
+              <a:rPr lang="en-US" sz="800" dirty="0" err="1" smtClean="0">
+                <a:latin typeface="Courier New"/>
+                <a:cs typeface="Courier New"/>
+              </a:rPr>
+              <a:t>JobSpecMonitor</a:t>
+            </a:r>
+            <a:r>
+              <a:rPr lang="en-US" sz="800" dirty="0" smtClean="0">
+                <a:latin typeface="Arial"/>
+                <a:cs typeface="Arial"/>
+              </a:rPr>
+              <a:t>.</a:t>
+            </a:r>
+            <a:endParaRPr lang="en-US" sz="800" dirty="0" smtClean="0">
+              <a:latin typeface="Arial"/>
+              <a:cs typeface="Arial"/>
+            </a:endParaRPr>
+          </a:p>
+        </p:txBody>
+      </p:sp>
+      <p:sp>
+        <p:nvSpPr>
+          <p:cNvPr id="59" name="TextBox 58"/>
+          <p:cNvSpPr txBox="1"/>
+          <p:nvPr/>
+        </p:nvSpPr>
+        <p:spPr>
+          <a:xfrm>
+            <a:off x="2604501" y="4496805"/>
+            <a:ext cx="3875619" cy="707886"/>
+          </a:xfrm>
+          <a:prstGeom prst="rect">
+            <a:avLst/>
+          </a:prstGeom>
+          <a:noFill/>
+        </p:spPr>
+        <p:txBody>
+          <a:bodyPr wrap="square" rtlCol="0">
+            <a:spAutoFit/>
+          </a:bodyPr>
+          <a:lstStyle/>
+          <a:p>
+            <a:r>
+              <a:rPr lang="en-US" sz="800" b="1" dirty="0" smtClean="0">
+                <a:latin typeface="Arial"/>
+                <a:cs typeface="Arial"/>
+              </a:rPr>
+              <a:t>Generality </a:t>
+            </a:r>
+            <a:r>
+              <a:rPr lang="en-US" sz="800" dirty="0" smtClean="0">
+                <a:latin typeface="Arial"/>
+                <a:cs typeface="Arial"/>
+              </a:rPr>
+              <a:t>is </a:t>
+            </a:r>
+            <a:r>
+              <a:rPr lang="en-US" sz="800" dirty="0" smtClean="0">
+                <a:latin typeface="Arial"/>
+                <a:cs typeface="Arial"/>
+              </a:rPr>
+              <a:t>emphasized by </a:t>
+            </a:r>
+            <a:r>
+              <a:rPr lang="en-US" sz="800" dirty="0" smtClean="0">
+                <a:latin typeface="Arial"/>
+                <a:cs typeface="Arial"/>
+              </a:rPr>
+              <a:t>implementing</a:t>
+            </a:r>
+            <a:r>
+              <a:rPr lang="en-US" sz="800" dirty="0" smtClean="0">
+                <a:latin typeface="Arial"/>
+                <a:cs typeface="Arial"/>
+              </a:rPr>
+              <a:t> </a:t>
+            </a:r>
+            <a:r>
+              <a:rPr lang="en-US" sz="800" dirty="0" smtClean="0">
+                <a:latin typeface="Arial"/>
+                <a:cs typeface="Arial"/>
+              </a:rPr>
+              <a:t>job </a:t>
+            </a:r>
+            <a:r>
+              <a:rPr lang="en-US" sz="800" dirty="0" smtClean="0">
+                <a:latin typeface="Arial"/>
+                <a:cs typeface="Arial"/>
+              </a:rPr>
+              <a:t>discovery</a:t>
+            </a:r>
+            <a:r>
+              <a:rPr lang="en-US" sz="800" dirty="0">
+                <a:latin typeface="Arial"/>
+                <a:cs typeface="Arial"/>
+              </a:rPr>
+              <a:t> </a:t>
+            </a:r>
+            <a:r>
+              <a:rPr lang="en-US" sz="800" dirty="0" smtClean="0">
+                <a:latin typeface="Arial"/>
+                <a:cs typeface="Arial"/>
+              </a:rPr>
+              <a:t>to </a:t>
+            </a:r>
+            <a:r>
+              <a:rPr lang="en-US" sz="800" dirty="0" smtClean="0">
+                <a:latin typeface="Arial"/>
+                <a:cs typeface="Arial"/>
+              </a:rPr>
+              <a:t>fit</a:t>
+            </a:r>
+            <a:r>
+              <a:rPr lang="en-US" sz="800" dirty="0" smtClean="0">
+                <a:latin typeface="Arial"/>
+                <a:cs typeface="Arial"/>
+              </a:rPr>
+              <a:t> general file system. </a:t>
+            </a:r>
+            <a:r>
+              <a:rPr lang="en-US" sz="800" dirty="0" smtClean="0">
+                <a:latin typeface="Arial"/>
+                <a:cs typeface="Arial"/>
+              </a:rPr>
+              <a:t>E.g., previously pre-set job configuration files need to settled on specific local file system path, </a:t>
+            </a:r>
+            <a:r>
+              <a:rPr lang="en-US" sz="800" dirty="0">
+                <a:latin typeface="Arial"/>
+                <a:cs typeface="Arial"/>
+              </a:rPr>
+              <a:t>a</a:t>
+            </a:r>
+            <a:r>
+              <a:rPr lang="en-US" sz="800" dirty="0" smtClean="0">
+                <a:latin typeface="Arial"/>
+                <a:cs typeface="Arial"/>
+              </a:rPr>
+              <a:t>s illustrated by the dashed line below. The current implementation enables </a:t>
+            </a:r>
+            <a:r>
+              <a:rPr lang="en-US" sz="800" dirty="0" err="1" smtClean="0">
+                <a:latin typeface="Arial"/>
+                <a:cs typeface="Arial"/>
+              </a:rPr>
+              <a:t>Gobblin</a:t>
+            </a:r>
+            <a:r>
+              <a:rPr lang="en-US" sz="800" dirty="0" smtClean="0">
+                <a:latin typeface="Arial"/>
+                <a:cs typeface="Arial"/>
+              </a:rPr>
+              <a:t> to self-discover the job configuration file’s change/deletion/creation on general file system through HDFS interface.</a:t>
+            </a:r>
+          </a:p>
+        </p:txBody>
+      </p:sp>
+      <p:sp>
+        <p:nvSpPr>
+          <p:cNvPr id="60" name="TextBox 59"/>
+          <p:cNvSpPr txBox="1"/>
+          <p:nvPr/>
+        </p:nvSpPr>
+        <p:spPr>
+          <a:xfrm>
+            <a:off x="6543624" y="4530673"/>
+            <a:ext cx="2407693" cy="461665"/>
+          </a:xfrm>
+          <a:prstGeom prst="rect">
+            <a:avLst/>
+          </a:prstGeom>
+          <a:noFill/>
+        </p:spPr>
+        <p:txBody>
+          <a:bodyPr wrap="square" rtlCol="0">
+            <a:spAutoFit/>
+          </a:bodyPr>
+          <a:lstStyle/>
+          <a:p>
+            <a:r>
+              <a:rPr lang="en-US" sz="800" b="1" dirty="0" smtClean="0">
+                <a:latin typeface="Arial"/>
+                <a:cs typeface="Arial"/>
+              </a:rPr>
+              <a:t>Compatibility: </a:t>
+            </a:r>
+            <a:r>
+              <a:rPr lang="en-US" sz="800" dirty="0" smtClean="0">
+                <a:latin typeface="Arial"/>
+                <a:cs typeface="Arial"/>
+              </a:rPr>
+              <a:t>Provide </a:t>
+            </a:r>
+            <a:r>
+              <a:rPr lang="en-US" sz="800" dirty="0" smtClean="0">
+                <a:latin typeface="Arial"/>
+                <a:cs typeface="Arial"/>
+              </a:rPr>
+              <a:t>CLI </a:t>
+            </a:r>
+            <a:r>
+              <a:rPr lang="en-US" sz="800" dirty="0">
+                <a:latin typeface="Arial"/>
+                <a:cs typeface="Arial"/>
+              </a:rPr>
+              <a:t>interface that will allow users to submit a </a:t>
+            </a:r>
+            <a:r>
+              <a:rPr lang="en-US" sz="800" dirty="0" err="1">
+                <a:latin typeface="Arial"/>
+                <a:cs typeface="Arial"/>
+              </a:rPr>
+              <a:t>Gobblin</a:t>
+            </a:r>
+            <a:r>
+              <a:rPr lang="en-US" sz="800" dirty="0">
+                <a:latin typeface="Arial"/>
+                <a:cs typeface="Arial"/>
+              </a:rPr>
+              <a:t> job through other mechanisms (e.g., REST, </a:t>
+            </a:r>
+            <a:r>
+              <a:rPr lang="en-US" sz="800" dirty="0" err="1">
+                <a:latin typeface="Arial"/>
+                <a:cs typeface="Arial"/>
+              </a:rPr>
+              <a:t>Kafak</a:t>
+            </a:r>
+            <a:r>
+              <a:rPr lang="en-US" sz="800" dirty="0">
+                <a:latin typeface="Arial"/>
+                <a:cs typeface="Arial"/>
+              </a:rPr>
+              <a:t>, </a:t>
+            </a:r>
+            <a:r>
+              <a:rPr lang="en-US" sz="800" dirty="0" err="1">
+                <a:latin typeface="Arial"/>
+                <a:cs typeface="Arial"/>
+              </a:rPr>
+              <a:t>RabittMG</a:t>
+            </a:r>
+            <a:r>
+              <a:rPr lang="en-US" sz="800" dirty="0">
+                <a:latin typeface="Arial"/>
+                <a:cs typeface="Arial"/>
+              </a:rPr>
+              <a:t> etc.) </a:t>
+            </a:r>
+            <a:endParaRPr lang="en-US" sz="800" dirty="0" smtClean="0">
+              <a:latin typeface="Arial"/>
+              <a:cs typeface="Arial"/>
+            </a:endParaRPr>
+          </a:p>
+        </p:txBody>
+      </p:sp>
+      <p:sp>
+        <p:nvSpPr>
+          <p:cNvPr id="61" name="TextBox 60"/>
+          <p:cNvSpPr txBox="1"/>
+          <p:nvPr/>
+        </p:nvSpPr>
+        <p:spPr>
+          <a:xfrm>
+            <a:off x="6565128" y="5261279"/>
+            <a:ext cx="2430778" cy="830997"/>
+          </a:xfrm>
+          <a:prstGeom prst="rect">
+            <a:avLst/>
+          </a:prstGeom>
+          <a:noFill/>
+        </p:spPr>
+        <p:txBody>
+          <a:bodyPr wrap="square" rtlCol="0">
+            <a:spAutoFit/>
+          </a:bodyPr>
+          <a:lstStyle/>
+          <a:p>
+            <a:r>
+              <a:rPr lang="en-US" sz="800" dirty="0" err="1" smtClean="0">
+                <a:latin typeface="Arial"/>
+                <a:cs typeface="Arial"/>
+              </a:rPr>
+              <a:t>Gobblin</a:t>
+            </a:r>
+            <a:r>
+              <a:rPr lang="en-US" sz="800" dirty="0" smtClean="0">
+                <a:latin typeface="Arial"/>
+                <a:cs typeface="Arial"/>
+              </a:rPr>
+              <a:t> can monitor, create and execute jobs dynamically taking </a:t>
+            </a:r>
+            <a:r>
+              <a:rPr lang="en-US" sz="800" dirty="0" err="1" smtClean="0">
+                <a:latin typeface="Arial"/>
+                <a:cs typeface="Arial"/>
+              </a:rPr>
+              <a:t>Gobblin</a:t>
+            </a:r>
+            <a:r>
+              <a:rPr lang="en-US" sz="800" dirty="0" smtClean="0">
+                <a:latin typeface="Arial"/>
+                <a:cs typeface="Arial"/>
+              </a:rPr>
+              <a:t> closer to continuous  execution semantics. E</a:t>
+            </a:r>
+            <a:r>
+              <a:rPr lang="en-US" sz="800" dirty="0" smtClean="0">
+                <a:latin typeface="Arial"/>
+                <a:cs typeface="Arial"/>
+              </a:rPr>
+              <a:t>.g., when used in conjunction with </a:t>
+            </a:r>
+            <a:r>
+              <a:rPr lang="en-US" sz="800" dirty="0" err="1" smtClean="0">
+                <a:latin typeface="Arial"/>
+                <a:cs typeface="Arial"/>
+              </a:rPr>
+              <a:t>distcp-ng</a:t>
+            </a:r>
+            <a:r>
+              <a:rPr lang="en-US" sz="800" dirty="0" smtClean="0">
+                <a:latin typeface="Arial"/>
+                <a:cs typeface="Arial"/>
+              </a:rPr>
+              <a:t>, </a:t>
+            </a:r>
+            <a:r>
+              <a:rPr lang="en-US" sz="800" dirty="0">
+                <a:latin typeface="Arial"/>
+                <a:cs typeface="Arial"/>
+              </a:rPr>
+              <a:t>topics can be replicated without being blocked on the slowest topics as was the case</a:t>
+            </a:r>
+            <a:r>
+              <a:rPr lang="en-US" sz="800" dirty="0" smtClean="0">
+                <a:latin typeface="Arial"/>
+                <a:cs typeface="Arial"/>
+              </a:rPr>
+              <a:t>. </a:t>
+            </a:r>
+            <a:endParaRPr lang="en-US" sz="800" dirty="0" smtClean="0">
+              <a:latin typeface="Arial"/>
+              <a:cs typeface="Arial"/>
+            </a:endParaRPr>
+          </a:p>
+        </p:txBody>
+      </p:sp>
+      <p:sp>
+        <p:nvSpPr>
+          <p:cNvPr id="65" name="Round Same Side Corner Rectangle 64"/>
+          <p:cNvSpPr/>
+          <p:nvPr/>
+        </p:nvSpPr>
+        <p:spPr>
+          <a:xfrm>
+            <a:off x="6600409" y="2963746"/>
+            <a:ext cx="2262717" cy="152930"/>
+          </a:xfrm>
+          <a:prstGeom prst="round2SameRect">
+            <a:avLst/>
+          </a:prstGeom>
+          <a:solidFill>
+            <a:srgbClr val="0A5287"/>
+          </a:solidFill>
+          <a:ln>
+            <a:noFill/>
+          </a:ln>
+        </p:spPr>
+        <p:style>
+          <a:lnRef idx="1">
+            <a:schemeClr val="accent1"/>
+          </a:lnRef>
+          <a:fillRef idx="3">
+            <a:schemeClr val="accent1"/>
+          </a:fillRef>
+          <a:effectRef idx="2">
+            <a:schemeClr val="accent1"/>
+          </a:effectRef>
+          <a:fontRef idx="minor">
+            <a:schemeClr val="lt1"/>
+          </a:fontRef>
+        </p:style>
+        <p:txBody>
+          <a:bodyPr rtlCol="0" anchor="ctr"/>
+          <a:lstStyle/>
+          <a:p>
+            <a:pPr algn="ctr"/>
+            <a:r>
+              <a:rPr lang="en-US" sz="800" b="1" dirty="0" smtClean="0">
+                <a:solidFill>
+                  <a:srgbClr val="FFFFFF"/>
+                </a:solidFill>
+                <a:latin typeface="Arial"/>
+                <a:cs typeface="Arial"/>
+              </a:rPr>
+              <a:t>Incomplete work</a:t>
+            </a:r>
+            <a:endParaRPr lang="en-US" sz="800" b="1" dirty="0">
+              <a:solidFill>
+                <a:srgbClr val="FFFFFF"/>
+              </a:solidFill>
+              <a:latin typeface="Arial"/>
+              <a:cs typeface="Arial"/>
+            </a:endParaRPr>
+          </a:p>
+        </p:txBody>
+      </p:sp>
+      <p:sp>
+        <p:nvSpPr>
+          <p:cNvPr id="66" name="TextBox 65"/>
+          <p:cNvSpPr txBox="1"/>
+          <p:nvPr/>
+        </p:nvSpPr>
+        <p:spPr>
+          <a:xfrm>
+            <a:off x="6543624" y="830819"/>
+            <a:ext cx="2407693" cy="830997"/>
+          </a:xfrm>
+          <a:prstGeom prst="rect">
+            <a:avLst/>
+          </a:prstGeom>
+          <a:noFill/>
+        </p:spPr>
+        <p:txBody>
+          <a:bodyPr wrap="square" rtlCol="0">
+            <a:spAutoFit/>
+          </a:bodyPr>
+          <a:lstStyle/>
+          <a:p>
+            <a:r>
+              <a:rPr lang="en-US" sz="800" b="1" dirty="0" smtClean="0">
+                <a:latin typeface="Arial"/>
+                <a:cs typeface="Arial"/>
+              </a:rPr>
+              <a:t>Template </a:t>
+            </a:r>
+            <a:r>
+              <a:rPr lang="en-US" sz="800" dirty="0" smtClean="0">
+                <a:latin typeface="Arial"/>
+                <a:cs typeface="Arial"/>
+              </a:rPr>
+              <a:t>enables user to reduce repetitive efforts on writing configuration files, as a amount of attributes included in the same data source are similar. Users </a:t>
+            </a:r>
+            <a:r>
+              <a:rPr lang="en-US" sz="800" dirty="0" smtClean="0">
+                <a:latin typeface="Arial"/>
+                <a:cs typeface="Arial"/>
+              </a:rPr>
+              <a:t>also </a:t>
+            </a:r>
+            <a:r>
+              <a:rPr lang="en-US" sz="800" dirty="0" smtClean="0">
+                <a:latin typeface="Arial"/>
+                <a:cs typeface="Arial"/>
+              </a:rPr>
+              <a:t>retrieve and fill in attributes not included but necessary for </a:t>
+            </a:r>
+            <a:r>
+              <a:rPr lang="en-US" sz="800" dirty="0" err="1" smtClean="0">
+                <a:latin typeface="Arial"/>
+                <a:cs typeface="Arial"/>
+              </a:rPr>
+              <a:t>Gobblin</a:t>
+            </a:r>
+            <a:r>
+              <a:rPr lang="en-US" sz="800" dirty="0" smtClean="0">
+                <a:latin typeface="Arial"/>
+                <a:cs typeface="Arial"/>
+              </a:rPr>
+              <a:t>, through interacting with </a:t>
+            </a:r>
+            <a:r>
+              <a:rPr lang="en-US" sz="800" dirty="0" err="1" smtClean="0">
+                <a:latin typeface="Arial"/>
+                <a:cs typeface="Arial"/>
+              </a:rPr>
+              <a:t>JobTemplate</a:t>
+            </a:r>
+            <a:r>
+              <a:rPr lang="en-US" sz="800" dirty="0" smtClean="0">
+                <a:latin typeface="Arial"/>
+                <a:cs typeface="Arial"/>
+              </a:rPr>
+              <a:t> interface.</a:t>
+            </a:r>
+            <a:endParaRPr lang="en-US" sz="800" dirty="0" smtClean="0">
+              <a:latin typeface="Arial"/>
+              <a:cs typeface="Arial"/>
+            </a:endParaRPr>
+          </a:p>
+        </p:txBody>
+      </p:sp>
       <p:grpSp>
         <p:nvGrpSpPr>
-          <p:cNvPr id="160" name="Group 159"/>
+          <p:cNvPr id="98" name="Group 97"/>
           <p:cNvGrpSpPr/>
           <p:nvPr/>
         </p:nvGrpSpPr>
         <p:grpSpPr>
           <a:xfrm>
-            <a:off x="174836" y="1165805"/>
-            <a:ext cx="861983" cy="3169128"/>
-            <a:chOff x="855133" y="880532"/>
-            <a:chExt cx="897467" cy="2736935"/>
+            <a:off x="6587672" y="1640457"/>
+            <a:ext cx="2284351" cy="1153402"/>
+            <a:chOff x="4412198" y="4488884"/>
+            <a:chExt cx="2308674" cy="1405469"/>
           </a:xfrm>
         </p:grpSpPr>
         <p:sp>
           <p:nvSpPr>
-            <p:cNvPr id="161" name="Rectangle 160"/>
+            <p:cNvPr id="99" name="Can 98"/>
             <p:cNvSpPr/>
             <p:nvPr/>
           </p:nvSpPr>
           <p:spPr>
             <a:xfrm>
-              <a:off x="855133" y="880532"/>
-              <a:ext cx="897467" cy="287116"/>
+              <a:off x="4412198" y="4947242"/>
+              <a:ext cx="618066" cy="499197"/>
+            </a:xfrm>
+            <a:prstGeom prst="can">
+              <a:avLst/>
+            </a:prstGeom>
+            <a:noFill/>
+            <a:ln>
+              <a:solidFill>
+                <a:schemeClr val="tx1"/>
+              </a:solidFill>
+            </a:ln>
+          </p:spPr>
+          <p:style>
+            <a:lnRef idx="1">
+              <a:schemeClr val="accent1"/>
+            </a:lnRef>
+            <a:fillRef idx="3">
+              <a:schemeClr val="accent1"/>
+            </a:fillRef>
+            <a:effectRef idx="2">
+              <a:schemeClr val="accent1"/>
+            </a:effectRef>
+            <a:fontRef idx="minor">
+              <a:schemeClr val="lt1"/>
+            </a:fontRef>
+          </p:style>
+          <p:txBody>
+            <a:bodyPr rtlCol="0" anchor="ctr"/>
+            <a:lstStyle/>
+            <a:p>
+              <a:pPr algn="ctr"/>
+              <a:r>
+                <a:rPr lang="en-US" sz="800" dirty="0" smtClean="0">
+                  <a:solidFill>
+                    <a:srgbClr val="000000"/>
+                  </a:solidFill>
+                  <a:latin typeface="Arial"/>
+                  <a:cs typeface="Arial"/>
+                </a:rPr>
+                <a:t>Template Resource </a:t>
+              </a:r>
+              <a:endParaRPr lang="en-US" sz="800" dirty="0">
+                <a:solidFill>
+                  <a:srgbClr val="000000"/>
+                </a:solidFill>
+                <a:latin typeface="Arial"/>
+                <a:cs typeface="Arial"/>
+              </a:endParaRPr>
+            </a:p>
+          </p:txBody>
+        </p:sp>
+        <p:sp>
+          <p:nvSpPr>
+            <p:cNvPr id="100" name="Rectangle 99"/>
+            <p:cNvSpPr/>
+            <p:nvPr/>
+          </p:nvSpPr>
+          <p:spPr>
+            <a:xfrm>
+              <a:off x="5157265" y="4626764"/>
+              <a:ext cx="550332" cy="287866"/>
             </a:xfrm>
             <a:prstGeom prst="rect">
               <a:avLst/>
@@ -5846,28 +6920,38 @@
             <a:p>
               <a:pPr algn="ctr"/>
               <a:r>
-                <a:rPr lang="en-US" sz="800" dirty="0" smtClean="0">
+                <a:rPr lang="en-US" sz="700" dirty="0" err="1" smtClean="0">
                   <a:solidFill>
-                    <a:schemeClr val="tx1"/>
+                    <a:srgbClr val="000000"/>
                   </a:solidFill>
                   <a:latin typeface="Arial"/>
                   <a:cs typeface="Arial"/>
                 </a:rPr>
-                <a:t>Get work units from </a:t>
+                <a:t>Distcp</a:t>
               </a:r>
+              <a:endParaRPr lang="en-US" sz="700" dirty="0">
+                <a:solidFill>
+                  <a:srgbClr val="000000"/>
+                </a:solidFill>
+                <a:latin typeface="Arial"/>
+                <a:cs typeface="Arial"/>
+              </a:endParaRPr>
+            </a:p>
+            <a:p>
+              <a:pPr algn="ctr"/>
               <a:r>
-                <a:rPr lang="en-US" sz="800" b="1" dirty="0" smtClean="0">
+                <a:rPr lang="en-US" sz="700" dirty="0" smtClean="0">
                   <a:solidFill>
-                    <a:schemeClr val="tx1"/>
+                    <a:srgbClr val="000000"/>
                   </a:solidFill>
                   <a:latin typeface="Arial"/>
                   <a:cs typeface="Arial"/>
                 </a:rPr>
-                <a:t>Source</a:t>
+                <a:t>type</a:t>
               </a:r>
-              <a:endParaRPr lang="en-US" sz="800" b="1" dirty="0">
+              <a:endParaRPr lang="en-US" sz="700" dirty="0">
                 <a:solidFill>
-                  <a:schemeClr val="tx1"/>
+                  <a:srgbClr val="000000"/>
                 </a:solidFill>
                 <a:latin typeface="Arial"/>
                 <a:cs typeface="Arial"/>
@@ -5877,14 +6961,14 @@
         </p:sp>
         <p:sp>
           <p:nvSpPr>
-            <p:cNvPr id="162" name="Rectangle 161"/>
+            <p:cNvPr id="101" name="Rectangle 100"/>
             <p:cNvSpPr/>
             <p:nvPr/>
           </p:nvSpPr>
           <p:spPr>
             <a:xfrm>
-              <a:off x="855133" y="1378517"/>
-              <a:ext cx="897467" cy="287116"/>
+              <a:off x="5157265" y="4985128"/>
+              <a:ext cx="550332" cy="287866"/>
             </a:xfrm>
             <a:prstGeom prst="rect">
               <a:avLst/>
@@ -5916,28 +7000,38 @@
             <a:p>
               <a:pPr algn="ctr"/>
               <a:r>
-                <a:rPr lang="en-US" sz="800" dirty="0" smtClean="0">
+                <a:rPr lang="en-US" sz="700" dirty="0" smtClean="0">
                   <a:solidFill>
-                    <a:schemeClr val="tx1"/>
+                    <a:srgbClr val="000000"/>
                   </a:solidFill>
                   <a:latin typeface="Arial"/>
                   <a:cs typeface="Arial"/>
                 </a:rPr>
-                <a:t>Create </a:t>
+                <a:t>Kafka</a:t>
               </a:r>
+              <a:endParaRPr lang="en-US" sz="700" dirty="0">
+                <a:solidFill>
+                  <a:srgbClr val="000000"/>
+                </a:solidFill>
+                <a:latin typeface="Arial"/>
+                <a:cs typeface="Arial"/>
+              </a:endParaRPr>
+            </a:p>
+            <a:p>
+              <a:pPr algn="ctr"/>
               <a:r>
-                <a:rPr lang="en-US" sz="800" b="1" dirty="0" smtClean="0">
+                <a:rPr lang="en-US" sz="700" dirty="0" smtClean="0">
                   <a:solidFill>
-                    <a:schemeClr val="tx1"/>
+                    <a:srgbClr val="000000"/>
                   </a:solidFill>
                   <a:latin typeface="Arial"/>
                   <a:cs typeface="Arial"/>
                 </a:rPr>
-                <a:t>tasks</a:t>
+                <a:t>type</a:t>
               </a:r>
-              <a:endParaRPr lang="en-US" sz="800" b="1" dirty="0">
+              <a:endParaRPr lang="en-US" sz="700" dirty="0">
                 <a:solidFill>
-                  <a:schemeClr val="tx1"/>
+                  <a:srgbClr val="000000"/>
                 </a:solidFill>
                 <a:latin typeface="Arial"/>
                 <a:cs typeface="Arial"/>
@@ -5947,14 +7041,14 @@
         </p:sp>
         <p:sp>
           <p:nvSpPr>
-            <p:cNvPr id="163" name="Rectangle 162"/>
+            <p:cNvPr id="102" name="Rectangle 101"/>
             <p:cNvSpPr/>
             <p:nvPr/>
           </p:nvSpPr>
           <p:spPr>
             <a:xfrm>
-              <a:off x="855133" y="1892663"/>
-              <a:ext cx="897467" cy="287116"/>
+              <a:off x="5174416" y="5615834"/>
+              <a:ext cx="550333" cy="278519"/>
             </a:xfrm>
             <a:prstGeom prst="rect">
               <a:avLst/>
@@ -5962,7 +7056,427 @@
             <a:noFill/>
             <a:ln>
               <a:solidFill>
-                <a:srgbClr val="DF7308"/>
+                <a:schemeClr val="tx1"/>
+              </a:solidFill>
+            </a:ln>
+          </p:spPr>
+          <p:style>
+            <a:lnRef idx="1">
+              <a:schemeClr val="accent1"/>
+            </a:lnRef>
+            <a:fillRef idx="3">
+              <a:schemeClr val="accent1"/>
+            </a:fillRef>
+            <a:effectRef idx="2">
+              <a:schemeClr val="accent1"/>
+            </a:effectRef>
+            <a:fontRef idx="minor">
+              <a:schemeClr val="lt1"/>
+            </a:fontRef>
+          </p:style>
+          <p:txBody>
+            <a:bodyPr rtlCol="0" anchor="ctr"/>
+            <a:lstStyle/>
+            <a:p>
+              <a:pPr algn="ctr"/>
+              <a:r>
+                <a:rPr lang="en-US" sz="700" dirty="0" smtClean="0">
+                  <a:solidFill>
+                    <a:srgbClr val="000000"/>
+                  </a:solidFill>
+                  <a:latin typeface="Arial"/>
+                  <a:cs typeface="Arial"/>
+                </a:rPr>
+                <a:t>Basic</a:t>
+              </a:r>
+              <a:endParaRPr lang="en-US" sz="700" dirty="0">
+                <a:solidFill>
+                  <a:srgbClr val="000000"/>
+                </a:solidFill>
+                <a:latin typeface="Arial"/>
+                <a:cs typeface="Arial"/>
+              </a:endParaRPr>
+            </a:p>
+            <a:p>
+              <a:pPr algn="ctr"/>
+              <a:r>
+                <a:rPr lang="en-US" sz="700" dirty="0" smtClean="0">
+                  <a:solidFill>
+                    <a:srgbClr val="000000"/>
+                  </a:solidFill>
+                  <a:latin typeface="Arial"/>
+                  <a:cs typeface="Arial"/>
+                </a:rPr>
+                <a:t>template</a:t>
+              </a:r>
+              <a:endParaRPr lang="en-US" sz="700" dirty="0">
+                <a:solidFill>
+                  <a:srgbClr val="000000"/>
+                </a:solidFill>
+                <a:latin typeface="Arial"/>
+                <a:cs typeface="Arial"/>
+              </a:endParaRPr>
+            </a:p>
+          </p:txBody>
+        </p:sp>
+        <p:cxnSp>
+          <p:nvCxnSpPr>
+            <p:cNvPr id="103" name="Straight Arrow Connector 102"/>
+            <p:cNvCxnSpPr>
+              <a:stCxn id="99" idx="1"/>
+            </p:cNvCxnSpPr>
+            <p:nvPr/>
+          </p:nvCxnSpPr>
+          <p:spPr>
+            <a:xfrm flipV="1">
+              <a:off x="4721231" y="4825065"/>
+              <a:ext cx="436034" cy="122178"/>
+            </a:xfrm>
+            <a:prstGeom prst="straightConnector1">
+              <a:avLst/>
+            </a:prstGeom>
+            <a:ln w="3175" cmpd="sng">
+              <a:solidFill>
+                <a:schemeClr val="tx1"/>
+              </a:solidFill>
+              <a:tailEnd type="arrow" w="sm" len="sm"/>
+            </a:ln>
+          </p:spPr>
+          <p:style>
+            <a:lnRef idx="2">
+              <a:schemeClr val="accent1"/>
+            </a:lnRef>
+            <a:fillRef idx="0">
+              <a:schemeClr val="accent1"/>
+            </a:fillRef>
+            <a:effectRef idx="1">
+              <a:schemeClr val="accent1"/>
+            </a:effectRef>
+            <a:fontRef idx="minor">
+              <a:schemeClr val="tx1"/>
+            </a:fontRef>
+          </p:style>
+        </p:cxnSp>
+        <p:cxnSp>
+          <p:nvCxnSpPr>
+            <p:cNvPr id="104" name="Straight Arrow Connector 103"/>
+            <p:cNvCxnSpPr/>
+            <p:nvPr/>
+          </p:nvCxnSpPr>
+          <p:spPr>
+            <a:xfrm>
+              <a:off x="5030264" y="5167453"/>
+              <a:ext cx="127001" cy="0"/>
+            </a:xfrm>
+            <a:prstGeom prst="straightConnector1">
+              <a:avLst/>
+            </a:prstGeom>
+            <a:ln w="3175" cmpd="sng">
+              <a:solidFill>
+                <a:schemeClr val="tx1"/>
+              </a:solidFill>
+              <a:tailEnd type="arrow" w="sm" len="sm"/>
+            </a:ln>
+          </p:spPr>
+          <p:style>
+            <a:lnRef idx="2">
+              <a:schemeClr val="accent1"/>
+            </a:lnRef>
+            <a:fillRef idx="0">
+              <a:schemeClr val="accent1"/>
+            </a:fillRef>
+            <a:effectRef idx="1">
+              <a:schemeClr val="accent1"/>
+            </a:effectRef>
+            <a:fontRef idx="minor">
+              <a:schemeClr val="tx1"/>
+            </a:fontRef>
+          </p:style>
+        </p:cxnSp>
+        <p:cxnSp>
+          <p:nvCxnSpPr>
+            <p:cNvPr id="105" name="Straight Arrow Connector 104"/>
+            <p:cNvCxnSpPr>
+              <a:stCxn id="99" idx="3"/>
+              <a:endCxn id="102" idx="1"/>
+            </p:cNvCxnSpPr>
+            <p:nvPr/>
+          </p:nvCxnSpPr>
+          <p:spPr>
+            <a:xfrm>
+              <a:off x="4721231" y="5446439"/>
+              <a:ext cx="453186" cy="308656"/>
+            </a:xfrm>
+            <a:prstGeom prst="straightConnector1">
+              <a:avLst/>
+            </a:prstGeom>
+            <a:ln w="3175" cmpd="sng">
+              <a:solidFill>
+                <a:schemeClr val="tx1"/>
+              </a:solidFill>
+              <a:tailEnd type="arrow" w="sm" len="sm"/>
+            </a:ln>
+          </p:spPr>
+          <p:style>
+            <a:lnRef idx="2">
+              <a:schemeClr val="accent1"/>
+            </a:lnRef>
+            <a:fillRef idx="0">
+              <a:schemeClr val="accent1"/>
+            </a:fillRef>
+            <a:effectRef idx="1">
+              <a:schemeClr val="accent1"/>
+            </a:effectRef>
+            <a:fontRef idx="minor">
+              <a:schemeClr val="tx1"/>
+            </a:fontRef>
+          </p:style>
+        </p:cxnSp>
+        <p:sp>
+          <p:nvSpPr>
+            <p:cNvPr id="106" name="Rectangle 105"/>
+            <p:cNvSpPr/>
+            <p:nvPr/>
+          </p:nvSpPr>
+          <p:spPr>
+            <a:xfrm>
+              <a:off x="5965816" y="5138478"/>
+              <a:ext cx="755056" cy="588374"/>
+            </a:xfrm>
+            <a:prstGeom prst="rect">
+              <a:avLst/>
+            </a:prstGeom>
+            <a:noFill/>
+            <a:ln>
+              <a:solidFill>
+                <a:schemeClr val="tx1"/>
+              </a:solidFill>
+            </a:ln>
+          </p:spPr>
+          <p:style>
+            <a:lnRef idx="1">
+              <a:schemeClr val="accent1"/>
+            </a:lnRef>
+            <a:fillRef idx="3">
+              <a:schemeClr val="accent1"/>
+            </a:fillRef>
+            <a:effectRef idx="2">
+              <a:schemeClr val="accent1"/>
+            </a:effectRef>
+            <a:fontRef idx="minor">
+              <a:schemeClr val="lt1"/>
+            </a:fontRef>
+          </p:style>
+          <p:txBody>
+            <a:bodyPr rtlCol="0" anchor="ctr"/>
+            <a:lstStyle/>
+            <a:p>
+              <a:pPr algn="ctr"/>
+              <a:r>
+                <a:rPr lang="en-US" sz="700" dirty="0" err="1" smtClean="0">
+                  <a:solidFill>
+                    <a:srgbClr val="000000"/>
+                  </a:solidFill>
+                  <a:latin typeface="Arial"/>
+                  <a:cs typeface="Arial"/>
+                </a:rPr>
+                <a:t>JobTemplate</a:t>
+              </a:r>
+              <a:endParaRPr lang="en-US" sz="700" dirty="0" smtClean="0">
+                <a:solidFill>
+                  <a:srgbClr val="000000"/>
+                </a:solidFill>
+                <a:latin typeface="Arial"/>
+                <a:cs typeface="Arial"/>
+              </a:endParaRPr>
+            </a:p>
+            <a:p>
+              <a:pPr algn="ctr"/>
+              <a:r>
+                <a:rPr lang="en-US" sz="700" dirty="0" smtClean="0">
+                  <a:solidFill>
+                    <a:srgbClr val="000000"/>
+                  </a:solidFill>
+                  <a:latin typeface="Arial"/>
+                  <a:cs typeface="Arial"/>
+                </a:rPr>
+                <a:t>Interface</a:t>
+              </a:r>
+              <a:endParaRPr lang="en-US" sz="700" dirty="0">
+                <a:solidFill>
+                  <a:srgbClr val="000000"/>
+                </a:solidFill>
+                <a:latin typeface="Arial"/>
+                <a:cs typeface="Arial"/>
+              </a:endParaRPr>
+            </a:p>
+          </p:txBody>
+        </p:sp>
+        <p:cxnSp>
+          <p:nvCxnSpPr>
+            <p:cNvPr id="107" name="Straight Arrow Connector 106"/>
+            <p:cNvCxnSpPr>
+              <a:stCxn id="100" idx="3"/>
+              <a:endCxn id="106" idx="1"/>
+            </p:cNvCxnSpPr>
+            <p:nvPr/>
+          </p:nvCxnSpPr>
+          <p:spPr>
+            <a:xfrm>
+              <a:off x="5707597" y="4770697"/>
+              <a:ext cx="258219" cy="661968"/>
+            </a:xfrm>
+            <a:prstGeom prst="straightConnector1">
+              <a:avLst/>
+            </a:prstGeom>
+            <a:ln w="3175" cmpd="sng">
+              <a:solidFill>
+                <a:schemeClr val="tx1"/>
+              </a:solidFill>
+              <a:tailEnd type="arrow" w="sm" len="sm"/>
+            </a:ln>
+          </p:spPr>
+          <p:style>
+            <a:lnRef idx="2">
+              <a:schemeClr val="accent1"/>
+            </a:lnRef>
+            <a:fillRef idx="0">
+              <a:schemeClr val="accent1"/>
+            </a:fillRef>
+            <a:effectRef idx="1">
+              <a:schemeClr val="accent1"/>
+            </a:effectRef>
+            <a:fontRef idx="minor">
+              <a:schemeClr val="tx1"/>
+            </a:fontRef>
+          </p:style>
+        </p:cxnSp>
+        <p:cxnSp>
+          <p:nvCxnSpPr>
+            <p:cNvPr id="108" name="Straight Arrow Connector 107"/>
+            <p:cNvCxnSpPr>
+              <a:stCxn id="101" idx="3"/>
+              <a:endCxn id="106" idx="1"/>
+            </p:cNvCxnSpPr>
+            <p:nvPr/>
+          </p:nvCxnSpPr>
+          <p:spPr>
+            <a:xfrm>
+              <a:off x="5707597" y="5129061"/>
+              <a:ext cx="258219" cy="303604"/>
+            </a:xfrm>
+            <a:prstGeom prst="straightConnector1">
+              <a:avLst/>
+            </a:prstGeom>
+            <a:ln w="3175" cmpd="sng">
+              <a:solidFill>
+                <a:schemeClr val="tx1"/>
+              </a:solidFill>
+              <a:tailEnd type="arrow" w="sm" len="sm"/>
+            </a:ln>
+          </p:spPr>
+          <p:style>
+            <a:lnRef idx="2">
+              <a:schemeClr val="accent1"/>
+            </a:lnRef>
+            <a:fillRef idx="0">
+              <a:schemeClr val="accent1"/>
+            </a:fillRef>
+            <a:effectRef idx="1">
+              <a:schemeClr val="accent1"/>
+            </a:effectRef>
+            <a:fontRef idx="minor">
+              <a:schemeClr val="tx1"/>
+            </a:fontRef>
+          </p:style>
+        </p:cxnSp>
+        <p:cxnSp>
+          <p:nvCxnSpPr>
+            <p:cNvPr id="109" name="Straight Arrow Connector 108"/>
+            <p:cNvCxnSpPr>
+              <a:stCxn id="102" idx="3"/>
+              <a:endCxn id="106" idx="1"/>
+            </p:cNvCxnSpPr>
+            <p:nvPr/>
+          </p:nvCxnSpPr>
+          <p:spPr>
+            <a:xfrm flipV="1">
+              <a:off x="5724749" y="5432665"/>
+              <a:ext cx="241067" cy="322429"/>
+            </a:xfrm>
+            <a:prstGeom prst="straightConnector1">
+              <a:avLst/>
+            </a:prstGeom>
+            <a:ln w="3175" cmpd="sng">
+              <a:solidFill>
+                <a:schemeClr val="tx1"/>
+              </a:solidFill>
+              <a:tailEnd type="arrow" w="sm" len="sm"/>
+            </a:ln>
+          </p:spPr>
+          <p:style>
+            <a:lnRef idx="2">
+              <a:schemeClr val="accent1"/>
+            </a:lnRef>
+            <a:fillRef idx="0">
+              <a:schemeClr val="accent1"/>
+            </a:fillRef>
+            <a:effectRef idx="1">
+              <a:schemeClr val="accent1"/>
+            </a:effectRef>
+            <a:fontRef idx="minor">
+              <a:schemeClr val="tx1"/>
+            </a:fontRef>
+          </p:style>
+        </p:cxnSp>
+        <p:sp>
+          <p:nvSpPr>
+            <p:cNvPr id="110" name="TextBox 109"/>
+            <p:cNvSpPr txBox="1"/>
+            <p:nvPr/>
+          </p:nvSpPr>
+          <p:spPr>
+            <a:xfrm>
+              <a:off x="5174416" y="5246502"/>
+              <a:ext cx="710742" cy="369332"/>
+            </a:xfrm>
+            <a:prstGeom prst="rect">
+              <a:avLst/>
+            </a:prstGeom>
+            <a:noFill/>
+          </p:spPr>
+          <p:txBody>
+            <a:bodyPr wrap="square" rtlCol="0">
+              <a:spAutoFit/>
+            </a:bodyPr>
+            <a:lstStyle/>
+            <a:p>
+              <a:r>
+                <a:rPr lang="is-IS" dirty="0" smtClean="0"/>
+                <a:t>…</a:t>
+              </a:r>
+              <a:endParaRPr lang="en-US" dirty="0"/>
+            </a:p>
+          </p:txBody>
+        </p:sp>
+        <p:sp>
+          <p:nvSpPr>
+            <p:cNvPr id="111" name="Oval 110"/>
+            <p:cNvSpPr/>
+            <p:nvPr/>
+          </p:nvSpPr>
+          <p:spPr>
+            <a:xfrm>
+              <a:off x="6046721" y="4488884"/>
+              <a:ext cx="598236" cy="283707"/>
+            </a:xfrm>
+            <a:prstGeom prst="ellipse">
+              <a:avLst/>
+            </a:prstGeom>
+            <a:noFill/>
+            <a:ln>
+              <a:solidFill>
+                <a:schemeClr val="tx1"/>
               </a:solidFill>
             </a:ln>
           </p:spPr>
@@ -5988,26 +7502,16 @@
               <a:r>
                 <a:rPr lang="en-US" sz="800" dirty="0" smtClean="0">
                   <a:solidFill>
-                    <a:schemeClr val="tx1"/>
+                    <a:srgbClr val="000000"/>
                   </a:solidFill>
                   <a:latin typeface="Arial"/>
                   <a:cs typeface="Arial"/>
                 </a:rPr>
-                <a:t>Engine running </a:t>
+                <a:t>User</a:t>
               </a:r>
-              <a:r>
-                <a:rPr lang="en-US" sz="800" b="1" dirty="0" smtClean="0">
-                  <a:solidFill>
-                    <a:schemeClr val="tx1"/>
-                  </a:solidFill>
-                  <a:latin typeface="Arial"/>
-                  <a:cs typeface="Arial"/>
-                </a:rPr>
-                <a:t>tasks</a:t>
-              </a:r>
-              <a:endParaRPr lang="en-US" sz="800" b="1" dirty="0">
+              <a:endParaRPr lang="en-US" sz="800" dirty="0">
                 <a:solidFill>
-                  <a:schemeClr val="tx1"/>
+                  <a:srgbClr val="000000"/>
                 </a:solidFill>
                 <a:latin typeface="Arial"/>
                 <a:cs typeface="Arial"/>
@@ -6017,16 +7521,16 @@
         </p:sp>
         <p:sp>
           <p:nvSpPr>
-            <p:cNvPr id="164" name="Rectangle 163"/>
+            <p:cNvPr id="112" name="Left-Right Arrow 111"/>
             <p:cNvSpPr/>
             <p:nvPr/>
           </p:nvSpPr>
           <p:spPr>
-            <a:xfrm>
-              <a:off x="855133" y="2345303"/>
-              <a:ext cx="897467" cy="287116"/>
+            <a:xfrm rot="16200000">
+              <a:off x="6205958" y="4859089"/>
+              <a:ext cx="273997" cy="166492"/>
             </a:xfrm>
-            <a:prstGeom prst="rect">
+            <a:prstGeom prst="leftRightArrow">
               <a:avLst/>
             </a:prstGeom>
             <a:noFill/>
@@ -6055,350 +7559,14 @@
             <a:lstStyle/>
             <a:p>
               <a:pPr algn="ctr"/>
-              <a:r>
-                <a:rPr lang="en-US" sz="800" dirty="0" smtClean="0">
-                  <a:solidFill>
-                    <a:schemeClr val="tx1"/>
-                  </a:solidFill>
-                  <a:latin typeface="Arial"/>
-                  <a:cs typeface="Arial"/>
-                </a:rPr>
-                <a:t>Converter</a:t>
-              </a:r>
-              <a:endParaRPr lang="en-US" sz="800" b="1" dirty="0">
-                <a:solidFill>
-                  <a:schemeClr val="tx1"/>
-                </a:solidFill>
-                <a:latin typeface="Arial"/>
-                <a:cs typeface="Arial"/>
-              </a:endParaRPr>
+              <a:endParaRPr lang="en-US"/>
             </a:p>
           </p:txBody>
         </p:sp>
-        <p:sp>
-          <p:nvSpPr>
-            <p:cNvPr id="165" name="Rectangle 164"/>
-            <p:cNvSpPr/>
-            <p:nvPr/>
-          </p:nvSpPr>
-          <p:spPr>
-            <a:xfrm>
-              <a:off x="855133" y="2784819"/>
-              <a:ext cx="897467" cy="287116"/>
-            </a:xfrm>
-            <a:prstGeom prst="rect">
-              <a:avLst/>
-            </a:prstGeom>
-            <a:noFill/>
-            <a:ln>
-              <a:solidFill>
-                <a:schemeClr val="tx1"/>
-              </a:solidFill>
-            </a:ln>
-          </p:spPr>
-          <p:style>
-            <a:lnRef idx="1">
-              <a:schemeClr val="accent1"/>
-            </a:lnRef>
-            <a:fillRef idx="3">
-              <a:schemeClr val="accent1"/>
-            </a:fillRef>
-            <a:effectRef idx="2">
-              <a:schemeClr val="accent1"/>
-            </a:effectRef>
-            <a:fontRef idx="minor">
-              <a:schemeClr val="lt1"/>
-            </a:fontRef>
-          </p:style>
-          <p:txBody>
-            <a:bodyPr rtlCol="0" anchor="ctr"/>
-            <a:lstStyle/>
-            <a:p>
-              <a:pPr algn="ctr"/>
-              <a:r>
-                <a:rPr lang="en-US" sz="800" dirty="0" smtClean="0">
-                  <a:solidFill>
-                    <a:schemeClr val="tx1"/>
-                  </a:solidFill>
-                  <a:latin typeface="Arial"/>
-                  <a:cs typeface="Arial"/>
-                </a:rPr>
-                <a:t>Publisher</a:t>
-              </a:r>
-              <a:endParaRPr lang="en-US" sz="800" b="1" dirty="0">
-                <a:solidFill>
-                  <a:schemeClr val="tx1"/>
-                </a:solidFill>
-                <a:latin typeface="Arial"/>
-                <a:cs typeface="Arial"/>
-              </a:endParaRPr>
-            </a:p>
-          </p:txBody>
-        </p:sp>
-        <p:sp>
-          <p:nvSpPr>
-            <p:cNvPr id="166" name="Rounded Rectangle 165"/>
-            <p:cNvSpPr/>
-            <p:nvPr/>
-          </p:nvSpPr>
-          <p:spPr>
-            <a:xfrm>
-              <a:off x="977515" y="3324991"/>
-              <a:ext cx="669637" cy="292476"/>
-            </a:xfrm>
-            <a:prstGeom prst="roundRect">
-              <a:avLst/>
-            </a:prstGeom>
-            <a:noFill/>
-            <a:ln>
-              <a:solidFill>
-                <a:schemeClr val="tx1"/>
-              </a:solidFill>
-            </a:ln>
-          </p:spPr>
-          <p:style>
-            <a:lnRef idx="1">
-              <a:schemeClr val="accent1"/>
-            </a:lnRef>
-            <a:fillRef idx="3">
-              <a:schemeClr val="accent1"/>
-            </a:fillRef>
-            <a:effectRef idx="2">
-              <a:schemeClr val="accent1"/>
-            </a:effectRef>
-            <a:fontRef idx="minor">
-              <a:schemeClr val="lt1"/>
-            </a:fontRef>
-          </p:style>
-          <p:txBody>
-            <a:bodyPr rot="0" spcFirstLastPara="0" vertOverflow="overflow" horzOverflow="overflow" vert="horz" wrap="square" lIns="91440" tIns="45720" rIns="91440" bIns="45720" numCol="1" spcCol="0" rtlCol="0" fromWordArt="0" anchor="ctr" anchorCtr="0" forceAA="0" compatLnSpc="1">
-              <a:prstTxWarp prst="textNoShape">
-                <a:avLst/>
-              </a:prstTxWarp>
-              <a:noAutofit/>
-            </a:bodyPr>
-            <a:lstStyle/>
-            <a:p>
-              <a:pPr algn="ctr"/>
-              <a:r>
-                <a:rPr lang="en-US" sz="800" dirty="0" smtClean="0">
-                  <a:solidFill>
-                    <a:srgbClr val="000000"/>
-                  </a:solidFill>
-                  <a:latin typeface="Arial"/>
-                  <a:cs typeface="Arial"/>
-                </a:rPr>
-                <a:t>HDFS</a:t>
-              </a:r>
-              <a:endParaRPr lang="en-US" sz="800" dirty="0">
-                <a:solidFill>
-                  <a:srgbClr val="000000"/>
-                </a:solidFill>
-                <a:latin typeface="Arial"/>
-                <a:cs typeface="Arial"/>
-              </a:endParaRPr>
-            </a:p>
-          </p:txBody>
-        </p:sp>
-        <p:cxnSp>
-          <p:nvCxnSpPr>
-            <p:cNvPr id="167" name="Straight Arrow Connector 166"/>
-            <p:cNvCxnSpPr>
-              <a:stCxn id="161" idx="2"/>
-              <a:endCxn id="162" idx="0"/>
-            </p:cNvCxnSpPr>
-            <p:nvPr/>
-          </p:nvCxnSpPr>
-          <p:spPr>
-            <a:xfrm>
-              <a:off x="1303867" y="1167648"/>
-              <a:ext cx="0" cy="210869"/>
-            </a:xfrm>
-            <a:prstGeom prst="straightConnector1">
-              <a:avLst/>
-            </a:prstGeom>
-            <a:ln w="6350" cmpd="sng">
-              <a:solidFill>
-                <a:schemeClr val="tx1"/>
-              </a:solidFill>
-              <a:tailEnd type="arrow"/>
-            </a:ln>
-          </p:spPr>
-          <p:style>
-            <a:lnRef idx="2">
-              <a:schemeClr val="accent1"/>
-            </a:lnRef>
-            <a:fillRef idx="0">
-              <a:schemeClr val="accent1"/>
-            </a:fillRef>
-            <a:effectRef idx="1">
-              <a:schemeClr val="accent1"/>
-            </a:effectRef>
-            <a:fontRef idx="minor">
-              <a:schemeClr val="tx1"/>
-            </a:fontRef>
-          </p:style>
-        </p:cxnSp>
-        <p:cxnSp>
-          <p:nvCxnSpPr>
-            <p:cNvPr id="168" name="Straight Arrow Connector 167"/>
-            <p:cNvCxnSpPr>
-              <a:stCxn id="162" idx="2"/>
-              <a:endCxn id="163" idx="0"/>
-            </p:cNvCxnSpPr>
-            <p:nvPr/>
-          </p:nvCxnSpPr>
-          <p:spPr>
-            <a:xfrm>
-              <a:off x="1303867" y="1665633"/>
-              <a:ext cx="0" cy="227030"/>
-            </a:xfrm>
-            <a:prstGeom prst="straightConnector1">
-              <a:avLst/>
-            </a:prstGeom>
-            <a:ln w="6350" cmpd="sng">
-              <a:solidFill>
-                <a:schemeClr val="tx1"/>
-              </a:solidFill>
-              <a:tailEnd type="arrow"/>
-            </a:ln>
-          </p:spPr>
-          <p:style>
-            <a:lnRef idx="2">
-              <a:schemeClr val="accent1"/>
-            </a:lnRef>
-            <a:fillRef idx="0">
-              <a:schemeClr val="accent1"/>
-            </a:fillRef>
-            <a:effectRef idx="1">
-              <a:schemeClr val="accent1"/>
-            </a:effectRef>
-            <a:fontRef idx="minor">
-              <a:schemeClr val="tx1"/>
-            </a:fontRef>
-          </p:style>
-        </p:cxnSp>
-        <p:cxnSp>
-          <p:nvCxnSpPr>
-            <p:cNvPr id="169" name="Straight Arrow Connector 168"/>
-            <p:cNvCxnSpPr>
-              <a:stCxn id="163" idx="2"/>
-              <a:endCxn id="164" idx="0"/>
-            </p:cNvCxnSpPr>
-            <p:nvPr/>
-          </p:nvCxnSpPr>
-          <p:spPr>
-            <a:xfrm>
-              <a:off x="1303867" y="2179779"/>
-              <a:ext cx="0" cy="165524"/>
-            </a:xfrm>
-            <a:prstGeom prst="straightConnector1">
-              <a:avLst/>
-            </a:prstGeom>
-            <a:ln w="6350" cmpd="sng">
-              <a:solidFill>
-                <a:schemeClr val="tx1"/>
-              </a:solidFill>
-              <a:tailEnd type="arrow"/>
-            </a:ln>
-          </p:spPr>
-          <p:style>
-            <a:lnRef idx="2">
-              <a:schemeClr val="accent1"/>
-            </a:lnRef>
-            <a:fillRef idx="0">
-              <a:schemeClr val="accent1"/>
-            </a:fillRef>
-            <a:effectRef idx="1">
-              <a:schemeClr val="accent1"/>
-            </a:effectRef>
-            <a:fontRef idx="minor">
-              <a:schemeClr val="tx1"/>
-            </a:fontRef>
-          </p:style>
-        </p:cxnSp>
-        <p:cxnSp>
-          <p:nvCxnSpPr>
-            <p:cNvPr id="170" name="Straight Arrow Connector 169"/>
-            <p:cNvCxnSpPr>
-              <a:stCxn id="164" idx="2"/>
-              <a:endCxn id="165" idx="0"/>
-            </p:cNvCxnSpPr>
-            <p:nvPr/>
-          </p:nvCxnSpPr>
-          <p:spPr>
-            <a:xfrm>
-              <a:off x="1303867" y="2632419"/>
-              <a:ext cx="0" cy="152400"/>
-            </a:xfrm>
-            <a:prstGeom prst="straightConnector1">
-              <a:avLst/>
-            </a:prstGeom>
-            <a:ln w="6350" cmpd="sng">
-              <a:solidFill>
-                <a:schemeClr val="tx1"/>
-              </a:solidFill>
-              <a:tailEnd type="arrow"/>
-            </a:ln>
-          </p:spPr>
-          <p:style>
-            <a:lnRef idx="2">
-              <a:schemeClr val="accent1"/>
-            </a:lnRef>
-            <a:fillRef idx="0">
-              <a:schemeClr val="accent1"/>
-            </a:fillRef>
-            <a:effectRef idx="1">
-              <a:schemeClr val="accent1"/>
-            </a:effectRef>
-            <a:fontRef idx="minor">
-              <a:schemeClr val="tx1"/>
-            </a:fontRef>
-          </p:style>
-        </p:cxnSp>
-        <p:cxnSp>
-          <p:nvCxnSpPr>
-            <p:cNvPr id="171" name="Straight Arrow Connector 170"/>
-            <p:cNvCxnSpPr>
-              <a:stCxn id="165" idx="2"/>
-              <a:endCxn id="166" idx="0"/>
-            </p:cNvCxnSpPr>
-            <p:nvPr/>
-          </p:nvCxnSpPr>
-          <p:spPr>
-            <a:xfrm>
-              <a:off x="1303867" y="3071935"/>
-              <a:ext cx="8467" cy="253056"/>
-            </a:xfrm>
-            <a:prstGeom prst="straightConnector1">
-              <a:avLst/>
-            </a:prstGeom>
-            <a:ln w="6350" cmpd="sng">
-              <a:solidFill>
-                <a:schemeClr val="tx1"/>
-              </a:solidFill>
-              <a:tailEnd type="arrow"/>
-            </a:ln>
-          </p:spPr>
-          <p:style>
-            <a:lnRef idx="2">
-              <a:schemeClr val="accent1"/>
-            </a:lnRef>
-            <a:fillRef idx="0">
-              <a:schemeClr val="accent1"/>
-            </a:fillRef>
-            <a:effectRef idx="1">
-              <a:schemeClr val="accent1"/>
-            </a:effectRef>
-            <a:fontRef idx="minor">
-              <a:schemeClr val="tx1"/>
-            </a:fontRef>
-          </p:style>
-        </p:cxnSp>
       </p:grpSp>
       <p:pic>
         <p:nvPicPr>
-          <p:cNvPr id="9" name="Picture 8"/>
+          <p:cNvPr id="32" name="Picture 31"/>
           <p:cNvPicPr>
             <a:picLocks noChangeAspect="1"/>
           </p:cNvPicPr>
@@ -6412,8 +7580,8 @@
         </p:blipFill>
         <p:spPr>
           <a:xfrm>
-            <a:off x="2645831" y="999711"/>
-            <a:ext cx="3725526" cy="3117817"/>
+            <a:off x="2874433" y="1127126"/>
+            <a:ext cx="3314700" cy="2462830"/>
           </a:xfrm>
           <a:prstGeom prst="rect">
             <a:avLst/>
@@ -6422,13 +7590,73 @@
       </p:pic>
       <p:sp>
         <p:nvSpPr>
-          <p:cNvPr id="2" name="TextBox 1"/>
+          <p:cNvPr id="117" name="Round Same Side Corner Rectangle 116"/>
+          <p:cNvSpPr/>
+          <p:nvPr/>
+        </p:nvSpPr>
+        <p:spPr>
+          <a:xfrm>
+            <a:off x="166466" y="2458999"/>
+            <a:ext cx="2262717" cy="152930"/>
+          </a:xfrm>
+          <a:prstGeom prst="round2SameRect">
+            <a:avLst/>
+          </a:prstGeom>
+          <a:solidFill>
+            <a:srgbClr val="0A5287"/>
+          </a:solidFill>
+          <a:ln>
+            <a:noFill/>
+          </a:ln>
+        </p:spPr>
+        <p:style>
+          <a:lnRef idx="1">
+            <a:schemeClr val="accent1"/>
+          </a:lnRef>
+          <a:fillRef idx="3">
+            <a:schemeClr val="accent1"/>
+          </a:fillRef>
+          <a:effectRef idx="2">
+            <a:schemeClr val="accent1"/>
+          </a:effectRef>
+          <a:fontRef idx="minor">
+            <a:schemeClr val="lt1"/>
+          </a:fontRef>
+        </p:style>
+        <p:txBody>
+          <a:bodyPr rtlCol="0" anchor="ctr"/>
+          <a:lstStyle/>
+          <a:p>
+            <a:pPr algn="ctr"/>
+            <a:r>
+              <a:rPr lang="en-US" sz="800" b="1" dirty="0" smtClean="0">
+                <a:solidFill>
+                  <a:schemeClr val="bg1"/>
+                </a:solidFill>
+                <a:latin typeface="Arial"/>
+                <a:cs typeface="Arial"/>
+              </a:rPr>
+              <a:t>Motivation</a:t>
+            </a:r>
+            <a:endParaRPr lang="en-US" sz="800" b="1" dirty="0">
+              <a:solidFill>
+                <a:schemeClr val="bg1"/>
+              </a:solidFill>
+              <a:latin typeface="Arial"/>
+              <a:cs typeface="Arial"/>
+            </a:endParaRPr>
+          </a:p>
+        </p:txBody>
+      </p:sp>
+      <p:sp>
+        <p:nvSpPr>
+          <p:cNvPr id="119" name="TextBox 118"/>
           <p:cNvSpPr txBox="1"/>
           <p:nvPr/>
         </p:nvSpPr>
         <p:spPr>
           <a:xfrm>
-            <a:off x="132507" y="4715244"/>
+            <a:off x="132507" y="2662044"/>
             <a:ext cx="2365160" cy="1692771"/>
           </a:xfrm>
           <a:prstGeom prst="rect">
@@ -6447,25 +7675,32 @@
                 <a:latin typeface="Arial"/>
                 <a:cs typeface="Arial"/>
               </a:rPr>
-              <a:t>Achieved by implementing </a:t>
-            </a:r>
-            <a:r>
-              <a:rPr lang="en-US" sz="800" dirty="0" err="1" smtClean="0">
+              <a:t>Current </a:t>
+            </a:r>
+            <a:r>
+              <a:rPr lang="en-US" sz="800" dirty="0" err="1">
                 <a:latin typeface="Arial"/>
                 <a:cs typeface="Arial"/>
               </a:rPr>
               <a:t>Gobblin</a:t>
             </a:r>
             <a:r>
+              <a:rPr lang="en-US" sz="800" dirty="0">
+                <a:latin typeface="Arial"/>
+                <a:cs typeface="Arial"/>
+              </a:rPr>
+              <a:t> has </a:t>
+            </a:r>
+            <a:r>
               <a:rPr lang="en-US" sz="800" dirty="0" smtClean="0">
                 <a:latin typeface="Arial"/>
                 <a:cs typeface="Arial"/>
               </a:rPr>
-              <a:t> job discovery and refactoring job launcher to:</a:t>
-            </a:r>
-          </a:p>
-          <a:p>
-            <a:endParaRPr lang="en-US" sz="800" dirty="0" smtClean="0">
+              <a:t>limitations on:</a:t>
+            </a:r>
+          </a:p>
+          <a:p>
+            <a:endParaRPr lang="en-US" sz="800" dirty="0">
               <a:latin typeface="Arial"/>
               <a:cs typeface="Arial"/>
             </a:endParaRPr>
@@ -6476,18 +7711,18 @@
               <a:buChar char="•"/>
             </a:pPr>
             <a:r>
-              <a:rPr lang="en-US" sz="800" b="1" dirty="0" smtClean="0">
-                <a:latin typeface="Arial"/>
-                <a:cs typeface="Arial"/>
-              </a:rPr>
-              <a:t>Modularity: </a:t>
-            </a:r>
-            <a:r>
               <a:rPr lang="en-US" sz="800" dirty="0" smtClean="0">
                 <a:latin typeface="Arial"/>
                 <a:cs typeface="Arial"/>
               </a:rPr>
-              <a:t>Make all components fully cross compatible.</a:t>
+              <a:t>Lack of </a:t>
+            </a:r>
+            <a:r>
+              <a:rPr lang="en-US" sz="800" dirty="0">
+                <a:latin typeface="Arial"/>
+                <a:cs typeface="Arial"/>
+              </a:rPr>
+              <a:t>template support for job configuration, result in much repetitive efforts for users.</a:t>
             </a:r>
           </a:p>
           <a:p>
@@ -6496,32 +7731,11 @@
               <a:buChar char="•"/>
             </a:pPr>
             <a:r>
-              <a:rPr lang="en-US" sz="800" b="1" dirty="0" smtClean="0">
-                <a:latin typeface="Arial"/>
-                <a:cs typeface="Arial"/>
-              </a:rPr>
-              <a:t>Generality: </a:t>
-            </a:r>
-            <a:r>
-              <a:rPr lang="en-US" sz="800" dirty="0" smtClean="0">
-                <a:latin typeface="Arial"/>
-                <a:cs typeface="Arial"/>
-              </a:rPr>
-              <a:t>Implemented job discovery and job monitoring </a:t>
-            </a:r>
-            <a:r>
               <a:rPr lang="en-US" sz="800" dirty="0">
                 <a:latin typeface="Arial"/>
                 <a:cs typeface="Arial"/>
               </a:rPr>
-              <a:t>process </a:t>
-            </a:r>
-            <a:r>
-              <a:rPr lang="en-US" sz="800" dirty="0" smtClean="0">
-                <a:latin typeface="Arial"/>
-                <a:cs typeface="Arial"/>
-              </a:rPr>
-              <a:t>for general file system. </a:t>
+              <a:t>Lack of ability to dynamically allocate tasks in stand alone mode to simulate continuous execution.</a:t>
             </a:r>
           </a:p>
           <a:p>
@@ -6530,494 +7744,48 @@
               <a:buChar char="•"/>
             </a:pPr>
             <a:r>
-              <a:rPr lang="en-US" sz="800" b="1" dirty="0" smtClean="0">
-                <a:latin typeface="Arial"/>
-                <a:cs typeface="Arial"/>
-              </a:rPr>
-              <a:t>Compatibility*: </a:t>
+              <a:rPr lang="en-US" sz="800" dirty="0">
+                <a:latin typeface="Arial"/>
+                <a:cs typeface="Arial"/>
+              </a:rPr>
+              <a:t>Lack of intuitive User Interface for submitting new configurations</a:t>
             </a:r>
             <a:r>
               <a:rPr lang="en-US" sz="800" dirty="0" smtClean="0">
                 <a:latin typeface="Arial"/>
                 <a:cs typeface="Arial"/>
               </a:rPr>
-              <a:t>Adding job submission interface capabilities and the implementation.</a:t>
-            </a:r>
-            <a:endParaRPr lang="en-US" sz="800" b="1" dirty="0" smtClean="0">
-              <a:latin typeface="Arial"/>
-              <a:cs typeface="Arial"/>
-            </a:endParaRPr>
-          </a:p>
-          <a:p>
-            <a:pPr marL="171450" indent="-171450">
-              <a:buFont typeface="Arial"/>
-              <a:buChar char="•"/>
-            </a:pPr>
-            <a:endParaRPr lang="en-US" sz="800" dirty="0" smtClean="0">
-              <a:latin typeface="Arial"/>
-              <a:cs typeface="Arial"/>
-            </a:endParaRPr>
-          </a:p>
-          <a:p>
-            <a:pPr marL="171450" indent="-171450">
-              <a:buFont typeface="Arial"/>
-              <a:buChar char="•"/>
-            </a:pPr>
+              <a:t>.</a:t>
+            </a:r>
+          </a:p>
+          <a:p>
             <a:endParaRPr lang="en-US" sz="800" dirty="0">
               <a:latin typeface="Arial"/>
               <a:cs typeface="Arial"/>
             </a:endParaRPr>
           </a:p>
-        </p:txBody>
-      </p:sp>
-      <p:sp>
-        <p:nvSpPr>
-          <p:cNvPr id="5" name="TextBox 4"/>
-          <p:cNvSpPr txBox="1"/>
-          <p:nvPr/>
-        </p:nvSpPr>
-        <p:spPr>
-          <a:xfrm>
-            <a:off x="2604501" y="4042545"/>
-            <a:ext cx="3875619" cy="707886"/>
-          </a:xfrm>
-          <a:prstGeom prst="rect">
-            <a:avLst/>
-          </a:prstGeom>
-          <a:noFill/>
-        </p:spPr>
-        <p:txBody>
-          <a:bodyPr wrap="square" rtlCol="0">
-            <a:spAutoFit/>
-          </a:bodyPr>
-          <a:lstStyle/>
           <a:p>
             <a:r>
               <a:rPr lang="en-US" sz="800" dirty="0" smtClean="0">
                 <a:latin typeface="Arial"/>
                 <a:cs typeface="Arial"/>
               </a:rPr>
-              <a:t>Current design mingled job monitor, which is responsible for observing target job configuration file folder with job scheduler, as long as catalog storage. We instead extract each components as independent object and controlled by </a:t>
+              <a:t>It is necessary to improve these limitation to make </a:t>
             </a:r>
             <a:r>
               <a:rPr lang="en-US" sz="800" dirty="0" err="1" smtClean="0">
                 <a:latin typeface="Arial"/>
                 <a:cs typeface="Arial"/>
               </a:rPr>
-              <a:t>gobblin</a:t>
+              <a:t>Gobblin</a:t>
             </a:r>
             <a:r>
               <a:rPr lang="en-US" sz="800" dirty="0" smtClean="0">
                 <a:latin typeface="Arial"/>
                 <a:cs typeface="Arial"/>
               </a:rPr>
-              <a:t> instance driver, so that user could declare appropriate type of implementation for different workload.</a:t>
-            </a:r>
-          </a:p>
-        </p:txBody>
-      </p:sp>
-      <p:sp>
-        <p:nvSpPr>
-          <p:cNvPr id="59" name="TextBox 58"/>
-          <p:cNvSpPr txBox="1"/>
-          <p:nvPr/>
-        </p:nvSpPr>
-        <p:spPr>
-          <a:xfrm>
-            <a:off x="2604501" y="4683603"/>
-            <a:ext cx="3875619" cy="584776"/>
-          </a:xfrm>
-          <a:prstGeom prst="rect">
-            <a:avLst/>
-          </a:prstGeom>
-          <a:noFill/>
-        </p:spPr>
-        <p:txBody>
-          <a:bodyPr wrap="square" rtlCol="0">
-            <a:spAutoFit/>
-          </a:bodyPr>
-          <a:lstStyle/>
-          <a:p>
-            <a:r>
-              <a:rPr lang="en-US" sz="800" dirty="0" smtClean="0">
-                <a:latin typeface="Arial"/>
-                <a:cs typeface="Arial"/>
-              </a:rPr>
-              <a:t>The generality is emphasized by extension of job discovery, corresponded to </a:t>
-            </a:r>
-            <a:r>
-              <a:rPr lang="en-US" sz="800" dirty="0" smtClean="0">
-                <a:latin typeface="Courier New"/>
-                <a:cs typeface="Courier New"/>
-              </a:rPr>
-              <a:t>Job Spec Catalog</a:t>
-            </a:r>
-            <a:r>
-              <a:rPr lang="en-US" sz="800" dirty="0" smtClean="0">
-                <a:latin typeface="Arial"/>
-                <a:cs typeface="Arial"/>
-              </a:rPr>
-              <a:t> and </a:t>
-            </a:r>
-            <a:r>
-              <a:rPr lang="en-US" sz="800" dirty="0" smtClean="0">
-                <a:latin typeface="Courier New"/>
-                <a:cs typeface="Courier New"/>
-              </a:rPr>
-              <a:t>Job Spec Monitor</a:t>
-            </a:r>
-            <a:r>
-              <a:rPr lang="en-US" sz="800" dirty="0" smtClean="0">
-                <a:latin typeface="Arial"/>
-                <a:cs typeface="Arial"/>
-              </a:rPr>
-              <a:t>. As illustrated by the figure below, job configuration file can only be loaded from </a:t>
-            </a:r>
-            <a:r>
-              <a:rPr lang="en-US" sz="800" dirty="0" err="1" smtClean="0">
-                <a:latin typeface="Arial"/>
-                <a:cs typeface="Arial"/>
-              </a:rPr>
-              <a:t>localFS</a:t>
-            </a:r>
-            <a:r>
-              <a:rPr lang="en-US" sz="800" dirty="0" smtClean="0">
-                <a:latin typeface="Arial"/>
-                <a:cs typeface="Arial"/>
-              </a:rPr>
-              <a:t> originally, is now extended to be fetched from general file system with support of HDFS interface.</a:t>
-            </a:r>
-          </a:p>
-        </p:txBody>
-      </p:sp>
-      <p:sp>
-        <p:nvSpPr>
-          <p:cNvPr id="60" name="TextBox 59"/>
-          <p:cNvSpPr txBox="1"/>
-          <p:nvPr/>
-        </p:nvSpPr>
-        <p:spPr>
-          <a:xfrm>
-            <a:off x="6609306" y="2507935"/>
-            <a:ext cx="2407693" cy="1200328"/>
-          </a:xfrm>
-          <a:prstGeom prst="rect">
-            <a:avLst/>
-          </a:prstGeom>
-          <a:noFill/>
-        </p:spPr>
-        <p:txBody>
-          <a:bodyPr wrap="square" rtlCol="0">
-            <a:spAutoFit/>
-          </a:bodyPr>
-          <a:lstStyle/>
-          <a:p>
-            <a:r>
-              <a:rPr lang="en-US" sz="800" dirty="0" smtClean="0">
-                <a:latin typeface="Arial"/>
-                <a:cs typeface="Arial"/>
-              </a:rPr>
-              <a:t>The compatibility is addressed by adding CLI interface, which consists the major part of future work. It basically allows user to submit </a:t>
-            </a:r>
-            <a:r>
-              <a:rPr lang="en-US" sz="800" dirty="0" err="1" smtClean="0">
-                <a:latin typeface="Arial"/>
-                <a:cs typeface="Arial"/>
-              </a:rPr>
-              <a:t>Gobblin</a:t>
-            </a:r>
-            <a:r>
-              <a:rPr lang="en-US" sz="800" dirty="0" smtClean="0">
-                <a:latin typeface="Arial"/>
-                <a:cs typeface="Arial"/>
-              </a:rPr>
-              <a:t> job through easier submission approach through different platforms, including but not limited REST, Kafka and </a:t>
-            </a:r>
-            <a:r>
-              <a:rPr lang="en-US" sz="800" dirty="0" err="1" smtClean="0">
-                <a:latin typeface="Arial"/>
-                <a:cs typeface="Arial"/>
-              </a:rPr>
-              <a:t>RabbitMQ</a:t>
-            </a:r>
-            <a:r>
-              <a:rPr lang="en-US" sz="800" dirty="0" smtClean="0">
-                <a:latin typeface="Arial"/>
-                <a:cs typeface="Arial"/>
-              </a:rPr>
-              <a:t>. It is </a:t>
-            </a:r>
-            <a:r>
-              <a:rPr lang="en-US" sz="800" dirty="0" smtClean="0">
-                <a:latin typeface="Courier New"/>
-                <a:cs typeface="Courier New"/>
-              </a:rPr>
-              <a:t>Job Spec Monitor</a:t>
-            </a:r>
-            <a:r>
-              <a:rPr lang="en-US" sz="800" dirty="0" smtClean="0">
-                <a:latin typeface="Arial"/>
-                <a:cs typeface="Arial"/>
-              </a:rPr>
-              <a:t>’s responsibility to catch these incoming message and interact with other components within </a:t>
-            </a:r>
-            <a:r>
-              <a:rPr lang="en-US" sz="800" dirty="0" err="1" smtClean="0">
-                <a:latin typeface="Arial"/>
-                <a:cs typeface="Arial"/>
-              </a:rPr>
-              <a:t>gobblin</a:t>
-            </a:r>
-            <a:r>
-              <a:rPr lang="en-US" sz="800" dirty="0" smtClean="0">
-                <a:latin typeface="Arial"/>
-                <a:cs typeface="Arial"/>
-              </a:rPr>
-              <a:t> runtime engine.</a:t>
-            </a:r>
-          </a:p>
-        </p:txBody>
-      </p:sp>
-      <p:sp>
-        <p:nvSpPr>
-          <p:cNvPr id="61" name="TextBox 60"/>
-          <p:cNvSpPr txBox="1"/>
-          <p:nvPr/>
-        </p:nvSpPr>
-        <p:spPr>
-          <a:xfrm>
-            <a:off x="6598300" y="3948251"/>
-            <a:ext cx="2407693" cy="1200328"/>
-          </a:xfrm>
-          <a:prstGeom prst="rect">
-            <a:avLst/>
-          </a:prstGeom>
-          <a:noFill/>
-        </p:spPr>
-        <p:txBody>
-          <a:bodyPr wrap="square" rtlCol="0">
-            <a:spAutoFit/>
-          </a:bodyPr>
-          <a:lstStyle/>
-          <a:p>
-            <a:r>
-              <a:rPr lang="en-US" sz="800" dirty="0" smtClean="0">
-                <a:latin typeface="Arial"/>
-                <a:cs typeface="Arial"/>
-              </a:rPr>
-              <a:t>Major impact of the work includes: </a:t>
-            </a:r>
-          </a:p>
-          <a:p>
-            <a:pPr marL="171450" indent="-171450">
-              <a:buFont typeface="Arial"/>
-              <a:buChar char="•"/>
-            </a:pPr>
-            <a:r>
-              <a:rPr lang="en-US" sz="800" dirty="0" err="1" smtClean="0">
-                <a:latin typeface="Arial"/>
-                <a:cs typeface="Arial"/>
-              </a:rPr>
-              <a:t>Gobblin</a:t>
-            </a:r>
-            <a:r>
-              <a:rPr lang="en-US" sz="800" dirty="0" smtClean="0">
-                <a:latin typeface="Arial"/>
-                <a:cs typeface="Arial"/>
-              </a:rPr>
-              <a:t> runtime engine’s modularity is improved, which makes it easier for user configuration. </a:t>
-            </a:r>
-          </a:p>
-          <a:p>
-            <a:pPr marL="171450" indent="-171450">
-              <a:buFont typeface="Arial"/>
-              <a:buChar char="•"/>
-            </a:pPr>
-            <a:r>
-              <a:rPr lang="en-US" sz="800" dirty="0" err="1" smtClean="0">
-                <a:latin typeface="Arial"/>
-                <a:cs typeface="Arial"/>
-              </a:rPr>
-              <a:t>Gobblin</a:t>
-            </a:r>
-            <a:r>
-              <a:rPr lang="en-US" sz="800" dirty="0" smtClean="0">
-                <a:latin typeface="Arial"/>
-                <a:cs typeface="Arial"/>
-              </a:rPr>
-              <a:t> can react faster to new job configuration creation, deletion and modification from their working FS.</a:t>
-            </a:r>
-          </a:p>
-          <a:p>
-            <a:pPr marL="171450" indent="-171450">
-              <a:buFont typeface="Arial"/>
-              <a:buChar char="•"/>
-            </a:pPr>
-            <a:r>
-              <a:rPr lang="en-US" sz="800" dirty="0" smtClean="0">
-                <a:latin typeface="Arial"/>
-                <a:cs typeface="Arial"/>
-              </a:rPr>
-              <a:t>*Easier approach to access the core of job configuration management.</a:t>
-            </a:r>
-          </a:p>
-        </p:txBody>
-      </p:sp>
-      <p:sp>
-        <p:nvSpPr>
-          <p:cNvPr id="62" name="TextBox 61"/>
-          <p:cNvSpPr txBox="1"/>
-          <p:nvPr/>
-        </p:nvSpPr>
-        <p:spPr>
-          <a:xfrm>
-            <a:off x="1036325" y="1128267"/>
-            <a:ext cx="1514257" cy="3293210"/>
-          </a:xfrm>
-          <a:prstGeom prst="rect">
-            <a:avLst/>
-          </a:prstGeom>
-          <a:noFill/>
-        </p:spPr>
-        <p:txBody>
-          <a:bodyPr wrap="square" rtlCol="0">
-            <a:spAutoFit/>
-          </a:bodyPr>
-          <a:lstStyle/>
-          <a:p>
-            <a:r>
-              <a:rPr lang="en-US" sz="800" dirty="0" err="1" smtClean="0">
-                <a:latin typeface="Arial"/>
-                <a:cs typeface="Arial"/>
-              </a:rPr>
-              <a:t>Gobblin</a:t>
-            </a:r>
-            <a:r>
-              <a:rPr lang="en-US" sz="800" dirty="0" smtClean="0">
-                <a:latin typeface="Arial"/>
-                <a:cs typeface="Arial"/>
-              </a:rPr>
-              <a:t> is a universal data </a:t>
-            </a:r>
-            <a:r>
-              <a:rPr lang="en-US" sz="800" dirty="0">
-                <a:latin typeface="Arial"/>
-                <a:cs typeface="Arial"/>
-              </a:rPr>
-              <a:t>ingestion </a:t>
-            </a:r>
-            <a:r>
-              <a:rPr lang="en-US" sz="800" dirty="0" smtClean="0">
-                <a:latin typeface="Arial"/>
-                <a:cs typeface="Arial"/>
-              </a:rPr>
-              <a:t>framework for </a:t>
-            </a:r>
-            <a:r>
-              <a:rPr lang="en-US" sz="800" dirty="0">
-                <a:latin typeface="Arial"/>
-                <a:cs typeface="Arial"/>
-              </a:rPr>
-              <a:t>extracting, transforming, and loading large volume of data from a variety of data sources, e.g., databases, rest APIs, FTP/SFTP servers, filers, etc., onto </a:t>
-            </a:r>
-            <a:r>
-              <a:rPr lang="en-US" sz="800" dirty="0" err="1">
-                <a:latin typeface="Arial"/>
-                <a:cs typeface="Arial"/>
-              </a:rPr>
-              <a:t>Hadoop</a:t>
-            </a:r>
-            <a:r>
-              <a:rPr lang="en-US" sz="800" dirty="0">
-                <a:latin typeface="Arial"/>
-                <a:cs typeface="Arial"/>
-              </a:rPr>
-              <a:t>. </a:t>
-            </a:r>
-            <a:endParaRPr lang="en-US" sz="800" dirty="0" smtClean="0">
-              <a:latin typeface="Arial"/>
-              <a:cs typeface="Arial"/>
-            </a:endParaRPr>
-          </a:p>
-          <a:p>
-            <a:endParaRPr lang="en-US" sz="800" dirty="0" smtClean="0">
-              <a:latin typeface="Arial"/>
-              <a:cs typeface="Arial"/>
-            </a:endParaRPr>
-          </a:p>
-          <a:p>
-            <a:r>
-              <a:rPr lang="en-US" sz="800" dirty="0" smtClean="0">
-                <a:latin typeface="Arial"/>
-                <a:cs typeface="Arial"/>
-              </a:rPr>
-              <a:t>Our work focused on improving </a:t>
-            </a:r>
-            <a:r>
-              <a:rPr lang="en-US" sz="800" dirty="0" err="1" smtClean="0">
-                <a:latin typeface="Arial"/>
-                <a:cs typeface="Arial"/>
-              </a:rPr>
-              <a:t>Gobblin</a:t>
-            </a:r>
-            <a:r>
-              <a:rPr lang="en-US" sz="800" dirty="0" smtClean="0">
-                <a:latin typeface="Arial"/>
-                <a:cs typeface="Arial"/>
-              </a:rPr>
-              <a:t> running engine, especially in terms of its handling for job configuration files. The current implementation has the following disadvantages:</a:t>
-            </a:r>
-          </a:p>
-          <a:p>
-            <a:pPr marL="171450" indent="-171450">
-              <a:buFont typeface="Arial"/>
-              <a:buChar char="•"/>
-            </a:pPr>
-            <a:r>
-              <a:rPr lang="en-US" sz="800" dirty="0" smtClean="0">
-                <a:latin typeface="Arial"/>
-                <a:cs typeface="Arial"/>
-              </a:rPr>
-              <a:t>Hard to achieve cross-compatible. </a:t>
-            </a:r>
-          </a:p>
-          <a:p>
-            <a:pPr marL="171450" indent="-171450">
-              <a:buFont typeface="Arial"/>
-              <a:buChar char="•"/>
-            </a:pPr>
-            <a:r>
-              <a:rPr lang="en-US" sz="800" dirty="0" smtClean="0">
-                <a:latin typeface="Arial"/>
-                <a:cs typeface="Arial"/>
-              </a:rPr>
-              <a:t>Limit in local file system to fetch the configuration files. </a:t>
-            </a:r>
-          </a:p>
-          <a:p>
-            <a:pPr marL="171450" indent="-171450">
-              <a:buFont typeface="Arial"/>
-              <a:buChar char="•"/>
-            </a:pPr>
-            <a:r>
-              <a:rPr lang="en-US" sz="800" dirty="0" smtClean="0">
-                <a:latin typeface="Arial"/>
-                <a:cs typeface="Arial"/>
-              </a:rPr>
-              <a:t>Lacking user-friendly interface for job configuration submission.</a:t>
-            </a:r>
-          </a:p>
-          <a:p>
-            <a:pPr marL="171450" indent="-171450">
-              <a:buFont typeface="Arial"/>
-              <a:buChar char="•"/>
-            </a:pPr>
-            <a:endParaRPr lang="en-US" sz="800" dirty="0" smtClean="0">
-              <a:latin typeface="Arial"/>
-              <a:cs typeface="Arial"/>
-            </a:endParaRPr>
-          </a:p>
-          <a:p>
+              <a:t> react more faster and dynamic.</a:t>
+            </a:r>
             <a:endParaRPr lang="en-US" sz="800" dirty="0" smtClean="0">
               <a:latin typeface="Arial"/>
               <a:cs typeface="Arial"/>
@@ -7062,697 +7830,6 @@
           <a:chExt cx="0" cy="0"/>
         </a:xfrm>
       </p:grpSpPr>
-      <p:sp>
-        <p:nvSpPr>
-          <p:cNvPr id="2" name="TextBox 1"/>
-          <p:cNvSpPr txBox="1"/>
-          <p:nvPr/>
-        </p:nvSpPr>
-        <p:spPr>
-          <a:xfrm>
-            <a:off x="905933" y="418817"/>
-            <a:ext cx="3149600" cy="369332"/>
-          </a:xfrm>
-          <a:prstGeom prst="rect">
-            <a:avLst/>
-          </a:prstGeom>
-          <a:noFill/>
-        </p:spPr>
-        <p:txBody>
-          <a:bodyPr wrap="square" rtlCol="0">
-            <a:spAutoFit/>
-          </a:bodyPr>
-          <a:lstStyle/>
-          <a:p>
-            <a:r>
-              <a:rPr lang="en-US" dirty="0" smtClean="0"/>
-              <a:t>The catalog Illustration</a:t>
-            </a:r>
-            <a:endParaRPr lang="en-US" dirty="0"/>
-          </a:p>
-        </p:txBody>
-      </p:sp>
-      <p:grpSp>
-        <p:nvGrpSpPr>
-          <p:cNvPr id="44" name="Group 43"/>
-          <p:cNvGrpSpPr/>
-          <p:nvPr/>
-        </p:nvGrpSpPr>
-        <p:grpSpPr>
-          <a:xfrm>
-            <a:off x="1295400" y="1438841"/>
-            <a:ext cx="4914900" cy="1875933"/>
-            <a:chOff x="1295400" y="1438841"/>
-            <a:chExt cx="4914900" cy="1875933"/>
-          </a:xfrm>
-        </p:grpSpPr>
-        <p:cxnSp>
-          <p:nvCxnSpPr>
-            <p:cNvPr id="11" name="Straight Arrow Connector 10"/>
-            <p:cNvCxnSpPr>
-              <a:stCxn id="12" idx="2"/>
-            </p:cNvCxnSpPr>
-            <p:nvPr/>
-          </p:nvCxnSpPr>
-          <p:spPr>
-            <a:xfrm>
-              <a:off x="2686051" y="1828308"/>
-              <a:ext cx="482600" cy="593724"/>
-            </a:xfrm>
-            <a:prstGeom prst="straightConnector1">
-              <a:avLst/>
-            </a:prstGeom>
-            <a:ln>
-              <a:solidFill>
-                <a:schemeClr val="tx1"/>
-              </a:solidFill>
-              <a:tailEnd type="arrow"/>
-            </a:ln>
-          </p:spPr>
-          <p:style>
-            <a:lnRef idx="2">
-              <a:schemeClr val="accent1"/>
-            </a:lnRef>
-            <a:fillRef idx="0">
-              <a:schemeClr val="accent1"/>
-            </a:fillRef>
-            <a:effectRef idx="1">
-              <a:schemeClr val="accent1"/>
-            </a:effectRef>
-            <a:fontRef idx="minor">
-              <a:schemeClr val="tx1"/>
-            </a:fontRef>
-          </p:style>
-        </p:cxnSp>
-        <p:cxnSp>
-          <p:nvCxnSpPr>
-            <p:cNvPr id="13" name="Straight Arrow Connector 12"/>
-            <p:cNvCxnSpPr>
-              <a:stCxn id="23" idx="3"/>
-            </p:cNvCxnSpPr>
-            <p:nvPr/>
-          </p:nvCxnSpPr>
-          <p:spPr>
-            <a:xfrm>
-              <a:off x="2116667" y="2023042"/>
-              <a:ext cx="1051984" cy="398990"/>
-            </a:xfrm>
-            <a:prstGeom prst="straightConnector1">
-              <a:avLst/>
-            </a:prstGeom>
-            <a:ln>
-              <a:solidFill>
-                <a:schemeClr val="tx1"/>
-              </a:solidFill>
-              <a:tailEnd type="arrow"/>
-            </a:ln>
-          </p:spPr>
-          <p:style>
-            <a:lnRef idx="2">
-              <a:schemeClr val="accent1"/>
-            </a:lnRef>
-            <a:fillRef idx="0">
-              <a:schemeClr val="accent1"/>
-            </a:fillRef>
-            <a:effectRef idx="1">
-              <a:schemeClr val="accent1"/>
-            </a:effectRef>
-            <a:fontRef idx="minor">
-              <a:schemeClr val="tx1"/>
-            </a:fontRef>
-          </p:style>
-        </p:cxnSp>
-        <p:cxnSp>
-          <p:nvCxnSpPr>
-            <p:cNvPr id="16" name="Straight Arrow Connector 15"/>
-            <p:cNvCxnSpPr>
-              <a:stCxn id="30" idx="3"/>
-            </p:cNvCxnSpPr>
-            <p:nvPr/>
-          </p:nvCxnSpPr>
-          <p:spPr>
-            <a:xfrm flipV="1">
-              <a:off x="2116667" y="2422032"/>
-              <a:ext cx="1051984" cy="298594"/>
-            </a:xfrm>
-            <a:prstGeom prst="straightConnector1">
-              <a:avLst/>
-            </a:prstGeom>
-            <a:ln>
-              <a:solidFill>
-                <a:schemeClr val="tx1"/>
-              </a:solidFill>
-              <a:tailEnd type="arrow"/>
-            </a:ln>
-          </p:spPr>
-          <p:style>
-            <a:lnRef idx="2">
-              <a:schemeClr val="accent1"/>
-            </a:lnRef>
-            <a:fillRef idx="0">
-              <a:schemeClr val="accent1"/>
-            </a:fillRef>
-            <a:effectRef idx="1">
-              <a:schemeClr val="accent1"/>
-            </a:effectRef>
-            <a:fontRef idx="minor">
-              <a:schemeClr val="tx1"/>
-            </a:fontRef>
-          </p:style>
-        </p:cxnSp>
-        <p:cxnSp>
-          <p:nvCxnSpPr>
-            <p:cNvPr id="19" name="Straight Arrow Connector 18"/>
-            <p:cNvCxnSpPr>
-              <a:stCxn id="33" idx="0"/>
-            </p:cNvCxnSpPr>
-            <p:nvPr/>
-          </p:nvCxnSpPr>
-          <p:spPr>
-            <a:xfrm flipV="1">
-              <a:off x="2686051" y="2422032"/>
-              <a:ext cx="482600" cy="503275"/>
-            </a:xfrm>
-            <a:prstGeom prst="straightConnector1">
-              <a:avLst/>
-            </a:prstGeom>
-            <a:ln>
-              <a:solidFill>
-                <a:schemeClr val="tx1"/>
-              </a:solidFill>
-              <a:tailEnd type="arrow"/>
-            </a:ln>
-          </p:spPr>
-          <p:style>
-            <a:lnRef idx="2">
-              <a:schemeClr val="accent1"/>
-            </a:lnRef>
-            <a:fillRef idx="0">
-              <a:schemeClr val="accent1"/>
-            </a:fillRef>
-            <a:effectRef idx="1">
-              <a:schemeClr val="accent1"/>
-            </a:effectRef>
-            <a:fontRef idx="minor">
-              <a:schemeClr val="tx1"/>
-            </a:fontRef>
-          </p:style>
-        </p:cxnSp>
-        <p:sp>
-          <p:nvSpPr>
-            <p:cNvPr id="22" name="Rounded Rectangle 21"/>
-            <p:cNvSpPr/>
-            <p:nvPr/>
-          </p:nvSpPr>
-          <p:spPr>
-            <a:xfrm>
-              <a:off x="4859867" y="2000745"/>
-              <a:ext cx="1350433" cy="842574"/>
-            </a:xfrm>
-            <a:prstGeom prst="roundRect">
-              <a:avLst/>
-            </a:prstGeom>
-            <a:solidFill>
-              <a:schemeClr val="tx1"/>
-            </a:solidFill>
-            <a:ln>
-              <a:noFill/>
-            </a:ln>
-            <a:effectLst/>
-          </p:spPr>
-          <p:style>
-            <a:lnRef idx="1">
-              <a:schemeClr val="accent1"/>
-            </a:lnRef>
-            <a:fillRef idx="3">
-              <a:schemeClr val="accent1"/>
-            </a:fillRef>
-            <a:effectRef idx="2">
-              <a:schemeClr val="accent1"/>
-            </a:effectRef>
-            <a:fontRef idx="minor">
-              <a:schemeClr val="lt1"/>
-            </a:fontRef>
-          </p:style>
-          <p:txBody>
-            <a:bodyPr rtlCol="0" anchor="ctr"/>
-            <a:lstStyle/>
-            <a:p>
-              <a:pPr algn="ctr"/>
-              <a:r>
-                <a:rPr lang="en-US" sz="1000" b="1" dirty="0" smtClean="0">
-                  <a:solidFill>
-                    <a:srgbClr val="357DDA"/>
-                  </a:solidFill>
-                  <a:latin typeface="Arial"/>
-                  <a:cs typeface="Arial"/>
-                </a:rPr>
-                <a:t>Job Catalog</a:t>
-              </a:r>
-              <a:endParaRPr lang="en-US" sz="1000" b="1" dirty="0">
-                <a:solidFill>
-                  <a:srgbClr val="357DDA"/>
-                </a:solidFill>
-                <a:latin typeface="Arial"/>
-                <a:cs typeface="Arial"/>
-              </a:endParaRPr>
-            </a:p>
-          </p:txBody>
-        </p:sp>
-        <p:cxnSp>
-          <p:nvCxnSpPr>
-            <p:cNvPr id="28" name="Curved Connector 27"/>
-            <p:cNvCxnSpPr>
-              <a:stCxn id="12" idx="0"/>
-              <a:endCxn id="22" idx="0"/>
-            </p:cNvCxnSpPr>
-            <p:nvPr/>
-          </p:nvCxnSpPr>
-          <p:spPr>
-            <a:xfrm rot="16200000" flipH="1">
-              <a:off x="3829615" y="295277"/>
-              <a:ext cx="561904" cy="2849033"/>
-            </a:xfrm>
-            <a:prstGeom prst="curvedConnector3">
-              <a:avLst>
-                <a:gd name="adj1" fmla="val -40683"/>
-              </a:avLst>
-            </a:prstGeom>
-            <a:ln>
-              <a:solidFill>
-                <a:schemeClr val="tx1"/>
-              </a:solidFill>
-              <a:prstDash val="sysDash"/>
-              <a:tailEnd type="arrow"/>
-            </a:ln>
-          </p:spPr>
-          <p:style>
-            <a:lnRef idx="2">
-              <a:schemeClr val="accent1"/>
-            </a:lnRef>
-            <a:fillRef idx="0">
-              <a:schemeClr val="accent1"/>
-            </a:fillRef>
-            <a:effectRef idx="1">
-              <a:schemeClr val="accent1"/>
-            </a:effectRef>
-            <a:fontRef idx="minor">
-              <a:schemeClr val="tx1"/>
-            </a:fontRef>
-          </p:style>
-        </p:cxnSp>
-        <p:cxnSp>
-          <p:nvCxnSpPr>
-            <p:cNvPr id="31" name="Straight Arrow Connector 30"/>
-            <p:cNvCxnSpPr>
-              <a:stCxn id="37" idx="3"/>
-              <a:endCxn id="22" idx="1"/>
-            </p:cNvCxnSpPr>
-            <p:nvPr/>
-          </p:nvCxnSpPr>
-          <p:spPr>
-            <a:xfrm>
-              <a:off x="4519083" y="2422032"/>
-              <a:ext cx="340784" cy="0"/>
-            </a:xfrm>
-            <a:prstGeom prst="straightConnector1">
-              <a:avLst/>
-            </a:prstGeom>
-            <a:ln>
-              <a:solidFill>
-                <a:schemeClr val="tx1"/>
-              </a:solidFill>
-              <a:tailEnd type="arrow"/>
-            </a:ln>
-          </p:spPr>
-          <p:style>
-            <a:lnRef idx="2">
-              <a:schemeClr val="accent1"/>
-            </a:lnRef>
-            <a:fillRef idx="0">
-              <a:schemeClr val="accent1"/>
-            </a:fillRef>
-            <a:effectRef idx="1">
-              <a:schemeClr val="accent1"/>
-            </a:effectRef>
-            <a:fontRef idx="minor">
-              <a:schemeClr val="tx1"/>
-            </a:fontRef>
-          </p:style>
-        </p:cxnSp>
-        <p:sp>
-          <p:nvSpPr>
-            <p:cNvPr id="12" name="Rectangle 11"/>
-            <p:cNvSpPr/>
-            <p:nvPr/>
-          </p:nvSpPr>
-          <p:spPr>
-            <a:xfrm>
-              <a:off x="2275417" y="1438841"/>
-              <a:ext cx="821267" cy="389467"/>
-            </a:xfrm>
-            <a:prstGeom prst="rect">
-              <a:avLst/>
-            </a:prstGeom>
-            <a:noFill/>
-            <a:ln>
-              <a:solidFill>
-                <a:schemeClr val="tx1"/>
-              </a:solidFill>
-            </a:ln>
-          </p:spPr>
-          <p:style>
-            <a:lnRef idx="1">
-              <a:schemeClr val="accent1"/>
-            </a:lnRef>
-            <a:fillRef idx="3">
-              <a:schemeClr val="accent1"/>
-            </a:fillRef>
-            <a:effectRef idx="2">
-              <a:schemeClr val="accent1"/>
-            </a:effectRef>
-            <a:fontRef idx="minor">
-              <a:schemeClr val="lt1"/>
-            </a:fontRef>
-          </p:style>
-          <p:txBody>
-            <a:bodyPr rtlCol="0" anchor="ctr"/>
-            <a:lstStyle/>
-            <a:p>
-              <a:pPr algn="ctr"/>
-              <a:r>
-                <a:rPr lang="en-US" sz="800" b="1" dirty="0" smtClean="0">
-                  <a:solidFill>
-                    <a:srgbClr val="000000"/>
-                  </a:solidFill>
-                  <a:latin typeface="Arial"/>
-                  <a:cs typeface="Arial"/>
-                </a:rPr>
-                <a:t>Local FS</a:t>
-              </a:r>
-              <a:endParaRPr lang="en-US" sz="800" b="1" dirty="0">
-                <a:solidFill>
-                  <a:srgbClr val="000000"/>
-                </a:solidFill>
-                <a:latin typeface="Arial"/>
-                <a:cs typeface="Arial"/>
-              </a:endParaRPr>
-            </a:p>
-          </p:txBody>
-        </p:sp>
-        <p:sp>
-          <p:nvSpPr>
-            <p:cNvPr id="23" name="Rectangle 22"/>
-            <p:cNvSpPr/>
-            <p:nvPr/>
-          </p:nvSpPr>
-          <p:spPr>
-            <a:xfrm>
-              <a:off x="1295400" y="1828308"/>
-              <a:ext cx="821267" cy="389467"/>
-            </a:xfrm>
-            <a:prstGeom prst="rect">
-              <a:avLst/>
-            </a:prstGeom>
-            <a:noFill/>
-            <a:ln>
-              <a:solidFill>
-                <a:schemeClr val="tx1"/>
-              </a:solidFill>
-            </a:ln>
-          </p:spPr>
-          <p:style>
-            <a:lnRef idx="1">
-              <a:schemeClr val="accent1"/>
-            </a:lnRef>
-            <a:fillRef idx="3">
-              <a:schemeClr val="accent1"/>
-            </a:fillRef>
-            <a:effectRef idx="2">
-              <a:schemeClr val="accent1"/>
-            </a:effectRef>
-            <a:fontRef idx="minor">
-              <a:schemeClr val="lt1"/>
-            </a:fontRef>
-          </p:style>
-          <p:txBody>
-            <a:bodyPr rtlCol="0" anchor="ctr"/>
-            <a:lstStyle/>
-            <a:p>
-              <a:pPr algn="ctr"/>
-              <a:r>
-                <a:rPr lang="en-US" sz="800" b="1" dirty="0" smtClean="0">
-                  <a:solidFill>
-                    <a:srgbClr val="000000"/>
-                  </a:solidFill>
-                  <a:latin typeface="Arial"/>
-                  <a:cs typeface="Arial"/>
-                </a:rPr>
-                <a:t>HDFS</a:t>
-              </a:r>
-              <a:endParaRPr lang="en-US" sz="800" b="1" dirty="0">
-                <a:solidFill>
-                  <a:srgbClr val="000000"/>
-                </a:solidFill>
-                <a:latin typeface="Arial"/>
-                <a:cs typeface="Arial"/>
-              </a:endParaRPr>
-            </a:p>
-          </p:txBody>
-        </p:sp>
-        <p:sp>
-          <p:nvSpPr>
-            <p:cNvPr id="30" name="Rectangle 29"/>
-            <p:cNvSpPr/>
-            <p:nvPr/>
-          </p:nvSpPr>
-          <p:spPr>
-            <a:xfrm>
-              <a:off x="1295400" y="2525892"/>
-              <a:ext cx="821267" cy="389467"/>
-            </a:xfrm>
-            <a:prstGeom prst="rect">
-              <a:avLst/>
-            </a:prstGeom>
-            <a:noFill/>
-            <a:ln>
-              <a:solidFill>
-                <a:schemeClr val="tx1"/>
-              </a:solidFill>
-            </a:ln>
-          </p:spPr>
-          <p:style>
-            <a:lnRef idx="1">
-              <a:schemeClr val="accent1"/>
-            </a:lnRef>
-            <a:fillRef idx="3">
-              <a:schemeClr val="accent1"/>
-            </a:fillRef>
-            <a:effectRef idx="2">
-              <a:schemeClr val="accent1"/>
-            </a:effectRef>
-            <a:fontRef idx="minor">
-              <a:schemeClr val="lt1"/>
-            </a:fontRef>
-          </p:style>
-          <p:txBody>
-            <a:bodyPr rtlCol="0" anchor="ctr"/>
-            <a:lstStyle/>
-            <a:p>
-              <a:pPr algn="ctr"/>
-              <a:r>
-                <a:rPr lang="en-US" sz="800" b="1" dirty="0" smtClean="0">
-                  <a:solidFill>
-                    <a:srgbClr val="000000"/>
-                  </a:solidFill>
-                  <a:latin typeface="Arial"/>
-                  <a:cs typeface="Arial"/>
-                </a:rPr>
-                <a:t>S3</a:t>
-              </a:r>
-              <a:endParaRPr lang="en-US" sz="800" b="1" dirty="0">
-                <a:solidFill>
-                  <a:srgbClr val="000000"/>
-                </a:solidFill>
-                <a:latin typeface="Arial"/>
-                <a:cs typeface="Arial"/>
-              </a:endParaRPr>
-            </a:p>
-          </p:txBody>
-        </p:sp>
-        <p:sp>
-          <p:nvSpPr>
-            <p:cNvPr id="33" name="Rectangle 32"/>
-            <p:cNvSpPr/>
-            <p:nvPr/>
-          </p:nvSpPr>
-          <p:spPr>
-            <a:xfrm>
-              <a:off x="2275417" y="2925307"/>
-              <a:ext cx="821267" cy="389467"/>
-            </a:xfrm>
-            <a:prstGeom prst="rect">
-              <a:avLst/>
-            </a:prstGeom>
-            <a:noFill/>
-            <a:ln>
-              <a:solidFill>
-                <a:schemeClr val="tx1"/>
-              </a:solidFill>
-            </a:ln>
-          </p:spPr>
-          <p:style>
-            <a:lnRef idx="1">
-              <a:schemeClr val="accent1"/>
-            </a:lnRef>
-            <a:fillRef idx="3">
-              <a:schemeClr val="accent1"/>
-            </a:fillRef>
-            <a:effectRef idx="2">
-              <a:schemeClr val="accent1"/>
-            </a:effectRef>
-            <a:fontRef idx="minor">
-              <a:schemeClr val="lt1"/>
-            </a:fontRef>
-          </p:style>
-          <p:txBody>
-            <a:bodyPr rtlCol="0" anchor="ctr"/>
-            <a:lstStyle/>
-            <a:p>
-              <a:pPr algn="ctr"/>
-              <a:r>
-                <a:rPr lang="en-US" sz="800" b="1" dirty="0" smtClean="0">
-                  <a:solidFill>
-                    <a:srgbClr val="000000"/>
-                  </a:solidFill>
-                  <a:latin typeface="Arial"/>
-                  <a:cs typeface="Arial"/>
-                </a:rPr>
-                <a:t>SFTP</a:t>
-              </a:r>
-              <a:endParaRPr lang="en-US" sz="800" b="1" dirty="0">
-                <a:solidFill>
-                  <a:srgbClr val="000000"/>
-                </a:solidFill>
-                <a:latin typeface="Arial"/>
-                <a:cs typeface="Arial"/>
-              </a:endParaRPr>
-            </a:p>
-          </p:txBody>
-        </p:sp>
-        <p:sp>
-          <p:nvSpPr>
-            <p:cNvPr id="37" name="Rectangle 36"/>
-            <p:cNvSpPr/>
-            <p:nvPr/>
-          </p:nvSpPr>
-          <p:spPr>
-            <a:xfrm>
-              <a:off x="3166534" y="2060119"/>
-              <a:ext cx="1352549" cy="723826"/>
-            </a:xfrm>
-            <a:prstGeom prst="rect">
-              <a:avLst/>
-            </a:prstGeom>
-            <a:solidFill>
-              <a:schemeClr val="accent6">
-                <a:lumMod val="20000"/>
-                <a:lumOff val="80000"/>
-              </a:schemeClr>
-            </a:solidFill>
-            <a:ln>
-              <a:solidFill>
-                <a:schemeClr val="tx1"/>
-              </a:solidFill>
-            </a:ln>
-          </p:spPr>
-          <p:style>
-            <a:lnRef idx="1">
-              <a:schemeClr val="accent1"/>
-            </a:lnRef>
-            <a:fillRef idx="3">
-              <a:schemeClr val="accent1"/>
-            </a:fillRef>
-            <a:effectRef idx="2">
-              <a:schemeClr val="accent1"/>
-            </a:effectRef>
-            <a:fontRef idx="minor">
-              <a:schemeClr val="lt1"/>
-            </a:fontRef>
-          </p:style>
-          <p:txBody>
-            <a:bodyPr rtlCol="0" anchor="ctr"/>
-            <a:lstStyle/>
-            <a:p>
-              <a:pPr algn="ctr"/>
-              <a:r>
-                <a:rPr lang="en-US" sz="800" b="1" dirty="0" err="1" smtClean="0">
-                  <a:solidFill>
-                    <a:srgbClr val="000000"/>
-                  </a:solidFill>
-                  <a:latin typeface="Arial"/>
-                  <a:cs typeface="Arial"/>
-                </a:rPr>
-                <a:t>Hadoop</a:t>
-              </a:r>
-              <a:r>
-                <a:rPr lang="en-US" sz="800" b="1" dirty="0" smtClean="0">
-                  <a:solidFill>
-                    <a:srgbClr val="000000"/>
-                  </a:solidFill>
-                  <a:latin typeface="Arial"/>
-                  <a:cs typeface="Arial"/>
-                </a:rPr>
-                <a:t> FS interface</a:t>
-              </a:r>
-              <a:endParaRPr lang="en-US" sz="800" b="1" dirty="0">
-                <a:solidFill>
-                  <a:srgbClr val="000000"/>
-                </a:solidFill>
-                <a:latin typeface="Arial"/>
-                <a:cs typeface="Arial"/>
-              </a:endParaRPr>
-            </a:p>
-          </p:txBody>
-        </p:sp>
-      </p:grpSp>
-    </p:spTree>
-    <p:extLst>
-      <p:ext uri="{BB962C8B-B14F-4D97-AF65-F5344CB8AC3E}">
-        <p14:creationId xmlns:p14="http://schemas.microsoft.com/office/powerpoint/2010/main" val="4229223695"/>
-      </p:ext>
-    </p:extLst>
-  </p:cSld>
-  <p:clrMapOvr>
-    <a:masterClrMapping/>
-  </p:clrMapOvr>
-  <p:timing>
-    <p:tnLst>
-      <p:par>
-        <p:cTn xmlns:p14="http://schemas.microsoft.com/office/powerpoint/2010/main" id="1" dur="indefinite" restart="never" nodeType="tmRoot"/>
-      </p:par>
-    </p:tnLst>
-  </p:timing>
-</p:sld>
-</file>
-
-<file path=ppt/slides/slide3.xml><?xml version="1.0" encoding="utf-8"?>
-<p:sld xmlns:a="http://schemas.openxmlformats.org/drawingml/2006/main" xmlns:r="http://schemas.openxmlformats.org/officeDocument/2006/relationships" xmlns:p="http://schemas.openxmlformats.org/presentationml/2006/main">
-  <p:cSld>
-    <p:spTree>
-      <p:nvGrpSpPr>
-        <p:cNvPr id="1" name=""/>
-        <p:cNvGrpSpPr/>
-        <p:nvPr/>
-      </p:nvGrpSpPr>
-      <p:grpSpPr>
-        <a:xfrm>
-          <a:off x="0" y="0"/>
-          <a:ext cx="0" cy="0"/>
-          <a:chOff x="0" y="0"/>
-          <a:chExt cx="0" cy="0"/>
-        </a:xfrm>
-      </p:grpSpPr>
       <p:grpSp>
         <p:nvGrpSpPr>
           <p:cNvPr id="111" name="Group 110"/>
@@ -7761,7 +7838,7 @@
         </p:nvGrpSpPr>
         <p:grpSpPr>
           <a:xfrm>
-            <a:off x="2222461" y="1696804"/>
+            <a:off x="4478867" y="1620903"/>
             <a:ext cx="2106195" cy="1653637"/>
             <a:chOff x="2222461" y="1696804"/>
             <a:chExt cx="2106195" cy="1653637"/>
@@ -8487,7 +8564,7 @@
         </p:nvGrpSpPr>
         <p:grpSpPr>
           <a:xfrm>
-            <a:off x="4055797" y="3662421"/>
+            <a:off x="843141" y="3662421"/>
             <a:ext cx="2106195" cy="1653637"/>
             <a:chOff x="4055797" y="3662421"/>
             <a:chExt cx="2106195" cy="1653637"/>
@@ -9205,10 +9282,1460 @@
           </p:style>
         </p:cxnSp>
       </p:grpSp>
+      <p:grpSp>
+        <p:nvGrpSpPr>
+          <p:cNvPr id="58" name="Group 57"/>
+          <p:cNvGrpSpPr/>
+          <p:nvPr/>
+        </p:nvGrpSpPr>
+        <p:grpSpPr>
+          <a:xfrm>
+            <a:off x="4352303" y="4488884"/>
+            <a:ext cx="2308674" cy="1405469"/>
+            <a:chOff x="4412198" y="4488884"/>
+            <a:chExt cx="2308674" cy="1405469"/>
+          </a:xfrm>
+        </p:grpSpPr>
+        <p:sp>
+          <p:nvSpPr>
+            <p:cNvPr id="3" name="Can 2"/>
+            <p:cNvSpPr/>
+            <p:nvPr/>
+          </p:nvSpPr>
+          <p:spPr>
+            <a:xfrm>
+              <a:off x="4412198" y="4892875"/>
+              <a:ext cx="618066" cy="499196"/>
+            </a:xfrm>
+            <a:prstGeom prst="can">
+              <a:avLst/>
+            </a:prstGeom>
+            <a:noFill/>
+            <a:ln>
+              <a:solidFill>
+                <a:schemeClr val="tx1"/>
+              </a:solidFill>
+            </a:ln>
+          </p:spPr>
+          <p:style>
+            <a:lnRef idx="1">
+              <a:schemeClr val="accent1"/>
+            </a:lnRef>
+            <a:fillRef idx="3">
+              <a:schemeClr val="accent1"/>
+            </a:fillRef>
+            <a:effectRef idx="2">
+              <a:schemeClr val="accent1"/>
+            </a:effectRef>
+            <a:fontRef idx="minor">
+              <a:schemeClr val="lt1"/>
+            </a:fontRef>
+          </p:style>
+          <p:txBody>
+            <a:bodyPr rtlCol="0" anchor="ctr"/>
+            <a:lstStyle/>
+            <a:p>
+              <a:pPr algn="ctr"/>
+              <a:r>
+                <a:rPr lang="en-US" sz="800" dirty="0" smtClean="0">
+                  <a:solidFill>
+                    <a:srgbClr val="000000"/>
+                  </a:solidFill>
+                  <a:latin typeface="Arial"/>
+                  <a:cs typeface="Arial"/>
+                </a:rPr>
+                <a:t>Template Resource </a:t>
+              </a:r>
+              <a:endParaRPr lang="en-US" sz="800" dirty="0">
+                <a:solidFill>
+                  <a:srgbClr val="000000"/>
+                </a:solidFill>
+                <a:latin typeface="Arial"/>
+                <a:cs typeface="Arial"/>
+              </a:endParaRPr>
+            </a:p>
+          </p:txBody>
+        </p:sp>
+        <p:sp>
+          <p:nvSpPr>
+            <p:cNvPr id="12" name="Rectangle 11"/>
+            <p:cNvSpPr/>
+            <p:nvPr/>
+          </p:nvSpPr>
+          <p:spPr>
+            <a:xfrm>
+              <a:off x="5157265" y="4626764"/>
+              <a:ext cx="550332" cy="287866"/>
+            </a:xfrm>
+            <a:prstGeom prst="rect">
+              <a:avLst/>
+            </a:prstGeom>
+            <a:noFill/>
+            <a:ln>
+              <a:solidFill>
+                <a:schemeClr val="tx1"/>
+              </a:solidFill>
+            </a:ln>
+          </p:spPr>
+          <p:style>
+            <a:lnRef idx="1">
+              <a:schemeClr val="accent1"/>
+            </a:lnRef>
+            <a:fillRef idx="3">
+              <a:schemeClr val="accent1"/>
+            </a:fillRef>
+            <a:effectRef idx="2">
+              <a:schemeClr val="accent1"/>
+            </a:effectRef>
+            <a:fontRef idx="minor">
+              <a:schemeClr val="lt1"/>
+            </a:fontRef>
+          </p:style>
+          <p:txBody>
+            <a:bodyPr rtlCol="0" anchor="ctr"/>
+            <a:lstStyle/>
+            <a:p>
+              <a:pPr algn="ctr"/>
+              <a:r>
+                <a:rPr lang="en-US" sz="700" dirty="0" err="1" smtClean="0">
+                  <a:solidFill>
+                    <a:srgbClr val="000000"/>
+                  </a:solidFill>
+                  <a:latin typeface="Arial"/>
+                  <a:cs typeface="Arial"/>
+                </a:rPr>
+                <a:t>Distcp</a:t>
+              </a:r>
+              <a:endParaRPr lang="en-US" sz="700" dirty="0">
+                <a:solidFill>
+                  <a:srgbClr val="000000"/>
+                </a:solidFill>
+                <a:latin typeface="Arial"/>
+                <a:cs typeface="Arial"/>
+              </a:endParaRPr>
+            </a:p>
+            <a:p>
+              <a:pPr algn="ctr"/>
+              <a:r>
+                <a:rPr lang="en-US" sz="700" dirty="0" smtClean="0">
+                  <a:solidFill>
+                    <a:srgbClr val="000000"/>
+                  </a:solidFill>
+                  <a:latin typeface="Arial"/>
+                  <a:cs typeface="Arial"/>
+                </a:rPr>
+                <a:t>type</a:t>
+              </a:r>
+              <a:endParaRPr lang="en-US" sz="700" dirty="0">
+                <a:solidFill>
+                  <a:srgbClr val="000000"/>
+                </a:solidFill>
+                <a:latin typeface="Arial"/>
+                <a:cs typeface="Arial"/>
+              </a:endParaRPr>
+            </a:p>
+          </p:txBody>
+        </p:sp>
+        <p:sp>
+          <p:nvSpPr>
+            <p:cNvPr id="44" name="Rectangle 43"/>
+            <p:cNvSpPr/>
+            <p:nvPr/>
+          </p:nvSpPr>
+          <p:spPr>
+            <a:xfrm>
+              <a:off x="5157265" y="4985128"/>
+              <a:ext cx="550332" cy="287866"/>
+            </a:xfrm>
+            <a:prstGeom prst="rect">
+              <a:avLst/>
+            </a:prstGeom>
+            <a:noFill/>
+            <a:ln>
+              <a:solidFill>
+                <a:schemeClr val="tx1"/>
+              </a:solidFill>
+            </a:ln>
+          </p:spPr>
+          <p:style>
+            <a:lnRef idx="1">
+              <a:schemeClr val="accent1"/>
+            </a:lnRef>
+            <a:fillRef idx="3">
+              <a:schemeClr val="accent1"/>
+            </a:fillRef>
+            <a:effectRef idx="2">
+              <a:schemeClr val="accent1"/>
+            </a:effectRef>
+            <a:fontRef idx="minor">
+              <a:schemeClr val="lt1"/>
+            </a:fontRef>
+          </p:style>
+          <p:txBody>
+            <a:bodyPr rtlCol="0" anchor="ctr"/>
+            <a:lstStyle/>
+            <a:p>
+              <a:pPr algn="ctr"/>
+              <a:r>
+                <a:rPr lang="en-US" sz="700" dirty="0" smtClean="0">
+                  <a:solidFill>
+                    <a:srgbClr val="000000"/>
+                  </a:solidFill>
+                  <a:latin typeface="Arial"/>
+                  <a:cs typeface="Arial"/>
+                </a:rPr>
+                <a:t>Kafka</a:t>
+              </a:r>
+              <a:endParaRPr lang="en-US" sz="700" dirty="0">
+                <a:solidFill>
+                  <a:srgbClr val="000000"/>
+                </a:solidFill>
+                <a:latin typeface="Arial"/>
+                <a:cs typeface="Arial"/>
+              </a:endParaRPr>
+            </a:p>
+            <a:p>
+              <a:pPr algn="ctr"/>
+              <a:r>
+                <a:rPr lang="en-US" sz="700" dirty="0" smtClean="0">
+                  <a:solidFill>
+                    <a:srgbClr val="000000"/>
+                  </a:solidFill>
+                  <a:latin typeface="Arial"/>
+                  <a:cs typeface="Arial"/>
+                </a:rPr>
+                <a:t>type</a:t>
+              </a:r>
+              <a:endParaRPr lang="en-US" sz="700" dirty="0">
+                <a:solidFill>
+                  <a:srgbClr val="000000"/>
+                </a:solidFill>
+                <a:latin typeface="Arial"/>
+                <a:cs typeface="Arial"/>
+              </a:endParaRPr>
+            </a:p>
+          </p:txBody>
+        </p:sp>
+        <p:sp>
+          <p:nvSpPr>
+            <p:cNvPr id="45" name="Rectangle 44"/>
+            <p:cNvSpPr/>
+            <p:nvPr/>
+          </p:nvSpPr>
+          <p:spPr>
+            <a:xfrm>
+              <a:off x="5174416" y="5615834"/>
+              <a:ext cx="550333" cy="278519"/>
+            </a:xfrm>
+            <a:prstGeom prst="rect">
+              <a:avLst/>
+            </a:prstGeom>
+            <a:noFill/>
+            <a:ln>
+              <a:solidFill>
+                <a:schemeClr val="tx1"/>
+              </a:solidFill>
+            </a:ln>
+          </p:spPr>
+          <p:style>
+            <a:lnRef idx="1">
+              <a:schemeClr val="accent1"/>
+            </a:lnRef>
+            <a:fillRef idx="3">
+              <a:schemeClr val="accent1"/>
+            </a:fillRef>
+            <a:effectRef idx="2">
+              <a:schemeClr val="accent1"/>
+            </a:effectRef>
+            <a:fontRef idx="minor">
+              <a:schemeClr val="lt1"/>
+            </a:fontRef>
+          </p:style>
+          <p:txBody>
+            <a:bodyPr rtlCol="0" anchor="ctr"/>
+            <a:lstStyle/>
+            <a:p>
+              <a:pPr algn="ctr"/>
+              <a:r>
+                <a:rPr lang="en-US" sz="700" dirty="0" smtClean="0">
+                  <a:solidFill>
+                    <a:srgbClr val="000000"/>
+                  </a:solidFill>
+                  <a:latin typeface="Arial"/>
+                  <a:cs typeface="Arial"/>
+                </a:rPr>
+                <a:t>Basic</a:t>
+              </a:r>
+              <a:endParaRPr lang="en-US" sz="700" dirty="0">
+                <a:solidFill>
+                  <a:srgbClr val="000000"/>
+                </a:solidFill>
+                <a:latin typeface="Arial"/>
+                <a:cs typeface="Arial"/>
+              </a:endParaRPr>
+            </a:p>
+            <a:p>
+              <a:pPr algn="ctr"/>
+              <a:r>
+                <a:rPr lang="en-US" sz="700" dirty="0" smtClean="0">
+                  <a:solidFill>
+                    <a:srgbClr val="000000"/>
+                  </a:solidFill>
+                  <a:latin typeface="Arial"/>
+                  <a:cs typeface="Arial"/>
+                </a:rPr>
+                <a:t>template</a:t>
+              </a:r>
+              <a:endParaRPr lang="en-US" sz="700" dirty="0">
+                <a:solidFill>
+                  <a:srgbClr val="000000"/>
+                </a:solidFill>
+                <a:latin typeface="Arial"/>
+                <a:cs typeface="Arial"/>
+              </a:endParaRPr>
+            </a:p>
+          </p:txBody>
+        </p:sp>
+        <p:cxnSp>
+          <p:nvCxnSpPr>
+            <p:cNvPr id="16" name="Straight Arrow Connector 15"/>
+            <p:cNvCxnSpPr>
+              <a:stCxn id="3" idx="1"/>
+            </p:cNvCxnSpPr>
+            <p:nvPr/>
+          </p:nvCxnSpPr>
+          <p:spPr>
+            <a:xfrm flipV="1">
+              <a:off x="4721231" y="4770697"/>
+              <a:ext cx="436034" cy="122178"/>
+            </a:xfrm>
+            <a:prstGeom prst="straightConnector1">
+              <a:avLst/>
+            </a:prstGeom>
+            <a:ln w="3175" cmpd="sng">
+              <a:solidFill>
+                <a:schemeClr val="tx1"/>
+              </a:solidFill>
+              <a:tailEnd type="arrow" w="sm" len="sm"/>
+            </a:ln>
+          </p:spPr>
+          <p:style>
+            <a:lnRef idx="2">
+              <a:schemeClr val="accent1"/>
+            </a:lnRef>
+            <a:fillRef idx="0">
+              <a:schemeClr val="accent1"/>
+            </a:fillRef>
+            <a:effectRef idx="1">
+              <a:schemeClr val="accent1"/>
+            </a:effectRef>
+            <a:fontRef idx="minor">
+              <a:schemeClr val="tx1"/>
+            </a:fontRef>
+          </p:style>
+        </p:cxnSp>
+        <p:cxnSp>
+          <p:nvCxnSpPr>
+            <p:cNvPr id="48" name="Straight Arrow Connector 47"/>
+            <p:cNvCxnSpPr/>
+            <p:nvPr/>
+          </p:nvCxnSpPr>
+          <p:spPr>
+            <a:xfrm>
+              <a:off x="5030264" y="5167453"/>
+              <a:ext cx="127001" cy="0"/>
+            </a:xfrm>
+            <a:prstGeom prst="straightConnector1">
+              <a:avLst/>
+            </a:prstGeom>
+            <a:ln w="3175" cmpd="sng">
+              <a:solidFill>
+                <a:schemeClr val="tx1"/>
+              </a:solidFill>
+              <a:tailEnd type="arrow" w="sm" len="sm"/>
+            </a:ln>
+          </p:spPr>
+          <p:style>
+            <a:lnRef idx="2">
+              <a:schemeClr val="accent1"/>
+            </a:lnRef>
+            <a:fillRef idx="0">
+              <a:schemeClr val="accent1"/>
+            </a:fillRef>
+            <a:effectRef idx="1">
+              <a:schemeClr val="accent1"/>
+            </a:effectRef>
+            <a:fontRef idx="minor">
+              <a:schemeClr val="tx1"/>
+            </a:fontRef>
+          </p:style>
+        </p:cxnSp>
+        <p:cxnSp>
+          <p:nvCxnSpPr>
+            <p:cNvPr id="51" name="Straight Arrow Connector 50"/>
+            <p:cNvCxnSpPr>
+              <a:stCxn id="3" idx="3"/>
+              <a:endCxn id="45" idx="1"/>
+            </p:cNvCxnSpPr>
+            <p:nvPr/>
+          </p:nvCxnSpPr>
+          <p:spPr>
+            <a:xfrm>
+              <a:off x="4721231" y="5392071"/>
+              <a:ext cx="453185" cy="363023"/>
+            </a:xfrm>
+            <a:prstGeom prst="straightConnector1">
+              <a:avLst/>
+            </a:prstGeom>
+            <a:ln w="3175" cmpd="sng">
+              <a:solidFill>
+                <a:schemeClr val="tx1"/>
+              </a:solidFill>
+              <a:tailEnd type="arrow" w="sm" len="sm"/>
+            </a:ln>
+          </p:spPr>
+          <p:style>
+            <a:lnRef idx="2">
+              <a:schemeClr val="accent1"/>
+            </a:lnRef>
+            <a:fillRef idx="0">
+              <a:schemeClr val="accent1"/>
+            </a:fillRef>
+            <a:effectRef idx="1">
+              <a:schemeClr val="accent1"/>
+            </a:effectRef>
+            <a:fontRef idx="minor">
+              <a:schemeClr val="tx1"/>
+            </a:fontRef>
+          </p:style>
+        </p:cxnSp>
+        <p:sp>
+          <p:nvSpPr>
+            <p:cNvPr id="53" name="Rectangle 52"/>
+            <p:cNvSpPr/>
+            <p:nvPr/>
+          </p:nvSpPr>
+          <p:spPr>
+            <a:xfrm>
+              <a:off x="5965816" y="5138478"/>
+              <a:ext cx="755056" cy="588374"/>
+            </a:xfrm>
+            <a:prstGeom prst="rect">
+              <a:avLst/>
+            </a:prstGeom>
+            <a:noFill/>
+            <a:ln>
+              <a:solidFill>
+                <a:schemeClr val="tx1"/>
+              </a:solidFill>
+            </a:ln>
+          </p:spPr>
+          <p:style>
+            <a:lnRef idx="1">
+              <a:schemeClr val="accent1"/>
+            </a:lnRef>
+            <a:fillRef idx="3">
+              <a:schemeClr val="accent1"/>
+            </a:fillRef>
+            <a:effectRef idx="2">
+              <a:schemeClr val="accent1"/>
+            </a:effectRef>
+            <a:fontRef idx="minor">
+              <a:schemeClr val="lt1"/>
+            </a:fontRef>
+          </p:style>
+          <p:txBody>
+            <a:bodyPr rtlCol="0" anchor="ctr"/>
+            <a:lstStyle/>
+            <a:p>
+              <a:pPr algn="ctr"/>
+              <a:r>
+                <a:rPr lang="en-US" sz="800" dirty="0" err="1" smtClean="0">
+                  <a:solidFill>
+                    <a:srgbClr val="000000"/>
+                  </a:solidFill>
+                  <a:latin typeface="Arial"/>
+                  <a:cs typeface="Arial"/>
+                </a:rPr>
+                <a:t>JobTemplate</a:t>
+              </a:r>
+              <a:endParaRPr lang="en-US" sz="800" dirty="0" smtClean="0">
+                <a:solidFill>
+                  <a:srgbClr val="000000"/>
+                </a:solidFill>
+                <a:latin typeface="Arial"/>
+                <a:cs typeface="Arial"/>
+              </a:endParaRPr>
+            </a:p>
+            <a:p>
+              <a:pPr algn="ctr"/>
+              <a:r>
+                <a:rPr lang="en-US" sz="800" dirty="0" smtClean="0">
+                  <a:solidFill>
+                    <a:srgbClr val="000000"/>
+                  </a:solidFill>
+                  <a:latin typeface="Arial"/>
+                  <a:cs typeface="Arial"/>
+                </a:rPr>
+                <a:t>Interface</a:t>
+              </a:r>
+              <a:endParaRPr lang="en-US" sz="800" dirty="0">
+                <a:solidFill>
+                  <a:srgbClr val="000000"/>
+                </a:solidFill>
+                <a:latin typeface="Arial"/>
+                <a:cs typeface="Arial"/>
+              </a:endParaRPr>
+            </a:p>
+          </p:txBody>
+        </p:sp>
+        <p:cxnSp>
+          <p:nvCxnSpPr>
+            <p:cNvPr id="54" name="Straight Arrow Connector 53"/>
+            <p:cNvCxnSpPr>
+              <a:stCxn id="12" idx="3"/>
+              <a:endCxn id="53" idx="1"/>
+            </p:cNvCxnSpPr>
+            <p:nvPr/>
+          </p:nvCxnSpPr>
+          <p:spPr>
+            <a:xfrm>
+              <a:off x="5707597" y="4770697"/>
+              <a:ext cx="258219" cy="661968"/>
+            </a:xfrm>
+            <a:prstGeom prst="straightConnector1">
+              <a:avLst/>
+            </a:prstGeom>
+            <a:ln w="3175" cmpd="sng">
+              <a:solidFill>
+                <a:schemeClr val="tx1"/>
+              </a:solidFill>
+              <a:tailEnd type="arrow" w="sm" len="sm"/>
+            </a:ln>
+          </p:spPr>
+          <p:style>
+            <a:lnRef idx="2">
+              <a:schemeClr val="accent1"/>
+            </a:lnRef>
+            <a:fillRef idx="0">
+              <a:schemeClr val="accent1"/>
+            </a:fillRef>
+            <a:effectRef idx="1">
+              <a:schemeClr val="accent1"/>
+            </a:effectRef>
+            <a:fontRef idx="minor">
+              <a:schemeClr val="tx1"/>
+            </a:fontRef>
+          </p:style>
+        </p:cxnSp>
+        <p:cxnSp>
+          <p:nvCxnSpPr>
+            <p:cNvPr id="57" name="Straight Arrow Connector 56"/>
+            <p:cNvCxnSpPr>
+              <a:stCxn id="44" idx="3"/>
+              <a:endCxn id="53" idx="1"/>
+            </p:cNvCxnSpPr>
+            <p:nvPr/>
+          </p:nvCxnSpPr>
+          <p:spPr>
+            <a:xfrm>
+              <a:off x="5707597" y="5129061"/>
+              <a:ext cx="258219" cy="303604"/>
+            </a:xfrm>
+            <a:prstGeom prst="straightConnector1">
+              <a:avLst/>
+            </a:prstGeom>
+            <a:ln w="3175" cmpd="sng">
+              <a:solidFill>
+                <a:schemeClr val="tx1"/>
+              </a:solidFill>
+              <a:tailEnd type="arrow" w="sm" len="sm"/>
+            </a:ln>
+          </p:spPr>
+          <p:style>
+            <a:lnRef idx="2">
+              <a:schemeClr val="accent1"/>
+            </a:lnRef>
+            <a:fillRef idx="0">
+              <a:schemeClr val="accent1"/>
+            </a:fillRef>
+            <a:effectRef idx="1">
+              <a:schemeClr val="accent1"/>
+            </a:effectRef>
+            <a:fontRef idx="minor">
+              <a:schemeClr val="tx1"/>
+            </a:fontRef>
+          </p:style>
+        </p:cxnSp>
+        <p:cxnSp>
+          <p:nvCxnSpPr>
+            <p:cNvPr id="60" name="Straight Arrow Connector 59"/>
+            <p:cNvCxnSpPr>
+              <a:stCxn id="45" idx="3"/>
+              <a:endCxn id="53" idx="1"/>
+            </p:cNvCxnSpPr>
+            <p:nvPr/>
+          </p:nvCxnSpPr>
+          <p:spPr>
+            <a:xfrm flipV="1">
+              <a:off x="5724749" y="5432665"/>
+              <a:ext cx="241067" cy="322429"/>
+            </a:xfrm>
+            <a:prstGeom prst="straightConnector1">
+              <a:avLst/>
+            </a:prstGeom>
+            <a:ln w="3175" cmpd="sng">
+              <a:solidFill>
+                <a:schemeClr val="tx1"/>
+              </a:solidFill>
+              <a:tailEnd type="arrow" w="sm" len="sm"/>
+            </a:ln>
+          </p:spPr>
+          <p:style>
+            <a:lnRef idx="2">
+              <a:schemeClr val="accent1"/>
+            </a:lnRef>
+            <a:fillRef idx="0">
+              <a:schemeClr val="accent1"/>
+            </a:fillRef>
+            <a:effectRef idx="1">
+              <a:schemeClr val="accent1"/>
+            </a:effectRef>
+            <a:fontRef idx="minor">
+              <a:schemeClr val="tx1"/>
+            </a:fontRef>
+          </p:style>
+        </p:cxnSp>
+        <p:sp>
+          <p:nvSpPr>
+            <p:cNvPr id="34" name="TextBox 33"/>
+            <p:cNvSpPr txBox="1"/>
+            <p:nvPr/>
+          </p:nvSpPr>
+          <p:spPr>
+            <a:xfrm>
+              <a:off x="5174416" y="5246502"/>
+              <a:ext cx="710742" cy="369332"/>
+            </a:xfrm>
+            <a:prstGeom prst="rect">
+              <a:avLst/>
+            </a:prstGeom>
+            <a:noFill/>
+          </p:spPr>
+          <p:txBody>
+            <a:bodyPr wrap="square" rtlCol="0">
+              <a:spAutoFit/>
+            </a:bodyPr>
+            <a:lstStyle/>
+            <a:p>
+              <a:r>
+                <a:rPr lang="is-IS" dirty="0" smtClean="0"/>
+                <a:t>…</a:t>
+              </a:r>
+              <a:endParaRPr lang="en-US" dirty="0"/>
+            </a:p>
+          </p:txBody>
+        </p:sp>
+        <p:sp>
+          <p:nvSpPr>
+            <p:cNvPr id="55" name="Oval 54"/>
+            <p:cNvSpPr/>
+            <p:nvPr/>
+          </p:nvSpPr>
+          <p:spPr>
+            <a:xfrm>
+              <a:off x="6046721" y="4488884"/>
+              <a:ext cx="598236" cy="283707"/>
+            </a:xfrm>
+            <a:prstGeom prst="ellipse">
+              <a:avLst/>
+            </a:prstGeom>
+            <a:noFill/>
+            <a:ln>
+              <a:solidFill>
+                <a:schemeClr val="tx1"/>
+              </a:solidFill>
+            </a:ln>
+          </p:spPr>
+          <p:style>
+            <a:lnRef idx="1">
+              <a:schemeClr val="accent1"/>
+            </a:lnRef>
+            <a:fillRef idx="3">
+              <a:schemeClr val="accent1"/>
+            </a:fillRef>
+            <a:effectRef idx="2">
+              <a:schemeClr val="accent1"/>
+            </a:effectRef>
+            <a:fontRef idx="minor">
+              <a:schemeClr val="lt1"/>
+            </a:fontRef>
+          </p:style>
+          <p:txBody>
+            <a:bodyPr rtlCol="0" anchor="ctr"/>
+            <a:lstStyle/>
+            <a:p>
+              <a:pPr algn="ctr"/>
+              <a:r>
+                <a:rPr lang="en-US" sz="800" dirty="0" smtClean="0">
+                  <a:solidFill>
+                    <a:srgbClr val="000000"/>
+                  </a:solidFill>
+                  <a:latin typeface="Arial"/>
+                  <a:cs typeface="Arial"/>
+                </a:rPr>
+                <a:t>User</a:t>
+              </a:r>
+              <a:endParaRPr lang="en-US" sz="800" dirty="0">
+                <a:solidFill>
+                  <a:srgbClr val="000000"/>
+                </a:solidFill>
+                <a:latin typeface="Arial"/>
+                <a:cs typeface="Arial"/>
+              </a:endParaRPr>
+            </a:p>
+          </p:txBody>
+        </p:sp>
+        <p:sp>
+          <p:nvSpPr>
+            <p:cNvPr id="56" name="Left-Right Arrow 55"/>
+            <p:cNvSpPr/>
+            <p:nvPr/>
+          </p:nvSpPr>
+          <p:spPr>
+            <a:xfrm rot="16200000">
+              <a:off x="6205958" y="4859089"/>
+              <a:ext cx="273997" cy="166492"/>
+            </a:xfrm>
+            <a:prstGeom prst="leftRightArrow">
+              <a:avLst/>
+            </a:prstGeom>
+            <a:noFill/>
+            <a:ln>
+              <a:solidFill>
+                <a:schemeClr val="tx1"/>
+              </a:solidFill>
+            </a:ln>
+          </p:spPr>
+          <p:style>
+            <a:lnRef idx="1">
+              <a:schemeClr val="accent1"/>
+            </a:lnRef>
+            <a:fillRef idx="3">
+              <a:schemeClr val="accent1"/>
+            </a:fillRef>
+            <a:effectRef idx="2">
+              <a:schemeClr val="accent1"/>
+            </a:effectRef>
+            <a:fontRef idx="minor">
+              <a:schemeClr val="lt1"/>
+            </a:fontRef>
+          </p:style>
+          <p:txBody>
+            <a:bodyPr rtlCol="0" anchor="ctr"/>
+            <a:lstStyle/>
+            <a:p>
+              <a:pPr algn="ctr"/>
+              <a:endParaRPr lang="en-US"/>
+            </a:p>
+          </p:txBody>
+        </p:sp>
+      </p:grpSp>
     </p:spTree>
     <p:extLst>
       <p:ext uri="{BB962C8B-B14F-4D97-AF65-F5344CB8AC3E}">
         <p14:creationId xmlns:p14="http://schemas.microsoft.com/office/powerpoint/2010/main" val="3468250698"/>
+      </p:ext>
+    </p:extLst>
+  </p:cSld>
+  <p:clrMapOvr>
+    <a:masterClrMapping/>
+  </p:clrMapOvr>
+  <p:timing>
+    <p:tnLst>
+      <p:par>
+        <p:cTn xmlns:p14="http://schemas.microsoft.com/office/powerpoint/2010/main" id="1" dur="indefinite" restart="never" nodeType="tmRoot"/>
+      </p:par>
+    </p:tnLst>
+  </p:timing>
+</p:sld>
+</file>
+
+<file path=ppt/slides/slide3.xml><?xml version="1.0" encoding="utf-8"?>
+<p:sld xmlns:a="http://schemas.openxmlformats.org/drawingml/2006/main" xmlns:r="http://schemas.openxmlformats.org/officeDocument/2006/relationships" xmlns:p="http://schemas.openxmlformats.org/presentationml/2006/main">
+  <p:cSld>
+    <p:spTree>
+      <p:nvGrpSpPr>
+        <p:cNvPr id="1" name=""/>
+        <p:cNvGrpSpPr/>
+        <p:nvPr/>
+      </p:nvGrpSpPr>
+      <p:grpSpPr>
+        <a:xfrm>
+          <a:off x="0" y="0"/>
+          <a:ext cx="0" cy="0"/>
+          <a:chOff x="0" y="0"/>
+          <a:chExt cx="0" cy="0"/>
+        </a:xfrm>
+      </p:grpSpPr>
+      <p:sp>
+        <p:nvSpPr>
+          <p:cNvPr id="2" name="TextBox 1"/>
+          <p:cNvSpPr txBox="1"/>
+          <p:nvPr/>
+        </p:nvSpPr>
+        <p:spPr>
+          <a:xfrm>
+            <a:off x="905933" y="418817"/>
+            <a:ext cx="3149600" cy="369332"/>
+          </a:xfrm>
+          <a:prstGeom prst="rect">
+            <a:avLst/>
+          </a:prstGeom>
+          <a:noFill/>
+        </p:spPr>
+        <p:txBody>
+          <a:bodyPr wrap="square" rtlCol="0">
+            <a:spAutoFit/>
+          </a:bodyPr>
+          <a:lstStyle/>
+          <a:p>
+            <a:r>
+              <a:rPr lang="en-US" dirty="0" smtClean="0"/>
+              <a:t>The catalog Illustration</a:t>
+            </a:r>
+            <a:endParaRPr lang="en-US" dirty="0"/>
+          </a:p>
+        </p:txBody>
+      </p:sp>
+      <p:grpSp>
+        <p:nvGrpSpPr>
+          <p:cNvPr id="44" name="Group 43"/>
+          <p:cNvGrpSpPr/>
+          <p:nvPr/>
+        </p:nvGrpSpPr>
+        <p:grpSpPr>
+          <a:xfrm>
+            <a:off x="1295400" y="1438841"/>
+            <a:ext cx="4914900" cy="1875933"/>
+            <a:chOff x="1295400" y="1438841"/>
+            <a:chExt cx="4914900" cy="1875933"/>
+          </a:xfrm>
+        </p:grpSpPr>
+        <p:cxnSp>
+          <p:nvCxnSpPr>
+            <p:cNvPr id="11" name="Straight Arrow Connector 10"/>
+            <p:cNvCxnSpPr>
+              <a:stCxn id="12" idx="2"/>
+            </p:cNvCxnSpPr>
+            <p:nvPr/>
+          </p:nvCxnSpPr>
+          <p:spPr>
+            <a:xfrm>
+              <a:off x="2686051" y="1828308"/>
+              <a:ext cx="482600" cy="593724"/>
+            </a:xfrm>
+            <a:prstGeom prst="straightConnector1">
+              <a:avLst/>
+            </a:prstGeom>
+            <a:ln>
+              <a:solidFill>
+                <a:schemeClr val="tx1"/>
+              </a:solidFill>
+              <a:tailEnd type="arrow"/>
+            </a:ln>
+          </p:spPr>
+          <p:style>
+            <a:lnRef idx="2">
+              <a:schemeClr val="accent1"/>
+            </a:lnRef>
+            <a:fillRef idx="0">
+              <a:schemeClr val="accent1"/>
+            </a:fillRef>
+            <a:effectRef idx="1">
+              <a:schemeClr val="accent1"/>
+            </a:effectRef>
+            <a:fontRef idx="minor">
+              <a:schemeClr val="tx1"/>
+            </a:fontRef>
+          </p:style>
+        </p:cxnSp>
+        <p:cxnSp>
+          <p:nvCxnSpPr>
+            <p:cNvPr id="13" name="Straight Arrow Connector 12"/>
+            <p:cNvCxnSpPr>
+              <a:stCxn id="23" idx="3"/>
+            </p:cNvCxnSpPr>
+            <p:nvPr/>
+          </p:nvCxnSpPr>
+          <p:spPr>
+            <a:xfrm>
+              <a:off x="2116667" y="2023042"/>
+              <a:ext cx="1051984" cy="398990"/>
+            </a:xfrm>
+            <a:prstGeom prst="straightConnector1">
+              <a:avLst/>
+            </a:prstGeom>
+            <a:ln>
+              <a:solidFill>
+                <a:schemeClr val="tx1"/>
+              </a:solidFill>
+              <a:tailEnd type="arrow"/>
+            </a:ln>
+          </p:spPr>
+          <p:style>
+            <a:lnRef idx="2">
+              <a:schemeClr val="accent1"/>
+            </a:lnRef>
+            <a:fillRef idx="0">
+              <a:schemeClr val="accent1"/>
+            </a:fillRef>
+            <a:effectRef idx="1">
+              <a:schemeClr val="accent1"/>
+            </a:effectRef>
+            <a:fontRef idx="minor">
+              <a:schemeClr val="tx1"/>
+            </a:fontRef>
+          </p:style>
+        </p:cxnSp>
+        <p:cxnSp>
+          <p:nvCxnSpPr>
+            <p:cNvPr id="16" name="Straight Arrow Connector 15"/>
+            <p:cNvCxnSpPr>
+              <a:stCxn id="30" idx="3"/>
+            </p:cNvCxnSpPr>
+            <p:nvPr/>
+          </p:nvCxnSpPr>
+          <p:spPr>
+            <a:xfrm flipV="1">
+              <a:off x="2116667" y="2422032"/>
+              <a:ext cx="1051984" cy="298594"/>
+            </a:xfrm>
+            <a:prstGeom prst="straightConnector1">
+              <a:avLst/>
+            </a:prstGeom>
+            <a:ln>
+              <a:solidFill>
+                <a:schemeClr val="tx1"/>
+              </a:solidFill>
+              <a:tailEnd type="arrow"/>
+            </a:ln>
+          </p:spPr>
+          <p:style>
+            <a:lnRef idx="2">
+              <a:schemeClr val="accent1"/>
+            </a:lnRef>
+            <a:fillRef idx="0">
+              <a:schemeClr val="accent1"/>
+            </a:fillRef>
+            <a:effectRef idx="1">
+              <a:schemeClr val="accent1"/>
+            </a:effectRef>
+            <a:fontRef idx="minor">
+              <a:schemeClr val="tx1"/>
+            </a:fontRef>
+          </p:style>
+        </p:cxnSp>
+        <p:cxnSp>
+          <p:nvCxnSpPr>
+            <p:cNvPr id="19" name="Straight Arrow Connector 18"/>
+            <p:cNvCxnSpPr>
+              <a:stCxn id="33" idx="0"/>
+            </p:cNvCxnSpPr>
+            <p:nvPr/>
+          </p:nvCxnSpPr>
+          <p:spPr>
+            <a:xfrm flipV="1">
+              <a:off x="2686051" y="2422032"/>
+              <a:ext cx="482600" cy="503275"/>
+            </a:xfrm>
+            <a:prstGeom prst="straightConnector1">
+              <a:avLst/>
+            </a:prstGeom>
+            <a:ln>
+              <a:solidFill>
+                <a:schemeClr val="tx1"/>
+              </a:solidFill>
+              <a:tailEnd type="arrow"/>
+            </a:ln>
+          </p:spPr>
+          <p:style>
+            <a:lnRef idx="2">
+              <a:schemeClr val="accent1"/>
+            </a:lnRef>
+            <a:fillRef idx="0">
+              <a:schemeClr val="accent1"/>
+            </a:fillRef>
+            <a:effectRef idx="1">
+              <a:schemeClr val="accent1"/>
+            </a:effectRef>
+            <a:fontRef idx="minor">
+              <a:schemeClr val="tx1"/>
+            </a:fontRef>
+          </p:style>
+        </p:cxnSp>
+        <p:sp>
+          <p:nvSpPr>
+            <p:cNvPr id="22" name="Rounded Rectangle 21"/>
+            <p:cNvSpPr/>
+            <p:nvPr/>
+          </p:nvSpPr>
+          <p:spPr>
+            <a:xfrm>
+              <a:off x="4859867" y="2000745"/>
+              <a:ext cx="1350433" cy="842574"/>
+            </a:xfrm>
+            <a:prstGeom prst="roundRect">
+              <a:avLst/>
+            </a:prstGeom>
+            <a:solidFill>
+              <a:schemeClr val="tx1"/>
+            </a:solidFill>
+            <a:ln>
+              <a:noFill/>
+            </a:ln>
+            <a:effectLst/>
+          </p:spPr>
+          <p:style>
+            <a:lnRef idx="1">
+              <a:schemeClr val="accent1"/>
+            </a:lnRef>
+            <a:fillRef idx="3">
+              <a:schemeClr val="accent1"/>
+            </a:fillRef>
+            <a:effectRef idx="2">
+              <a:schemeClr val="accent1"/>
+            </a:effectRef>
+            <a:fontRef idx="minor">
+              <a:schemeClr val="lt1"/>
+            </a:fontRef>
+          </p:style>
+          <p:txBody>
+            <a:bodyPr rtlCol="0" anchor="ctr"/>
+            <a:lstStyle/>
+            <a:p>
+              <a:pPr algn="ctr"/>
+              <a:r>
+                <a:rPr lang="en-US" sz="1000" b="1" dirty="0" smtClean="0">
+                  <a:solidFill>
+                    <a:srgbClr val="357DDA"/>
+                  </a:solidFill>
+                  <a:latin typeface="Arial"/>
+                  <a:cs typeface="Arial"/>
+                </a:rPr>
+                <a:t>Job Catalog</a:t>
+              </a:r>
+              <a:endParaRPr lang="en-US" sz="1000" b="1" dirty="0">
+                <a:solidFill>
+                  <a:srgbClr val="357DDA"/>
+                </a:solidFill>
+                <a:latin typeface="Arial"/>
+                <a:cs typeface="Arial"/>
+              </a:endParaRPr>
+            </a:p>
+          </p:txBody>
+        </p:sp>
+        <p:cxnSp>
+          <p:nvCxnSpPr>
+            <p:cNvPr id="28" name="Curved Connector 27"/>
+            <p:cNvCxnSpPr>
+              <a:stCxn id="12" idx="0"/>
+              <a:endCxn id="22" idx="0"/>
+            </p:cNvCxnSpPr>
+            <p:nvPr/>
+          </p:nvCxnSpPr>
+          <p:spPr>
+            <a:xfrm rot="16200000" flipH="1">
+              <a:off x="3829615" y="295277"/>
+              <a:ext cx="561904" cy="2849033"/>
+            </a:xfrm>
+            <a:prstGeom prst="curvedConnector3">
+              <a:avLst>
+                <a:gd name="adj1" fmla="val -40683"/>
+              </a:avLst>
+            </a:prstGeom>
+            <a:ln>
+              <a:solidFill>
+                <a:schemeClr val="tx1"/>
+              </a:solidFill>
+              <a:prstDash val="sysDash"/>
+              <a:tailEnd type="arrow"/>
+            </a:ln>
+          </p:spPr>
+          <p:style>
+            <a:lnRef idx="2">
+              <a:schemeClr val="accent1"/>
+            </a:lnRef>
+            <a:fillRef idx="0">
+              <a:schemeClr val="accent1"/>
+            </a:fillRef>
+            <a:effectRef idx="1">
+              <a:schemeClr val="accent1"/>
+            </a:effectRef>
+            <a:fontRef idx="minor">
+              <a:schemeClr val="tx1"/>
+            </a:fontRef>
+          </p:style>
+        </p:cxnSp>
+        <p:cxnSp>
+          <p:nvCxnSpPr>
+            <p:cNvPr id="31" name="Straight Arrow Connector 30"/>
+            <p:cNvCxnSpPr>
+              <a:stCxn id="37" idx="3"/>
+              <a:endCxn id="22" idx="1"/>
+            </p:cNvCxnSpPr>
+            <p:nvPr/>
+          </p:nvCxnSpPr>
+          <p:spPr>
+            <a:xfrm>
+              <a:off x="4519083" y="2422032"/>
+              <a:ext cx="340784" cy="0"/>
+            </a:xfrm>
+            <a:prstGeom prst="straightConnector1">
+              <a:avLst/>
+            </a:prstGeom>
+            <a:ln>
+              <a:solidFill>
+                <a:schemeClr val="tx1"/>
+              </a:solidFill>
+              <a:tailEnd type="arrow"/>
+            </a:ln>
+          </p:spPr>
+          <p:style>
+            <a:lnRef idx="2">
+              <a:schemeClr val="accent1"/>
+            </a:lnRef>
+            <a:fillRef idx="0">
+              <a:schemeClr val="accent1"/>
+            </a:fillRef>
+            <a:effectRef idx="1">
+              <a:schemeClr val="accent1"/>
+            </a:effectRef>
+            <a:fontRef idx="minor">
+              <a:schemeClr val="tx1"/>
+            </a:fontRef>
+          </p:style>
+        </p:cxnSp>
+        <p:sp>
+          <p:nvSpPr>
+            <p:cNvPr id="12" name="Rectangle 11"/>
+            <p:cNvSpPr/>
+            <p:nvPr/>
+          </p:nvSpPr>
+          <p:spPr>
+            <a:xfrm>
+              <a:off x="2275417" y="1438841"/>
+              <a:ext cx="821267" cy="389467"/>
+            </a:xfrm>
+            <a:prstGeom prst="rect">
+              <a:avLst/>
+            </a:prstGeom>
+            <a:noFill/>
+            <a:ln>
+              <a:solidFill>
+                <a:schemeClr val="tx1"/>
+              </a:solidFill>
+            </a:ln>
+          </p:spPr>
+          <p:style>
+            <a:lnRef idx="1">
+              <a:schemeClr val="accent1"/>
+            </a:lnRef>
+            <a:fillRef idx="3">
+              <a:schemeClr val="accent1"/>
+            </a:fillRef>
+            <a:effectRef idx="2">
+              <a:schemeClr val="accent1"/>
+            </a:effectRef>
+            <a:fontRef idx="minor">
+              <a:schemeClr val="lt1"/>
+            </a:fontRef>
+          </p:style>
+          <p:txBody>
+            <a:bodyPr rtlCol="0" anchor="ctr"/>
+            <a:lstStyle/>
+            <a:p>
+              <a:pPr algn="ctr"/>
+              <a:r>
+                <a:rPr lang="en-US" sz="800" b="1" dirty="0" smtClean="0">
+                  <a:solidFill>
+                    <a:srgbClr val="000000"/>
+                  </a:solidFill>
+                  <a:latin typeface="Arial"/>
+                  <a:cs typeface="Arial"/>
+                </a:rPr>
+                <a:t>Local FS</a:t>
+              </a:r>
+              <a:endParaRPr lang="en-US" sz="800" b="1" dirty="0">
+                <a:solidFill>
+                  <a:srgbClr val="000000"/>
+                </a:solidFill>
+                <a:latin typeface="Arial"/>
+                <a:cs typeface="Arial"/>
+              </a:endParaRPr>
+            </a:p>
+          </p:txBody>
+        </p:sp>
+        <p:sp>
+          <p:nvSpPr>
+            <p:cNvPr id="23" name="Rectangle 22"/>
+            <p:cNvSpPr/>
+            <p:nvPr/>
+          </p:nvSpPr>
+          <p:spPr>
+            <a:xfrm>
+              <a:off x="1295400" y="1828308"/>
+              <a:ext cx="821267" cy="389467"/>
+            </a:xfrm>
+            <a:prstGeom prst="rect">
+              <a:avLst/>
+            </a:prstGeom>
+            <a:noFill/>
+            <a:ln>
+              <a:solidFill>
+                <a:schemeClr val="tx1"/>
+              </a:solidFill>
+            </a:ln>
+          </p:spPr>
+          <p:style>
+            <a:lnRef idx="1">
+              <a:schemeClr val="accent1"/>
+            </a:lnRef>
+            <a:fillRef idx="3">
+              <a:schemeClr val="accent1"/>
+            </a:fillRef>
+            <a:effectRef idx="2">
+              <a:schemeClr val="accent1"/>
+            </a:effectRef>
+            <a:fontRef idx="minor">
+              <a:schemeClr val="lt1"/>
+            </a:fontRef>
+          </p:style>
+          <p:txBody>
+            <a:bodyPr rtlCol="0" anchor="ctr"/>
+            <a:lstStyle/>
+            <a:p>
+              <a:pPr algn="ctr"/>
+              <a:r>
+                <a:rPr lang="en-US" sz="800" b="1" dirty="0" smtClean="0">
+                  <a:solidFill>
+                    <a:srgbClr val="000000"/>
+                  </a:solidFill>
+                  <a:latin typeface="Arial"/>
+                  <a:cs typeface="Arial"/>
+                </a:rPr>
+                <a:t>HDFS</a:t>
+              </a:r>
+              <a:endParaRPr lang="en-US" sz="800" b="1" dirty="0">
+                <a:solidFill>
+                  <a:srgbClr val="000000"/>
+                </a:solidFill>
+                <a:latin typeface="Arial"/>
+                <a:cs typeface="Arial"/>
+              </a:endParaRPr>
+            </a:p>
+          </p:txBody>
+        </p:sp>
+        <p:sp>
+          <p:nvSpPr>
+            <p:cNvPr id="30" name="Rectangle 29"/>
+            <p:cNvSpPr/>
+            <p:nvPr/>
+          </p:nvSpPr>
+          <p:spPr>
+            <a:xfrm>
+              <a:off x="1295400" y="2525892"/>
+              <a:ext cx="821267" cy="389467"/>
+            </a:xfrm>
+            <a:prstGeom prst="rect">
+              <a:avLst/>
+            </a:prstGeom>
+            <a:noFill/>
+            <a:ln>
+              <a:solidFill>
+                <a:schemeClr val="tx1"/>
+              </a:solidFill>
+            </a:ln>
+          </p:spPr>
+          <p:style>
+            <a:lnRef idx="1">
+              <a:schemeClr val="accent1"/>
+            </a:lnRef>
+            <a:fillRef idx="3">
+              <a:schemeClr val="accent1"/>
+            </a:fillRef>
+            <a:effectRef idx="2">
+              <a:schemeClr val="accent1"/>
+            </a:effectRef>
+            <a:fontRef idx="minor">
+              <a:schemeClr val="lt1"/>
+            </a:fontRef>
+          </p:style>
+          <p:txBody>
+            <a:bodyPr rtlCol="0" anchor="ctr"/>
+            <a:lstStyle/>
+            <a:p>
+              <a:pPr algn="ctr"/>
+              <a:r>
+                <a:rPr lang="en-US" sz="800" b="1" dirty="0" smtClean="0">
+                  <a:solidFill>
+                    <a:srgbClr val="000000"/>
+                  </a:solidFill>
+                  <a:latin typeface="Arial"/>
+                  <a:cs typeface="Arial"/>
+                </a:rPr>
+                <a:t>S3</a:t>
+              </a:r>
+              <a:endParaRPr lang="en-US" sz="800" b="1" dirty="0">
+                <a:solidFill>
+                  <a:srgbClr val="000000"/>
+                </a:solidFill>
+                <a:latin typeface="Arial"/>
+                <a:cs typeface="Arial"/>
+              </a:endParaRPr>
+            </a:p>
+          </p:txBody>
+        </p:sp>
+        <p:sp>
+          <p:nvSpPr>
+            <p:cNvPr id="33" name="Rectangle 32"/>
+            <p:cNvSpPr/>
+            <p:nvPr/>
+          </p:nvSpPr>
+          <p:spPr>
+            <a:xfrm>
+              <a:off x="2275417" y="2925307"/>
+              <a:ext cx="821267" cy="389467"/>
+            </a:xfrm>
+            <a:prstGeom prst="rect">
+              <a:avLst/>
+            </a:prstGeom>
+            <a:noFill/>
+            <a:ln>
+              <a:solidFill>
+                <a:schemeClr val="tx1"/>
+              </a:solidFill>
+            </a:ln>
+          </p:spPr>
+          <p:style>
+            <a:lnRef idx="1">
+              <a:schemeClr val="accent1"/>
+            </a:lnRef>
+            <a:fillRef idx="3">
+              <a:schemeClr val="accent1"/>
+            </a:fillRef>
+            <a:effectRef idx="2">
+              <a:schemeClr val="accent1"/>
+            </a:effectRef>
+            <a:fontRef idx="minor">
+              <a:schemeClr val="lt1"/>
+            </a:fontRef>
+          </p:style>
+          <p:txBody>
+            <a:bodyPr rtlCol="0" anchor="ctr"/>
+            <a:lstStyle/>
+            <a:p>
+              <a:pPr algn="ctr"/>
+              <a:r>
+                <a:rPr lang="en-US" sz="800" b="1" dirty="0" smtClean="0">
+                  <a:solidFill>
+                    <a:srgbClr val="000000"/>
+                  </a:solidFill>
+                  <a:latin typeface="Arial"/>
+                  <a:cs typeface="Arial"/>
+                </a:rPr>
+                <a:t>SFTP</a:t>
+              </a:r>
+              <a:endParaRPr lang="en-US" sz="800" b="1" dirty="0">
+                <a:solidFill>
+                  <a:srgbClr val="000000"/>
+                </a:solidFill>
+                <a:latin typeface="Arial"/>
+                <a:cs typeface="Arial"/>
+              </a:endParaRPr>
+            </a:p>
+          </p:txBody>
+        </p:sp>
+        <p:sp>
+          <p:nvSpPr>
+            <p:cNvPr id="37" name="Rectangle 36"/>
+            <p:cNvSpPr/>
+            <p:nvPr/>
+          </p:nvSpPr>
+          <p:spPr>
+            <a:xfrm>
+              <a:off x="3166534" y="2060119"/>
+              <a:ext cx="1352549" cy="723826"/>
+            </a:xfrm>
+            <a:prstGeom prst="rect">
+              <a:avLst/>
+            </a:prstGeom>
+            <a:solidFill>
+              <a:schemeClr val="accent6">
+                <a:lumMod val="20000"/>
+                <a:lumOff val="80000"/>
+              </a:schemeClr>
+            </a:solidFill>
+            <a:ln>
+              <a:solidFill>
+                <a:schemeClr val="tx1"/>
+              </a:solidFill>
+            </a:ln>
+          </p:spPr>
+          <p:style>
+            <a:lnRef idx="1">
+              <a:schemeClr val="accent1"/>
+            </a:lnRef>
+            <a:fillRef idx="3">
+              <a:schemeClr val="accent1"/>
+            </a:fillRef>
+            <a:effectRef idx="2">
+              <a:schemeClr val="accent1"/>
+            </a:effectRef>
+            <a:fontRef idx="minor">
+              <a:schemeClr val="lt1"/>
+            </a:fontRef>
+          </p:style>
+          <p:txBody>
+            <a:bodyPr rtlCol="0" anchor="ctr"/>
+            <a:lstStyle/>
+            <a:p>
+              <a:pPr algn="ctr"/>
+              <a:r>
+                <a:rPr lang="en-US" sz="800" b="1" dirty="0" err="1" smtClean="0">
+                  <a:solidFill>
+                    <a:srgbClr val="000000"/>
+                  </a:solidFill>
+                  <a:latin typeface="Arial"/>
+                  <a:cs typeface="Arial"/>
+                </a:rPr>
+                <a:t>Hadoop</a:t>
+              </a:r>
+              <a:r>
+                <a:rPr lang="en-US" sz="800" b="1" dirty="0" smtClean="0">
+                  <a:solidFill>
+                    <a:srgbClr val="000000"/>
+                  </a:solidFill>
+                  <a:latin typeface="Arial"/>
+                  <a:cs typeface="Arial"/>
+                </a:rPr>
+                <a:t> FS interface</a:t>
+              </a:r>
+              <a:endParaRPr lang="en-US" sz="800" b="1" dirty="0">
+                <a:solidFill>
+                  <a:srgbClr val="000000"/>
+                </a:solidFill>
+                <a:latin typeface="Arial"/>
+                <a:cs typeface="Arial"/>
+              </a:endParaRPr>
+            </a:p>
+          </p:txBody>
+        </p:sp>
+      </p:grpSp>
+    </p:spTree>
+    <p:extLst>
+      <p:ext uri="{BB962C8B-B14F-4D97-AF65-F5344CB8AC3E}">
+        <p14:creationId xmlns:p14="http://schemas.microsoft.com/office/powerpoint/2010/main" val="4229223695"/>
       </p:ext>
     </p:extLst>
   </p:cSld>
